--- a/Education and Taxes.pptx
+++ b/Education and Taxes.pptx
@@ -106,6 +106,11 @@
       </a:defRPr>
     </a:lvl9pPr>
   </p:defaultTextStyle>
+  <p:extLst>
+    <p:ext uri="{EFAFB233-063F-42B5-8137-9DF3F51BA10A}">
+      <p15:sldGuideLst xmlns:p15="http://schemas.microsoft.com/office/powerpoint/2012/main"/>
+    </p:ext>
+  </p:extLst>
 </p:presentation>
 </file>
 
@@ -256,7 +261,7 @@
           <a:p>
             <a:fld id="{A67510C0-1DDF-449A-ABA0-01D9B08E9DA6}" type="datetimeFigureOut">
               <a:rPr lang="en-US" smtClean="0"/>
-              <a:t>9/8/2021</a:t>
+              <a:t>9/12/2021</a:t>
             </a:fld>
             <a:endParaRPr lang="en-US"/>
           </a:p>
@@ -454,7 +459,7 @@
           <a:p>
             <a:fld id="{A67510C0-1DDF-449A-ABA0-01D9B08E9DA6}" type="datetimeFigureOut">
               <a:rPr lang="en-US" smtClean="0"/>
-              <a:t>9/8/2021</a:t>
+              <a:t>9/12/2021</a:t>
             </a:fld>
             <a:endParaRPr lang="en-US"/>
           </a:p>
@@ -662,7 +667,7 @@
           <a:p>
             <a:fld id="{A67510C0-1DDF-449A-ABA0-01D9B08E9DA6}" type="datetimeFigureOut">
               <a:rPr lang="en-US" smtClean="0"/>
-              <a:t>9/8/2021</a:t>
+              <a:t>9/12/2021</a:t>
             </a:fld>
             <a:endParaRPr lang="en-US"/>
           </a:p>
@@ -860,7 +865,7 @@
           <a:p>
             <a:fld id="{A67510C0-1DDF-449A-ABA0-01D9B08E9DA6}" type="datetimeFigureOut">
               <a:rPr lang="en-US" smtClean="0"/>
-              <a:t>9/8/2021</a:t>
+              <a:t>9/12/2021</a:t>
             </a:fld>
             <a:endParaRPr lang="en-US"/>
           </a:p>
@@ -1135,7 +1140,7 @@
           <a:p>
             <a:fld id="{A67510C0-1DDF-449A-ABA0-01D9B08E9DA6}" type="datetimeFigureOut">
               <a:rPr lang="en-US" smtClean="0"/>
-              <a:t>9/8/2021</a:t>
+              <a:t>9/12/2021</a:t>
             </a:fld>
             <a:endParaRPr lang="en-US"/>
           </a:p>
@@ -1400,7 +1405,7 @@
           <a:p>
             <a:fld id="{A67510C0-1DDF-449A-ABA0-01D9B08E9DA6}" type="datetimeFigureOut">
               <a:rPr lang="en-US" smtClean="0"/>
-              <a:t>9/8/2021</a:t>
+              <a:t>9/12/2021</a:t>
             </a:fld>
             <a:endParaRPr lang="en-US"/>
           </a:p>
@@ -1812,7 +1817,7 @@
           <a:p>
             <a:fld id="{A67510C0-1DDF-449A-ABA0-01D9B08E9DA6}" type="datetimeFigureOut">
               <a:rPr lang="en-US" smtClean="0"/>
-              <a:t>9/8/2021</a:t>
+              <a:t>9/12/2021</a:t>
             </a:fld>
             <a:endParaRPr lang="en-US"/>
           </a:p>
@@ -1953,7 +1958,7 @@
           <a:p>
             <a:fld id="{A67510C0-1DDF-449A-ABA0-01D9B08E9DA6}" type="datetimeFigureOut">
               <a:rPr lang="en-US" smtClean="0"/>
-              <a:t>9/8/2021</a:t>
+              <a:t>9/12/2021</a:t>
             </a:fld>
             <a:endParaRPr lang="en-US"/>
           </a:p>
@@ -2066,7 +2071,7 @@
           <a:p>
             <a:fld id="{A67510C0-1DDF-449A-ABA0-01D9B08E9DA6}" type="datetimeFigureOut">
               <a:rPr lang="en-US" smtClean="0"/>
-              <a:t>9/8/2021</a:t>
+              <a:t>9/12/2021</a:t>
             </a:fld>
             <a:endParaRPr lang="en-US"/>
           </a:p>
@@ -2377,7 +2382,7 @@
           <a:p>
             <a:fld id="{A67510C0-1DDF-449A-ABA0-01D9B08E9DA6}" type="datetimeFigureOut">
               <a:rPr lang="en-US" smtClean="0"/>
-              <a:t>9/8/2021</a:t>
+              <a:t>9/12/2021</a:t>
             </a:fld>
             <a:endParaRPr lang="en-US"/>
           </a:p>
@@ -2665,7 +2670,7 @@
           <a:p>
             <a:fld id="{A67510C0-1DDF-449A-ABA0-01D9B08E9DA6}" type="datetimeFigureOut">
               <a:rPr lang="en-US" smtClean="0"/>
-              <a:t>9/8/2021</a:t>
+              <a:t>9/12/2021</a:t>
             </a:fld>
             <a:endParaRPr lang="en-US"/>
           </a:p>
@@ -2906,7 +2911,7 @@
           <a:p>
             <a:fld id="{A67510C0-1DDF-449A-ABA0-01D9B08E9DA6}" type="datetimeFigureOut">
               <a:rPr lang="en-US" smtClean="0"/>
-              <a:t>9/8/2021</a:t>
+              <a:t>9/12/2021</a:t>
             </a:fld>
             <a:endParaRPr lang="en-US"/>
           </a:p>
@@ -4877,7 +4882,7 @@
           <a:p>
             <a:r>
               <a:rPr lang="en-US" sz="1700" dirty="0"/>
-              <a:t>Zip codes with greater educational availability (defined: number of public schools K-12 and colleges) has higher per capita income and higher percentage of electronic tax fillings with direct deposit returns. </a:t>
+              <a:t>Zip codes with greater educational availability (defined: number of public schools K-12 and colleges) have higher per capita income and higher percentage of electronic tax fillings with direct deposit returns. </a:t>
             </a:r>
           </a:p>
           <a:p>

--- a/Education and Taxes.pptx
+++ b/Education and Taxes.pptx
@@ -8,6 +8,10 @@
     <p:sldId id="256" r:id="rId2"/>
     <p:sldId id="257" r:id="rId3"/>
     <p:sldId id="258" r:id="rId4"/>
+    <p:sldId id="263" r:id="rId5"/>
+    <p:sldId id="259" r:id="rId6"/>
+    <p:sldId id="260" r:id="rId7"/>
+    <p:sldId id="261" r:id="rId8"/>
   </p:sldIdLst>
   <p:sldSz cx="12192000" cy="6858000"/>
   <p:notesSz cx="6858000" cy="9144000"/>
@@ -261,7 +265,7 @@
           <a:p>
             <a:fld id="{A67510C0-1DDF-449A-ABA0-01D9B08E9DA6}" type="datetimeFigureOut">
               <a:rPr lang="en-US" smtClean="0"/>
-              <a:t>9/12/2021</a:t>
+              <a:t>9/13/2021</a:t>
             </a:fld>
             <a:endParaRPr lang="en-US"/>
           </a:p>
@@ -459,7 +463,7 @@
           <a:p>
             <a:fld id="{A67510C0-1DDF-449A-ABA0-01D9B08E9DA6}" type="datetimeFigureOut">
               <a:rPr lang="en-US" smtClean="0"/>
-              <a:t>9/12/2021</a:t>
+              <a:t>9/13/2021</a:t>
             </a:fld>
             <a:endParaRPr lang="en-US"/>
           </a:p>
@@ -667,7 +671,7 @@
           <a:p>
             <a:fld id="{A67510C0-1DDF-449A-ABA0-01D9B08E9DA6}" type="datetimeFigureOut">
               <a:rPr lang="en-US" smtClean="0"/>
-              <a:t>9/12/2021</a:t>
+              <a:t>9/13/2021</a:t>
             </a:fld>
             <a:endParaRPr lang="en-US"/>
           </a:p>
@@ -865,7 +869,7 @@
           <a:p>
             <a:fld id="{A67510C0-1DDF-449A-ABA0-01D9B08E9DA6}" type="datetimeFigureOut">
               <a:rPr lang="en-US" smtClean="0"/>
-              <a:t>9/12/2021</a:t>
+              <a:t>9/13/2021</a:t>
             </a:fld>
             <a:endParaRPr lang="en-US"/>
           </a:p>
@@ -1140,7 +1144,7 @@
           <a:p>
             <a:fld id="{A67510C0-1DDF-449A-ABA0-01D9B08E9DA6}" type="datetimeFigureOut">
               <a:rPr lang="en-US" smtClean="0"/>
-              <a:t>9/12/2021</a:t>
+              <a:t>9/13/2021</a:t>
             </a:fld>
             <a:endParaRPr lang="en-US"/>
           </a:p>
@@ -1405,7 +1409,7 @@
           <a:p>
             <a:fld id="{A67510C0-1DDF-449A-ABA0-01D9B08E9DA6}" type="datetimeFigureOut">
               <a:rPr lang="en-US" smtClean="0"/>
-              <a:t>9/12/2021</a:t>
+              <a:t>9/13/2021</a:t>
             </a:fld>
             <a:endParaRPr lang="en-US"/>
           </a:p>
@@ -1817,7 +1821,7 @@
           <a:p>
             <a:fld id="{A67510C0-1DDF-449A-ABA0-01D9B08E9DA6}" type="datetimeFigureOut">
               <a:rPr lang="en-US" smtClean="0"/>
-              <a:t>9/12/2021</a:t>
+              <a:t>9/13/2021</a:t>
             </a:fld>
             <a:endParaRPr lang="en-US"/>
           </a:p>
@@ -1958,7 +1962,7 @@
           <a:p>
             <a:fld id="{A67510C0-1DDF-449A-ABA0-01D9B08E9DA6}" type="datetimeFigureOut">
               <a:rPr lang="en-US" smtClean="0"/>
-              <a:t>9/12/2021</a:t>
+              <a:t>9/13/2021</a:t>
             </a:fld>
             <a:endParaRPr lang="en-US"/>
           </a:p>
@@ -2071,7 +2075,7 @@
           <a:p>
             <a:fld id="{A67510C0-1DDF-449A-ABA0-01D9B08E9DA6}" type="datetimeFigureOut">
               <a:rPr lang="en-US" smtClean="0"/>
-              <a:t>9/12/2021</a:t>
+              <a:t>9/13/2021</a:t>
             </a:fld>
             <a:endParaRPr lang="en-US"/>
           </a:p>
@@ -2382,7 +2386,7 @@
           <a:p>
             <a:fld id="{A67510C0-1DDF-449A-ABA0-01D9B08E9DA6}" type="datetimeFigureOut">
               <a:rPr lang="en-US" smtClean="0"/>
-              <a:t>9/12/2021</a:t>
+              <a:t>9/13/2021</a:t>
             </a:fld>
             <a:endParaRPr lang="en-US"/>
           </a:p>
@@ -2670,7 +2674,7 @@
           <a:p>
             <a:fld id="{A67510C0-1DDF-449A-ABA0-01D9B08E9DA6}" type="datetimeFigureOut">
               <a:rPr lang="en-US" smtClean="0"/>
-              <a:t>9/12/2021</a:t>
+              <a:t>9/13/2021</a:t>
             </a:fld>
             <a:endParaRPr lang="en-US"/>
           </a:p>
@@ -2911,7 +2915,7 @@
           <a:p>
             <a:fld id="{A67510C0-1DDF-449A-ABA0-01D9B08E9DA6}" type="datetimeFigureOut">
               <a:rPr lang="en-US" smtClean="0"/>
-              <a:t>9/12/2021</a:t>
+              <a:t>9/13/2021</a:t>
             </a:fld>
             <a:endParaRPr lang="en-US"/>
           </a:p>
@@ -4537,12 +4541,12 @@
           <a:chExt cx="0" cy="0"/>
         </a:xfrm>
       </p:grpSpPr>
-      <p:sp>
-        <p:nvSpPr>
-          <p:cNvPr id="35" name="Rectangle 34">
-            <a:extLst>
-              <a:ext uri="{FF2B5EF4-FFF2-40B4-BE49-F238E27FC236}">
-                <a16:creationId xmlns:a16="http://schemas.microsoft.com/office/drawing/2014/main" id="{2B566528-1B12-4246-9431-5C2D7D081168}"/>
+      <p:sp useBgFill="1">
+        <p:nvSpPr>
+          <p:cNvPr id="48" name="Rectangle 47">
+            <a:extLst>
+              <a:ext uri="{FF2B5EF4-FFF2-40B4-BE49-F238E27FC236}">
+                <a16:creationId xmlns:a16="http://schemas.microsoft.com/office/drawing/2014/main" id="{45D37F4E-DDB4-456B-97E0-9937730A039F}"/>
               </a:ext>
               <a:ext uri="{C183D7F6-B498-43B3-948B-1728B52AA6E4}">
                 <adec:decorative xmlns:adec="http://schemas.microsoft.com/office/drawing/2017/decorative" val="1"/>
@@ -4563,14 +4567,11 @@
         <p:spPr>
           <a:xfrm>
             <a:off x="0" y="0"/>
-            <a:ext cx="12192000" cy="6858000"/>
+            <a:ext cx="12188952" cy="6858000"/>
           </a:xfrm>
           <a:prstGeom prst="rect">
             <a:avLst/>
           </a:prstGeom>
-          <a:solidFill>
-            <a:schemeClr val="bg1"/>
-          </a:solidFill>
           <a:ln>
             <a:noFill/>
           </a:ln>
@@ -4596,25 +4597,60 @@
           <a:lstStyle/>
           <a:p>
             <a:pPr algn="ctr"/>
-            <a:endParaRPr lang="en-US" dirty="0"/>
-          </a:p>
-        </p:txBody>
-      </p:sp>
-      <p:grpSp>
-        <p:nvGrpSpPr>
-          <p:cNvPr id="37" name="Group 36">
-            <a:extLst>
-              <a:ext uri="{FF2B5EF4-FFF2-40B4-BE49-F238E27FC236}">
-                <a16:creationId xmlns:a16="http://schemas.microsoft.com/office/drawing/2014/main" id="{FA366754-A2F4-475B-8217-AB06F5F15F36}"/>
+            <a:endParaRPr lang="en-US"/>
+          </a:p>
+        </p:txBody>
+      </p:sp>
+      <p:sp>
+        <p:nvSpPr>
+          <p:cNvPr id="2" name="Title 1">
+            <a:extLst>
+              <a:ext uri="{FF2B5EF4-FFF2-40B4-BE49-F238E27FC236}">
+                <a16:creationId xmlns:a16="http://schemas.microsoft.com/office/drawing/2014/main" id="{C83BE332-5CBA-4AFB-8DEB-4C70A33FA2E6}"/>
+              </a:ext>
+            </a:extLst>
+          </p:cNvPr>
+          <p:cNvSpPr>
+            <a:spLocks noGrp="1"/>
+          </p:cNvSpPr>
+          <p:nvPr>
+            <p:ph type="title"/>
+          </p:nvPr>
+        </p:nvSpPr>
+        <p:spPr>
+          <a:xfrm>
+            <a:off x="572493" y="238539"/>
+            <a:ext cx="11018520" cy="1434415"/>
+          </a:xfrm>
+        </p:spPr>
+        <p:txBody>
+          <a:bodyPr vert="horz" lIns="91440" tIns="45720" rIns="91440" bIns="45720" rtlCol="0" anchor="b">
+            <a:normAutofit/>
+          </a:bodyPr>
+          <a:lstStyle/>
+          <a:p>
+            <a:r>
+              <a:rPr lang="en-US" sz="5400"/>
+              <a:t>Indiana – Hoo Hoo Hoosiers!</a:t>
+            </a:r>
+          </a:p>
+        </p:txBody>
+      </p:sp>
+      <p:sp>
+        <p:nvSpPr>
+          <p:cNvPr id="50" name="sketchy line">
+            <a:extLst>
+              <a:ext uri="{FF2B5EF4-FFF2-40B4-BE49-F238E27FC236}">
+                <a16:creationId xmlns:a16="http://schemas.microsoft.com/office/drawing/2014/main" id="{B2DD41CD-8F47-4F56-AD12-4E2FF7696987}"/>
               </a:ext>
               <a:ext uri="{C183D7F6-B498-43B3-948B-1728B52AA6E4}">
                 <adec:decorative xmlns:adec="http://schemas.microsoft.com/office/drawing/2017/decorative" val="1"/>
               </a:ext>
             </a:extLst>
           </p:cNvPr>
-          <p:cNvGrpSpPr>
-            <a:grpSpLocks noGrp="1" noUngrp="1" noRot="1" noChangeAspect="1" noMove="1" noResize="1"/>
-          </p:cNvGrpSpPr>
+          <p:cNvSpPr>
+            <a:spLocks noGrp="1" noRot="1" noChangeAspect="1" noMove="1" noResize="1" noEditPoints="1" noAdjustHandles="1" noChangeArrowheads="1" noChangeShapeType="1" noTextEdit="1"/>
+          </p:cNvSpPr>
           <p:nvPr>
             <p:extLst>
               <p:ext uri="{386F3935-93C4-4BCD-93E2-E3B085C9AB24}">
@@ -4622,150 +4658,652 @@
               </p:ext>
             </p:extLst>
           </p:nvPr>
-        </p:nvGrpSpPr>
-        <p:grpSpPr>
+        </p:nvSpPr>
+        <p:spPr>
           <a:xfrm>
-            <a:off x="11219290" y="1"/>
-            <a:ext cx="972709" cy="1935307"/>
-            <a:chOff x="10918968" y="713127"/>
-            <a:chExt cx="1273032" cy="2532832"/>
+            <a:off x="572493" y="1681544"/>
+            <a:ext cx="10972800" cy="18288"/>
           </a:xfrm>
-        </p:grpSpPr>
-        <p:sp>
-          <p:nvSpPr>
-            <p:cNvPr id="38" name="Rectangle 37">
-              <a:extLst>
-                <a:ext uri="{FF2B5EF4-FFF2-40B4-BE49-F238E27FC236}">
-                  <a16:creationId xmlns:a16="http://schemas.microsoft.com/office/drawing/2014/main" id="{322BF2F0-5264-48F8-8780-73D64DE8487C}"/>
-                </a:ext>
-                <a:ext uri="{C183D7F6-B498-43B3-948B-1728B52AA6E4}">
-                  <adec:decorative xmlns:adec="http://schemas.microsoft.com/office/drawing/2017/decorative" val="1"/>
-                </a:ext>
-              </a:extLst>
-            </p:cNvPr>
-            <p:cNvSpPr/>
-            <p:nvPr>
-              <p:extLst>
-                <p:ext uri="{386F3935-93C4-4BCD-93E2-E3B085C9AB24}">
-                  <p16:designElem xmlns:p16="http://schemas.microsoft.com/office/powerpoint/2015/main" val="1"/>
-                </p:ext>
-              </p:extLst>
-            </p:nvPr>
-          </p:nvSpPr>
-          <p:spPr>
-            <a:xfrm rot="2700000">
-              <a:off x="11052629" y="2120024"/>
-              <a:ext cx="645368" cy="645368"/>
-            </a:xfrm>
-            <a:prstGeom prst="rect">
-              <a:avLst/>
-            </a:prstGeom>
+          <a:custGeom>
+            <a:avLst/>
+            <a:gdLst>
+              <a:gd name="connsiteX0" fmla="*/ 0 w 10972800"/>
+              <a:gd name="connsiteY0" fmla="*/ 0 h 18288"/>
+              <a:gd name="connsiteX1" fmla="*/ 356616 w 10972800"/>
+              <a:gd name="connsiteY1" fmla="*/ 0 h 18288"/>
+              <a:gd name="connsiteX2" fmla="*/ 1042416 w 10972800"/>
+              <a:gd name="connsiteY2" fmla="*/ 0 h 18288"/>
+              <a:gd name="connsiteX3" fmla="*/ 1947672 w 10972800"/>
+              <a:gd name="connsiteY3" fmla="*/ 0 h 18288"/>
+              <a:gd name="connsiteX4" fmla="*/ 2633472 w 10972800"/>
+              <a:gd name="connsiteY4" fmla="*/ 0 h 18288"/>
+              <a:gd name="connsiteX5" fmla="*/ 2990088 w 10972800"/>
+              <a:gd name="connsiteY5" fmla="*/ 0 h 18288"/>
+              <a:gd name="connsiteX6" fmla="*/ 3456432 w 10972800"/>
+              <a:gd name="connsiteY6" fmla="*/ 0 h 18288"/>
+              <a:gd name="connsiteX7" fmla="*/ 4361688 w 10972800"/>
+              <a:gd name="connsiteY7" fmla="*/ 0 h 18288"/>
+              <a:gd name="connsiteX8" fmla="*/ 5266944 w 10972800"/>
+              <a:gd name="connsiteY8" fmla="*/ 0 h 18288"/>
+              <a:gd name="connsiteX9" fmla="*/ 6172200 w 10972800"/>
+              <a:gd name="connsiteY9" fmla="*/ 0 h 18288"/>
+              <a:gd name="connsiteX10" fmla="*/ 6528816 w 10972800"/>
+              <a:gd name="connsiteY10" fmla="*/ 0 h 18288"/>
+              <a:gd name="connsiteX11" fmla="*/ 7214616 w 10972800"/>
+              <a:gd name="connsiteY11" fmla="*/ 0 h 18288"/>
+              <a:gd name="connsiteX12" fmla="*/ 7790688 w 10972800"/>
+              <a:gd name="connsiteY12" fmla="*/ 0 h 18288"/>
+              <a:gd name="connsiteX13" fmla="*/ 8147304 w 10972800"/>
+              <a:gd name="connsiteY13" fmla="*/ 0 h 18288"/>
+              <a:gd name="connsiteX14" fmla="*/ 9052560 w 10972800"/>
+              <a:gd name="connsiteY14" fmla="*/ 0 h 18288"/>
+              <a:gd name="connsiteX15" fmla="*/ 9409176 w 10972800"/>
+              <a:gd name="connsiteY15" fmla="*/ 0 h 18288"/>
+              <a:gd name="connsiteX16" fmla="*/ 9765792 w 10972800"/>
+              <a:gd name="connsiteY16" fmla="*/ 0 h 18288"/>
+              <a:gd name="connsiteX17" fmla="*/ 10341864 w 10972800"/>
+              <a:gd name="connsiteY17" fmla="*/ 0 h 18288"/>
+              <a:gd name="connsiteX18" fmla="*/ 10972800 w 10972800"/>
+              <a:gd name="connsiteY18" fmla="*/ 0 h 18288"/>
+              <a:gd name="connsiteX19" fmla="*/ 10972800 w 10972800"/>
+              <a:gd name="connsiteY19" fmla="*/ 18288 h 18288"/>
+              <a:gd name="connsiteX20" fmla="*/ 10177272 w 10972800"/>
+              <a:gd name="connsiteY20" fmla="*/ 18288 h 18288"/>
+              <a:gd name="connsiteX21" fmla="*/ 9820656 w 10972800"/>
+              <a:gd name="connsiteY21" fmla="*/ 18288 h 18288"/>
+              <a:gd name="connsiteX22" fmla="*/ 9464040 w 10972800"/>
+              <a:gd name="connsiteY22" fmla="*/ 18288 h 18288"/>
+              <a:gd name="connsiteX23" fmla="*/ 8778240 w 10972800"/>
+              <a:gd name="connsiteY23" fmla="*/ 18288 h 18288"/>
+              <a:gd name="connsiteX24" fmla="*/ 8421624 w 10972800"/>
+              <a:gd name="connsiteY24" fmla="*/ 18288 h 18288"/>
+              <a:gd name="connsiteX25" fmla="*/ 7735824 w 10972800"/>
+              <a:gd name="connsiteY25" fmla="*/ 18288 h 18288"/>
+              <a:gd name="connsiteX26" fmla="*/ 6940296 w 10972800"/>
+              <a:gd name="connsiteY26" fmla="*/ 18288 h 18288"/>
+              <a:gd name="connsiteX27" fmla="*/ 6254496 w 10972800"/>
+              <a:gd name="connsiteY27" fmla="*/ 18288 h 18288"/>
+              <a:gd name="connsiteX28" fmla="*/ 5458968 w 10972800"/>
+              <a:gd name="connsiteY28" fmla="*/ 18288 h 18288"/>
+              <a:gd name="connsiteX29" fmla="*/ 4663440 w 10972800"/>
+              <a:gd name="connsiteY29" fmla="*/ 18288 h 18288"/>
+              <a:gd name="connsiteX30" fmla="*/ 4306824 w 10972800"/>
+              <a:gd name="connsiteY30" fmla="*/ 18288 h 18288"/>
+              <a:gd name="connsiteX31" fmla="*/ 3840480 w 10972800"/>
+              <a:gd name="connsiteY31" fmla="*/ 18288 h 18288"/>
+              <a:gd name="connsiteX32" fmla="*/ 3264408 w 10972800"/>
+              <a:gd name="connsiteY32" fmla="*/ 18288 h 18288"/>
+              <a:gd name="connsiteX33" fmla="*/ 2578608 w 10972800"/>
+              <a:gd name="connsiteY33" fmla="*/ 18288 h 18288"/>
+              <a:gd name="connsiteX34" fmla="*/ 1673352 w 10972800"/>
+              <a:gd name="connsiteY34" fmla="*/ 18288 h 18288"/>
+              <a:gd name="connsiteX35" fmla="*/ 877824 w 10972800"/>
+              <a:gd name="connsiteY35" fmla="*/ 18288 h 18288"/>
+              <a:gd name="connsiteX36" fmla="*/ 0 w 10972800"/>
+              <a:gd name="connsiteY36" fmla="*/ 18288 h 18288"/>
+              <a:gd name="connsiteX37" fmla="*/ 0 w 10972800"/>
+              <a:gd name="connsiteY37" fmla="*/ 0 h 18288"/>
+            </a:gdLst>
+            <a:ahLst/>
+            <a:cxnLst>
+              <a:cxn ang="0">
+                <a:pos x="connsiteX0" y="connsiteY0"/>
+              </a:cxn>
+              <a:cxn ang="0">
+                <a:pos x="connsiteX1" y="connsiteY1"/>
+              </a:cxn>
+              <a:cxn ang="0">
+                <a:pos x="connsiteX2" y="connsiteY2"/>
+              </a:cxn>
+              <a:cxn ang="0">
+                <a:pos x="connsiteX3" y="connsiteY3"/>
+              </a:cxn>
+              <a:cxn ang="0">
+                <a:pos x="connsiteX4" y="connsiteY4"/>
+              </a:cxn>
+              <a:cxn ang="0">
+                <a:pos x="connsiteX5" y="connsiteY5"/>
+              </a:cxn>
+              <a:cxn ang="0">
+                <a:pos x="connsiteX6" y="connsiteY6"/>
+              </a:cxn>
+              <a:cxn ang="0">
+                <a:pos x="connsiteX7" y="connsiteY7"/>
+              </a:cxn>
+              <a:cxn ang="0">
+                <a:pos x="connsiteX8" y="connsiteY8"/>
+              </a:cxn>
+              <a:cxn ang="0">
+                <a:pos x="connsiteX9" y="connsiteY9"/>
+              </a:cxn>
+              <a:cxn ang="0">
+                <a:pos x="connsiteX10" y="connsiteY10"/>
+              </a:cxn>
+              <a:cxn ang="0">
+                <a:pos x="connsiteX11" y="connsiteY11"/>
+              </a:cxn>
+              <a:cxn ang="0">
+                <a:pos x="connsiteX12" y="connsiteY12"/>
+              </a:cxn>
+              <a:cxn ang="0">
+                <a:pos x="connsiteX13" y="connsiteY13"/>
+              </a:cxn>
+              <a:cxn ang="0">
+                <a:pos x="connsiteX14" y="connsiteY14"/>
+              </a:cxn>
+              <a:cxn ang="0">
+                <a:pos x="connsiteX15" y="connsiteY15"/>
+              </a:cxn>
+              <a:cxn ang="0">
+                <a:pos x="connsiteX16" y="connsiteY16"/>
+              </a:cxn>
+              <a:cxn ang="0">
+                <a:pos x="connsiteX17" y="connsiteY17"/>
+              </a:cxn>
+              <a:cxn ang="0">
+                <a:pos x="connsiteX18" y="connsiteY18"/>
+              </a:cxn>
+              <a:cxn ang="0">
+                <a:pos x="connsiteX19" y="connsiteY19"/>
+              </a:cxn>
+              <a:cxn ang="0">
+                <a:pos x="connsiteX20" y="connsiteY20"/>
+              </a:cxn>
+              <a:cxn ang="0">
+                <a:pos x="connsiteX21" y="connsiteY21"/>
+              </a:cxn>
+              <a:cxn ang="0">
+                <a:pos x="connsiteX22" y="connsiteY22"/>
+              </a:cxn>
+              <a:cxn ang="0">
+                <a:pos x="connsiteX23" y="connsiteY23"/>
+              </a:cxn>
+              <a:cxn ang="0">
+                <a:pos x="connsiteX24" y="connsiteY24"/>
+              </a:cxn>
+              <a:cxn ang="0">
+                <a:pos x="connsiteX25" y="connsiteY25"/>
+              </a:cxn>
+              <a:cxn ang="0">
+                <a:pos x="connsiteX26" y="connsiteY26"/>
+              </a:cxn>
+              <a:cxn ang="0">
+                <a:pos x="connsiteX27" y="connsiteY27"/>
+              </a:cxn>
+              <a:cxn ang="0">
+                <a:pos x="connsiteX28" y="connsiteY28"/>
+              </a:cxn>
+              <a:cxn ang="0">
+                <a:pos x="connsiteX29" y="connsiteY29"/>
+              </a:cxn>
+              <a:cxn ang="0">
+                <a:pos x="connsiteX30" y="connsiteY30"/>
+              </a:cxn>
+              <a:cxn ang="0">
+                <a:pos x="connsiteX31" y="connsiteY31"/>
+              </a:cxn>
+              <a:cxn ang="0">
+                <a:pos x="connsiteX32" y="connsiteY32"/>
+              </a:cxn>
+              <a:cxn ang="0">
+                <a:pos x="connsiteX33" y="connsiteY33"/>
+              </a:cxn>
+              <a:cxn ang="0">
+                <a:pos x="connsiteX34" y="connsiteY34"/>
+              </a:cxn>
+              <a:cxn ang="0">
+                <a:pos x="connsiteX35" y="connsiteY35"/>
+              </a:cxn>
+              <a:cxn ang="0">
+                <a:pos x="connsiteX36" y="connsiteY36"/>
+              </a:cxn>
+              <a:cxn ang="0">
+                <a:pos x="connsiteX37" y="connsiteY37"/>
+              </a:cxn>
+            </a:cxnLst>
+            <a:rect l="l" t="t" r="r" b="b"/>
+            <a:pathLst>
+              <a:path w="10972800" h="18288" fill="none" extrusionOk="0">
+                <a:moveTo>
+                  <a:pt x="0" y="0"/>
+                </a:moveTo>
+                <a:cubicBezTo>
+                  <a:pt x="165916" y="-1866"/>
+                  <a:pt x="188720" y="13756"/>
+                  <a:pt x="356616" y="0"/>
+                </a:cubicBezTo>
+                <a:cubicBezTo>
+                  <a:pt x="524512" y="-13756"/>
+                  <a:pt x="734781" y="8922"/>
+                  <a:pt x="1042416" y="0"/>
+                </a:cubicBezTo>
+                <a:cubicBezTo>
+                  <a:pt x="1350051" y="-8922"/>
+                  <a:pt x="1595982" y="-26315"/>
+                  <a:pt x="1947672" y="0"/>
+                </a:cubicBezTo>
+                <a:cubicBezTo>
+                  <a:pt x="2299362" y="26315"/>
+                  <a:pt x="2292691" y="-19526"/>
+                  <a:pt x="2633472" y="0"/>
+                </a:cubicBezTo>
+                <a:cubicBezTo>
+                  <a:pt x="2974253" y="19526"/>
+                  <a:pt x="2857309" y="10773"/>
+                  <a:pt x="2990088" y="0"/>
+                </a:cubicBezTo>
+                <a:cubicBezTo>
+                  <a:pt x="3122867" y="-10773"/>
+                  <a:pt x="3359343" y="7194"/>
+                  <a:pt x="3456432" y="0"/>
+                </a:cubicBezTo>
+                <a:cubicBezTo>
+                  <a:pt x="3553521" y="-7194"/>
+                  <a:pt x="4136258" y="5108"/>
+                  <a:pt x="4361688" y="0"/>
+                </a:cubicBezTo>
+                <a:cubicBezTo>
+                  <a:pt x="4587118" y="-5108"/>
+                  <a:pt x="4992424" y="-42958"/>
+                  <a:pt x="5266944" y="0"/>
+                </a:cubicBezTo>
+                <a:cubicBezTo>
+                  <a:pt x="5541464" y="42958"/>
+                  <a:pt x="5882966" y="-3430"/>
+                  <a:pt x="6172200" y="0"/>
+                </a:cubicBezTo>
+                <a:cubicBezTo>
+                  <a:pt x="6461434" y="3430"/>
+                  <a:pt x="6432127" y="6688"/>
+                  <a:pt x="6528816" y="0"/>
+                </a:cubicBezTo>
+                <a:cubicBezTo>
+                  <a:pt x="6625505" y="-6688"/>
+                  <a:pt x="6916805" y="-436"/>
+                  <a:pt x="7214616" y="0"/>
+                </a:cubicBezTo>
+                <a:cubicBezTo>
+                  <a:pt x="7512427" y="436"/>
+                  <a:pt x="7626159" y="-6909"/>
+                  <a:pt x="7790688" y="0"/>
+                </a:cubicBezTo>
+                <a:cubicBezTo>
+                  <a:pt x="7955217" y="6909"/>
+                  <a:pt x="8048891" y="15307"/>
+                  <a:pt x="8147304" y="0"/>
+                </a:cubicBezTo>
+                <a:cubicBezTo>
+                  <a:pt x="8245717" y="-15307"/>
+                  <a:pt x="8645618" y="-11734"/>
+                  <a:pt x="9052560" y="0"/>
+                </a:cubicBezTo>
+                <a:cubicBezTo>
+                  <a:pt x="9459502" y="11734"/>
+                  <a:pt x="9320584" y="8388"/>
+                  <a:pt x="9409176" y="0"/>
+                </a:cubicBezTo>
+                <a:cubicBezTo>
+                  <a:pt x="9497768" y="-8388"/>
+                  <a:pt x="9644192" y="8379"/>
+                  <a:pt x="9765792" y="0"/>
+                </a:cubicBezTo>
+                <a:cubicBezTo>
+                  <a:pt x="9887392" y="-8379"/>
+                  <a:pt x="10105220" y="-12663"/>
+                  <a:pt x="10341864" y="0"/>
+                </a:cubicBezTo>
+                <a:cubicBezTo>
+                  <a:pt x="10578508" y="12663"/>
+                  <a:pt x="10773103" y="-5786"/>
+                  <a:pt x="10972800" y="0"/>
+                </a:cubicBezTo>
+                <a:cubicBezTo>
+                  <a:pt x="10972146" y="8818"/>
+                  <a:pt x="10972240" y="13823"/>
+                  <a:pt x="10972800" y="18288"/>
+                </a:cubicBezTo>
+                <a:cubicBezTo>
+                  <a:pt x="10588778" y="31598"/>
+                  <a:pt x="10543381" y="-12698"/>
+                  <a:pt x="10177272" y="18288"/>
+                </a:cubicBezTo>
+                <a:cubicBezTo>
+                  <a:pt x="9811163" y="49274"/>
+                  <a:pt x="9996817" y="25662"/>
+                  <a:pt x="9820656" y="18288"/>
+                </a:cubicBezTo>
+                <a:cubicBezTo>
+                  <a:pt x="9644495" y="10914"/>
+                  <a:pt x="9607007" y="31631"/>
+                  <a:pt x="9464040" y="18288"/>
+                </a:cubicBezTo>
+                <a:cubicBezTo>
+                  <a:pt x="9321073" y="4945"/>
+                  <a:pt x="9114189" y="28940"/>
+                  <a:pt x="8778240" y="18288"/>
+                </a:cubicBezTo>
+                <a:cubicBezTo>
+                  <a:pt x="8442291" y="7636"/>
+                  <a:pt x="8594763" y="987"/>
+                  <a:pt x="8421624" y="18288"/>
+                </a:cubicBezTo>
+                <a:cubicBezTo>
+                  <a:pt x="8248485" y="35589"/>
+                  <a:pt x="7929515" y="37573"/>
+                  <a:pt x="7735824" y="18288"/>
+                </a:cubicBezTo>
+                <a:cubicBezTo>
+                  <a:pt x="7542133" y="-997"/>
+                  <a:pt x="7252504" y="33858"/>
+                  <a:pt x="6940296" y="18288"/>
+                </a:cubicBezTo>
+                <a:cubicBezTo>
+                  <a:pt x="6628088" y="2718"/>
+                  <a:pt x="6528503" y="48389"/>
+                  <a:pt x="6254496" y="18288"/>
+                </a:cubicBezTo>
+                <a:cubicBezTo>
+                  <a:pt x="5980489" y="-11813"/>
+                  <a:pt x="5695784" y="-3740"/>
+                  <a:pt x="5458968" y="18288"/>
+                </a:cubicBezTo>
+                <a:cubicBezTo>
+                  <a:pt x="5222152" y="40316"/>
+                  <a:pt x="5010751" y="19095"/>
+                  <a:pt x="4663440" y="18288"/>
+                </a:cubicBezTo>
+                <a:cubicBezTo>
+                  <a:pt x="4316129" y="17481"/>
+                  <a:pt x="4425552" y="1606"/>
+                  <a:pt x="4306824" y="18288"/>
+                </a:cubicBezTo>
+                <a:cubicBezTo>
+                  <a:pt x="4188096" y="34970"/>
+                  <a:pt x="3941535" y="7481"/>
+                  <a:pt x="3840480" y="18288"/>
+                </a:cubicBezTo>
+                <a:cubicBezTo>
+                  <a:pt x="3739425" y="29095"/>
+                  <a:pt x="3402388" y="17641"/>
+                  <a:pt x="3264408" y="18288"/>
+                </a:cubicBezTo>
+                <a:cubicBezTo>
+                  <a:pt x="3126428" y="18935"/>
+                  <a:pt x="2776779" y="9983"/>
+                  <a:pt x="2578608" y="18288"/>
+                </a:cubicBezTo>
+                <a:cubicBezTo>
+                  <a:pt x="2380437" y="26593"/>
+                  <a:pt x="1909468" y="25818"/>
+                  <a:pt x="1673352" y="18288"/>
+                </a:cubicBezTo>
+                <a:cubicBezTo>
+                  <a:pt x="1437236" y="10758"/>
+                  <a:pt x="1131180" y="49884"/>
+                  <a:pt x="877824" y="18288"/>
+                </a:cubicBezTo>
+                <a:cubicBezTo>
+                  <a:pt x="624468" y="-13308"/>
+                  <a:pt x="206753" y="2195"/>
+                  <a:pt x="0" y="18288"/>
+                </a:cubicBezTo>
+                <a:cubicBezTo>
+                  <a:pt x="313" y="10654"/>
+                  <a:pt x="-263" y="4056"/>
+                  <a:pt x="0" y="0"/>
+                </a:cubicBezTo>
+                <a:close/>
+              </a:path>
+              <a:path w="10972800" h="18288" stroke="0" extrusionOk="0">
+                <a:moveTo>
+                  <a:pt x="0" y="0"/>
+                </a:moveTo>
+                <a:cubicBezTo>
+                  <a:pt x="164017" y="-17675"/>
+                  <a:pt x="309425" y="9913"/>
+                  <a:pt x="466344" y="0"/>
+                </a:cubicBezTo>
+                <a:cubicBezTo>
+                  <a:pt x="623263" y="-9913"/>
+                  <a:pt x="659300" y="-14524"/>
+                  <a:pt x="822960" y="0"/>
+                </a:cubicBezTo>
+                <a:cubicBezTo>
+                  <a:pt x="986620" y="14524"/>
+                  <a:pt x="1105222" y="-16481"/>
+                  <a:pt x="1289304" y="0"/>
+                </a:cubicBezTo>
+                <a:cubicBezTo>
+                  <a:pt x="1473386" y="16481"/>
+                  <a:pt x="1693223" y="26161"/>
+                  <a:pt x="1975104" y="0"/>
+                </a:cubicBezTo>
+                <a:cubicBezTo>
+                  <a:pt x="2256985" y="-26161"/>
+                  <a:pt x="2435781" y="23061"/>
+                  <a:pt x="2770632" y="0"/>
+                </a:cubicBezTo>
+                <a:cubicBezTo>
+                  <a:pt x="3105483" y="-23061"/>
+                  <a:pt x="3247479" y="-44011"/>
+                  <a:pt x="3675888" y="0"/>
+                </a:cubicBezTo>
+                <a:cubicBezTo>
+                  <a:pt x="4104297" y="44011"/>
+                  <a:pt x="4280918" y="4017"/>
+                  <a:pt x="4581144" y="0"/>
+                </a:cubicBezTo>
+                <a:cubicBezTo>
+                  <a:pt x="4881370" y="-4017"/>
+                  <a:pt x="5021699" y="-11889"/>
+                  <a:pt x="5157216" y="0"/>
+                </a:cubicBezTo>
+                <a:cubicBezTo>
+                  <a:pt x="5292733" y="11889"/>
+                  <a:pt x="5603398" y="-17698"/>
+                  <a:pt x="5952744" y="0"/>
+                </a:cubicBezTo>
+                <a:cubicBezTo>
+                  <a:pt x="6302090" y="17698"/>
+                  <a:pt x="6353093" y="-11909"/>
+                  <a:pt x="6638544" y="0"/>
+                </a:cubicBezTo>
+                <a:cubicBezTo>
+                  <a:pt x="6923995" y="11909"/>
+                  <a:pt x="7053404" y="21630"/>
+                  <a:pt x="7214616" y="0"/>
+                </a:cubicBezTo>
+                <a:cubicBezTo>
+                  <a:pt x="7375828" y="-21630"/>
+                  <a:pt x="7837963" y="3886"/>
+                  <a:pt x="8010144" y="0"/>
+                </a:cubicBezTo>
+                <a:cubicBezTo>
+                  <a:pt x="8182325" y="-3886"/>
+                  <a:pt x="8224183" y="16009"/>
+                  <a:pt x="8366760" y="0"/>
+                </a:cubicBezTo>
+                <a:cubicBezTo>
+                  <a:pt x="8509337" y="-16009"/>
+                  <a:pt x="8687920" y="-5720"/>
+                  <a:pt x="8942832" y="0"/>
+                </a:cubicBezTo>
+                <a:cubicBezTo>
+                  <a:pt x="9197744" y="5720"/>
+                  <a:pt x="9368437" y="20479"/>
+                  <a:pt x="9628632" y="0"/>
+                </a:cubicBezTo>
+                <a:cubicBezTo>
+                  <a:pt x="9888827" y="-20479"/>
+                  <a:pt x="10560858" y="-20746"/>
+                  <a:pt x="10972800" y="0"/>
+                </a:cubicBezTo>
+                <a:cubicBezTo>
+                  <a:pt x="10972186" y="5722"/>
+                  <a:pt x="10972980" y="12495"/>
+                  <a:pt x="10972800" y="18288"/>
+                </a:cubicBezTo>
+                <a:cubicBezTo>
+                  <a:pt x="10786146" y="12536"/>
+                  <a:pt x="10623717" y="14033"/>
+                  <a:pt x="10506456" y="18288"/>
+                </a:cubicBezTo>
+                <a:cubicBezTo>
+                  <a:pt x="10389195" y="22543"/>
+                  <a:pt x="10296178" y="20107"/>
+                  <a:pt x="10149840" y="18288"/>
+                </a:cubicBezTo>
+                <a:cubicBezTo>
+                  <a:pt x="10003502" y="16469"/>
+                  <a:pt x="9767530" y="28891"/>
+                  <a:pt x="9464040" y="18288"/>
+                </a:cubicBezTo>
+                <a:cubicBezTo>
+                  <a:pt x="9160550" y="7685"/>
+                  <a:pt x="9229050" y="2659"/>
+                  <a:pt x="8997696" y="18288"/>
+                </a:cubicBezTo>
+                <a:cubicBezTo>
+                  <a:pt x="8766342" y="33917"/>
+                  <a:pt x="8340136" y="34864"/>
+                  <a:pt x="8092440" y="18288"/>
+                </a:cubicBezTo>
+                <a:cubicBezTo>
+                  <a:pt x="7844744" y="1712"/>
+                  <a:pt x="7863720" y="27405"/>
+                  <a:pt x="7735824" y="18288"/>
+                </a:cubicBezTo>
+                <a:cubicBezTo>
+                  <a:pt x="7607928" y="9171"/>
+                  <a:pt x="7323619" y="461"/>
+                  <a:pt x="7050024" y="18288"/>
+                </a:cubicBezTo>
+                <a:cubicBezTo>
+                  <a:pt x="6776429" y="36115"/>
+                  <a:pt x="6787899" y="28206"/>
+                  <a:pt x="6693408" y="18288"/>
+                </a:cubicBezTo>
+                <a:cubicBezTo>
+                  <a:pt x="6598917" y="8370"/>
+                  <a:pt x="6395231" y="19114"/>
+                  <a:pt x="6227064" y="18288"/>
+                </a:cubicBezTo>
+                <a:cubicBezTo>
+                  <a:pt x="6058897" y="17462"/>
+                  <a:pt x="5618582" y="1091"/>
+                  <a:pt x="5431536" y="18288"/>
+                </a:cubicBezTo>
+                <a:cubicBezTo>
+                  <a:pt x="5244490" y="35485"/>
+                  <a:pt x="4729797" y="-9650"/>
+                  <a:pt x="4526280" y="18288"/>
+                </a:cubicBezTo>
+                <a:cubicBezTo>
+                  <a:pt x="4322763" y="46226"/>
+                  <a:pt x="4216797" y="756"/>
+                  <a:pt x="4059936" y="18288"/>
+                </a:cubicBezTo>
+                <a:cubicBezTo>
+                  <a:pt x="3903075" y="35820"/>
+                  <a:pt x="3537912" y="42098"/>
+                  <a:pt x="3374136" y="18288"/>
+                </a:cubicBezTo>
+                <a:cubicBezTo>
+                  <a:pt x="3210360" y="-5522"/>
+                  <a:pt x="3126842" y="39135"/>
+                  <a:pt x="2907792" y="18288"/>
+                </a:cubicBezTo>
+                <a:cubicBezTo>
+                  <a:pt x="2688742" y="-2559"/>
+                  <a:pt x="2490436" y="34100"/>
+                  <a:pt x="2112264" y="18288"/>
+                </a:cubicBezTo>
+                <a:cubicBezTo>
+                  <a:pt x="1734092" y="2476"/>
+                  <a:pt x="1744622" y="-7274"/>
+                  <a:pt x="1536192" y="18288"/>
+                </a:cubicBezTo>
+                <a:cubicBezTo>
+                  <a:pt x="1327762" y="43850"/>
+                  <a:pt x="1189025" y="6435"/>
+                  <a:pt x="1069848" y="18288"/>
+                </a:cubicBezTo>
+                <a:cubicBezTo>
+                  <a:pt x="950671" y="30141"/>
+                  <a:pt x="858345" y="33684"/>
+                  <a:pt x="713232" y="18288"/>
+                </a:cubicBezTo>
+                <a:cubicBezTo>
+                  <a:pt x="568119" y="2892"/>
+                  <a:pt x="250292" y="5410"/>
+                  <a:pt x="0" y="18288"/>
+                </a:cubicBezTo>
+                <a:cubicBezTo>
+                  <a:pt x="465" y="13062"/>
+                  <a:pt x="-894" y="9029"/>
+                  <a:pt x="0" y="0"/>
+                </a:cubicBezTo>
+                <a:close/>
+              </a:path>
+            </a:pathLst>
+          </a:custGeom>
+          <a:solidFill>
+            <a:schemeClr val="accent2">
+              <a:alpha val="75000"/>
+            </a:schemeClr>
+          </a:solidFill>
+          <a:ln w="44450" cap="rnd">
             <a:solidFill>
-              <a:schemeClr val="accent4">
-                <a:alpha val="30000"/>
+              <a:schemeClr val="accent2">
+                <a:alpha val="75000"/>
               </a:schemeClr>
             </a:solidFill>
-            <a:ln>
-              <a:noFill/>
-            </a:ln>
-          </p:spPr>
-          <p:style>
-            <a:lnRef idx="2">
-              <a:schemeClr val="accent1">
-                <a:shade val="50000"/>
-              </a:schemeClr>
-            </a:lnRef>
-            <a:fillRef idx="1">
-              <a:schemeClr val="accent1"/>
-            </a:fillRef>
-            <a:effectRef idx="0">
-              <a:schemeClr val="accent1"/>
-            </a:effectRef>
-            <a:fontRef idx="minor">
-              <a:schemeClr val="lt1"/>
-            </a:fontRef>
-          </p:style>
-          <p:txBody>
-            <a:bodyPr rtlCol="0" anchor="ctr"/>
-            <a:lstStyle/>
-            <a:p>
-              <a:pPr algn="ctr"/>
-              <a:endParaRPr lang="en-US"/>
-            </a:p>
-          </p:txBody>
-        </p:sp>
-        <p:sp>
-          <p:nvSpPr>
-            <p:cNvPr id="39" name="Isosceles Triangle 38">
-              <a:extLst>
-                <a:ext uri="{FF2B5EF4-FFF2-40B4-BE49-F238E27FC236}">
-                  <a16:creationId xmlns:a16="http://schemas.microsoft.com/office/drawing/2014/main" id="{7DC5FF32-A8FD-4F1B-B8D3-3D226716C078}"/>
-                </a:ext>
-                <a:ext uri="{C183D7F6-B498-43B3-948B-1728B52AA6E4}">
-                  <adec:decorative xmlns:adec="http://schemas.microsoft.com/office/drawing/2017/decorative" val="1"/>
-                </a:ext>
-              </a:extLst>
-            </p:cNvPr>
-            <p:cNvSpPr/>
-            <p:nvPr>
-              <p:extLst>
-                <p:ext uri="{386F3935-93C4-4BCD-93E2-E3B085C9AB24}">
-                  <p16:designElem xmlns:p16="http://schemas.microsoft.com/office/powerpoint/2015/main" val="1"/>
-                </p:ext>
-              </p:extLst>
-            </p:nvPr>
-          </p:nvSpPr>
-          <p:spPr>
-            <a:xfrm rot="16200000">
-              <a:off x="10289068" y="1343027"/>
-              <a:ext cx="2532832" cy="1273032"/>
-            </a:xfrm>
-            <a:prstGeom prst="triangle">
-              <a:avLst>
-                <a:gd name="adj" fmla="val 50000"/>
-              </a:avLst>
-            </a:prstGeom>
-            <a:solidFill>
-              <a:schemeClr val="accent4">
-                <a:alpha val="30000"/>
-              </a:schemeClr>
-            </a:solidFill>
-            <a:ln>
-              <a:noFill/>
-            </a:ln>
-          </p:spPr>
-          <p:style>
-            <a:lnRef idx="2">
-              <a:schemeClr val="accent1">
-                <a:shade val="50000"/>
-              </a:schemeClr>
-            </a:lnRef>
-            <a:fillRef idx="1">
-              <a:schemeClr val="accent1"/>
-            </a:fillRef>
-            <a:effectRef idx="0">
-              <a:schemeClr val="accent1"/>
-            </a:effectRef>
-            <a:fontRef idx="minor">
-              <a:schemeClr val="lt1"/>
-            </a:fontRef>
-          </p:style>
-          <p:txBody>
-            <a:bodyPr rtlCol="0" anchor="ctr"/>
-            <a:lstStyle/>
-            <a:p>
-              <a:pPr algn="ctr"/>
-              <a:endParaRPr lang="en-US" dirty="0"/>
-            </a:p>
-          </p:txBody>
-        </p:sp>
-      </p:grpSp>
-      <p:sp>
-        <p:nvSpPr>
-          <p:cNvPr id="2" name="Title 1">
-            <a:extLst>
-              <a:ext uri="{FF2B5EF4-FFF2-40B4-BE49-F238E27FC236}">
-                <a16:creationId xmlns:a16="http://schemas.microsoft.com/office/drawing/2014/main" id="{C83BE332-5CBA-4AFB-8DEB-4C70A33FA2E6}"/>
+            <a:round/>
+            <a:extLst>
+              <a:ext uri="{C807C97D-BFC1-408E-A445-0C87EB9F89A2}">
+                <ask:lineSketchStyleProps xmlns:ask="http://schemas.microsoft.com/office/drawing/2018/sketchyshapes" sd="2727557108">
+                  <a:prstGeom prst="rect">
+                    <a:avLst/>
+                  </a:prstGeom>
+                  <ask:type>
+                    <ask:lineSketchFreehand/>
+                  </ask:type>
+                </ask:lineSketchStyleProps>
+              </a:ext>
+            </a:extLst>
+          </a:ln>
+        </p:spPr>
+        <p:style>
+          <a:lnRef idx="2">
+            <a:schemeClr val="accent1">
+              <a:shade val="50000"/>
+            </a:schemeClr>
+          </a:lnRef>
+          <a:fillRef idx="1">
+            <a:schemeClr val="accent1"/>
+          </a:fillRef>
+          <a:effectRef idx="0">
+            <a:schemeClr val="accent1"/>
+          </a:effectRef>
+          <a:fontRef idx="minor">
+            <a:schemeClr val="lt1"/>
+          </a:fontRef>
+        </p:style>
+        <p:txBody>
+          <a:bodyPr rtlCol="0" anchor="ctr"/>
+          <a:lstStyle/>
+          <a:p>
+            <a:pPr algn="ctr"/>
+            <a:endParaRPr lang="en-US"/>
+          </a:p>
+        </p:txBody>
+      </p:sp>
+      <p:sp>
+        <p:nvSpPr>
+          <p:cNvPr id="4" name="Text Placeholder 3">
+            <a:extLst>
+              <a:ext uri="{FF2B5EF4-FFF2-40B4-BE49-F238E27FC236}">
+                <a16:creationId xmlns:a16="http://schemas.microsoft.com/office/drawing/2014/main" id="{DCB88CDB-35EB-453D-B682-1638EB2F8B55}"/>
               </a:ext>
             </a:extLst>
           </p:cNvPr>
@@ -4773,116 +5311,39 @@
             <a:spLocks noGrp="1"/>
           </p:cNvSpPr>
           <p:nvPr>
-            <p:ph type="title"/>
+            <p:ph type="body" sz="half" idx="2"/>
           </p:nvPr>
         </p:nvSpPr>
         <p:spPr>
           <a:xfrm>
-            <a:off x="643467" y="321734"/>
-            <a:ext cx="10905066" cy="1135737"/>
+            <a:off x="572493" y="2071316"/>
+            <a:ext cx="6690456" cy="4119172"/>
           </a:xfrm>
         </p:spPr>
         <p:txBody>
-          <a:bodyPr vert="horz" lIns="91440" tIns="45720" rIns="91440" bIns="45720" rtlCol="0" anchor="ctr">
+          <a:bodyPr vert="horz" lIns="91440" tIns="45720" rIns="91440" bIns="45720" rtlCol="0" anchor="t">
             <a:normAutofit/>
           </a:bodyPr>
           <a:lstStyle/>
           <a:p>
             <a:r>
-              <a:rPr lang="en-US" sz="3600" kern="1200" dirty="0">
-                <a:solidFill>
-                  <a:schemeClr val="tx1"/>
-                </a:solidFill>
-                <a:latin typeface="+mj-lt"/>
-                <a:ea typeface="+mj-ea"/>
-                <a:cs typeface="+mj-cs"/>
-              </a:rPr>
-              <a:t>Indiana – </a:t>
-            </a:r>
-            <a:r>
-              <a:rPr lang="en-US" sz="3600" kern="1200" dirty="0" err="1">
-                <a:solidFill>
-                  <a:schemeClr val="tx1"/>
-                </a:solidFill>
-                <a:latin typeface="+mj-lt"/>
-                <a:ea typeface="+mj-ea"/>
-                <a:cs typeface="+mj-cs"/>
-              </a:rPr>
-              <a:t>Hoo</a:t>
-            </a:r>
-            <a:r>
-              <a:rPr lang="en-US" sz="3600" kern="1200" dirty="0">
-                <a:solidFill>
-                  <a:schemeClr val="tx1"/>
-                </a:solidFill>
-                <a:latin typeface="+mj-lt"/>
-                <a:ea typeface="+mj-ea"/>
-                <a:cs typeface="+mj-cs"/>
-              </a:rPr>
-              <a:t> </a:t>
-            </a:r>
-            <a:r>
-              <a:rPr lang="en-US" sz="3600" kern="1200" dirty="0" err="1">
-                <a:solidFill>
-                  <a:schemeClr val="tx1"/>
-                </a:solidFill>
-                <a:latin typeface="+mj-lt"/>
-                <a:ea typeface="+mj-ea"/>
-                <a:cs typeface="+mj-cs"/>
-              </a:rPr>
-              <a:t>Hoo</a:t>
-            </a:r>
-            <a:r>
-              <a:rPr lang="en-US" sz="3600" kern="1200" dirty="0">
-                <a:solidFill>
-                  <a:schemeClr val="tx1"/>
-                </a:solidFill>
-                <a:latin typeface="+mj-lt"/>
-                <a:ea typeface="+mj-ea"/>
-                <a:cs typeface="+mj-cs"/>
-              </a:rPr>
-              <a:t> Hoosiers!</a:t>
-            </a:r>
-          </a:p>
-        </p:txBody>
-      </p:sp>
-      <p:sp>
-        <p:nvSpPr>
-          <p:cNvPr id="4" name="Text Placeholder 3">
-            <a:extLst>
-              <a:ext uri="{FF2B5EF4-FFF2-40B4-BE49-F238E27FC236}">
-                <a16:creationId xmlns:a16="http://schemas.microsoft.com/office/drawing/2014/main" id="{DCB88CDB-35EB-453D-B682-1638EB2F8B55}"/>
-              </a:ext>
-            </a:extLst>
-          </p:cNvPr>
-          <p:cNvSpPr>
-            <a:spLocks noGrp="1"/>
-          </p:cNvSpPr>
-          <p:nvPr>
-            <p:ph type="body" sz="half" idx="2"/>
-          </p:nvPr>
-        </p:nvSpPr>
-        <p:spPr>
-          <a:xfrm>
-            <a:off x="643468" y="1457471"/>
-            <a:ext cx="7213517" cy="4719492"/>
-          </a:xfrm>
-        </p:spPr>
-        <p:txBody>
-          <a:bodyPr vert="horz" lIns="91440" tIns="45720" rIns="91440" bIns="45720" rtlCol="0">
-            <a:normAutofit/>
-          </a:bodyPr>
-          <a:lstStyle/>
-          <a:p>
-            <a:r>
-              <a:rPr lang="en-US" sz="1700" u="sng" dirty="0"/>
+              <a:rPr lang="en-US" sz="1500" u="sng" dirty="0"/>
               <a:t>Hypothesis: </a:t>
             </a:r>
           </a:p>
           <a:p>
             <a:r>
-              <a:rPr lang="en-US" sz="1700" dirty="0"/>
+              <a:rPr lang="en-US" sz="1500" dirty="0"/>
               <a:t>Zip codes with greater educational availability (defined: number of public schools K-12 and colleges) have higher per capita income and higher percentage of electronic tax fillings with direct deposit returns. </a:t>
+            </a:r>
+          </a:p>
+          <a:p>
+            <a:endParaRPr lang="en-US" sz="1000" dirty="0"/>
+          </a:p>
+          <a:p>
+            <a:r>
+              <a:rPr lang="en-US" sz="1500" u="sng" dirty="0"/>
+              <a:t>Data Used:</a:t>
             </a:r>
           </a:p>
           <a:p>
@@ -4890,12 +5351,22 @@
               <a:buFont typeface="Arial" panose="020B0604020202020204" pitchFamily="34" charset="0"/>
               <a:buChar char="•"/>
             </a:pPr>
-            <a:endParaRPr lang="en-US" sz="1700" dirty="0"/>
-          </a:p>
-          <a:p>
-            <a:r>
-              <a:rPr lang="en-US" sz="1700" u="sng" dirty="0"/>
-              <a:t>Data Used:</a:t>
+            <a:r>
+              <a:rPr lang="en-US" sz="1500" dirty="0"/>
+              <a:t>Public Schools –</a:t>
+            </a:r>
+            <a:br>
+              <a:rPr lang="en-US" sz="1500" dirty="0"/>
+            </a:br>
+            <a:r>
+              <a:rPr lang="en-US" sz="1500" i="0" u="none" strike="noStrike" dirty="0">
+                <a:effectLst/>
+              </a:rPr>
+              <a:t>https://www.kaggle.com/carlosaguayo/usa-public-schools</a:t>
+            </a:r>
+            <a:r>
+              <a:rPr lang="en-US" sz="1500" dirty="0"/>
+              <a:t> </a:t>
             </a:r>
           </a:p>
           <a:p>
@@ -4904,20 +5375,8 @@
               <a:buChar char="•"/>
             </a:pPr>
             <a:r>
-              <a:rPr lang="en-US" sz="1700" dirty="0"/>
-              <a:t>Public Schools – </a:t>
-            </a:r>
-          </a:p>
-          <a:p>
-            <a:r>
-              <a:rPr lang="en-US" sz="1700" i="0" u="none" strike="noStrike" dirty="0">
-                <a:effectLst/>
-              </a:rPr>
-              <a:t>https://www.kaggle.com/carlosaguayo/usa-public-schools</a:t>
-            </a:r>
-            <a:r>
-              <a:rPr lang="en-US" sz="1700" dirty="0"/>
-              <a:t> </a:t>
+              <a:rPr lang="en-US" sz="1500" dirty="0"/>
+              <a:t>Colleges –  https://www.registrar.iastate.edu/sites/default/files/uploads/codebook/bystate.pdf</a:t>
             </a:r>
           </a:p>
           <a:p>
@@ -4926,14 +5385,21 @@
               <a:buChar char="•"/>
             </a:pPr>
             <a:r>
-              <a:rPr lang="en-US" sz="1700" dirty="0"/>
-              <a:t>Colleges –</a:t>
-            </a:r>
-          </a:p>
-          <a:p>
-            <a:r>
-              <a:rPr lang="en-US" sz="1700" dirty="0"/>
-              <a:t>https://www.registrar.iastate.edu/sites/default/files/uploads/codebook/bystate.pdf</a:t>
+              <a:rPr lang="en-US" sz="1500" i="0" dirty="0">
+                <a:effectLst/>
+              </a:rPr>
+              <a:t>IRS – </a:t>
+            </a:r>
+            <a:br>
+              <a:rPr lang="en-US" sz="1500" i="0" dirty="0">
+                <a:effectLst/>
+              </a:rPr>
+            </a:br>
+            <a:r>
+              <a:rPr lang="en-US" sz="1500" i="0" dirty="0">
+                <a:effectLst/>
+              </a:rPr>
+              <a:t>https://www.irs.gov/statistics/soi-tax-stats-individual-income-tax-statistics-zip-code-data-soi </a:t>
             </a:r>
           </a:p>
           <a:p>
@@ -4942,183 +5408,19 @@
               <a:buChar char="•"/>
             </a:pPr>
             <a:r>
-              <a:rPr lang="en-US" sz="1700" i="0" dirty="0">
-                <a:effectLst/>
-              </a:rPr>
-              <a:t>IRS – </a:t>
-            </a:r>
-          </a:p>
-          <a:p>
-            <a:r>
-              <a:rPr lang="en-US" sz="1700" i="0" dirty="0">
-                <a:effectLst/>
-              </a:rPr>
-              <a:t>https://www.irs.gov/statistics/soi-tax-stats-individual-income-tax-statistics-zip-code-data-soi </a:t>
-            </a:r>
-            <a:endParaRPr lang="en-US" sz="1700" dirty="0"/>
-          </a:p>
-        </p:txBody>
-      </p:sp>
-      <p:grpSp>
-        <p:nvGrpSpPr>
-          <p:cNvPr id="41" name="Group 40">
-            <a:extLst>
-              <a:ext uri="{FF2B5EF4-FFF2-40B4-BE49-F238E27FC236}">
-                <a16:creationId xmlns:a16="http://schemas.microsoft.com/office/drawing/2014/main" id="{828A5161-06F1-46CF-8AD7-844680A59E13}"/>
-              </a:ext>
-              <a:ext uri="{C183D7F6-B498-43B3-948B-1728B52AA6E4}">
-                <adec:decorative xmlns:adec="http://schemas.microsoft.com/office/drawing/2017/decorative" val="1"/>
-              </a:ext>
-            </a:extLst>
-          </p:cNvPr>
-          <p:cNvGrpSpPr>
-            <a:grpSpLocks noGrp="1" noUngrp="1" noRot="1" noChangeAspect="1" noMove="1" noResize="1"/>
-          </p:cNvGrpSpPr>
-          <p:nvPr>
-            <p:extLst>
-              <p:ext uri="{386F3935-93C4-4BCD-93E2-E3B085C9AB24}">
-                <p16:designElem xmlns:p16="http://schemas.microsoft.com/office/powerpoint/2015/main" val="1"/>
-              </p:ext>
-            </p:extLst>
-          </p:nvPr>
-        </p:nvGrpSpPr>
-        <p:grpSpPr>
-          <a:xfrm>
-            <a:off x="0" y="4601497"/>
-            <a:ext cx="1014060" cy="2017580"/>
-            <a:chOff x="0" y="4601497"/>
-            <a:chExt cx="1014060" cy="2017580"/>
-          </a:xfrm>
-        </p:grpSpPr>
-        <p:sp>
-          <p:nvSpPr>
-            <p:cNvPr id="42" name="Isosceles Triangle 41">
-              <a:extLst>
-                <a:ext uri="{FF2B5EF4-FFF2-40B4-BE49-F238E27FC236}">
-                  <a16:creationId xmlns:a16="http://schemas.microsoft.com/office/drawing/2014/main" id="{D3F51FEB-38FB-4F6C-9F7B-2F2AFAB65463}"/>
-                </a:ext>
-                <a:ext uri="{C183D7F6-B498-43B3-948B-1728B52AA6E4}">
-                  <adec:decorative xmlns:adec="http://schemas.microsoft.com/office/drawing/2017/decorative" val="1"/>
-                </a:ext>
-              </a:extLst>
-            </p:cNvPr>
-            <p:cNvSpPr/>
-            <p:nvPr>
-              <p:extLst>
-                <p:ext uri="{386F3935-93C4-4BCD-93E2-E3B085C9AB24}">
-                  <p16:designElem xmlns:p16="http://schemas.microsoft.com/office/powerpoint/2015/main" val="1"/>
-                </p:ext>
-              </p:extLst>
-            </p:nvPr>
-          </p:nvSpPr>
-          <p:spPr>
-            <a:xfrm rot="5400000">
-              <a:off x="-501760" y="5103257"/>
-              <a:ext cx="2017580" cy="1014060"/>
-            </a:xfrm>
-            <a:prstGeom prst="triangle">
-              <a:avLst>
-                <a:gd name="adj" fmla="val 50000"/>
-              </a:avLst>
-            </a:prstGeom>
-            <a:solidFill>
-              <a:schemeClr val="accent1">
-                <a:alpha val="30000"/>
-              </a:schemeClr>
-            </a:solidFill>
-            <a:ln>
-              <a:noFill/>
-            </a:ln>
-          </p:spPr>
-          <p:style>
-            <a:lnRef idx="2">
-              <a:schemeClr val="accent1">
-                <a:shade val="50000"/>
-              </a:schemeClr>
-            </a:lnRef>
-            <a:fillRef idx="1">
-              <a:schemeClr val="accent1"/>
-            </a:fillRef>
-            <a:effectRef idx="0">
-              <a:schemeClr val="accent1"/>
-            </a:effectRef>
-            <a:fontRef idx="minor">
-              <a:schemeClr val="lt1"/>
-            </a:fontRef>
-          </p:style>
-          <p:txBody>
-            <a:bodyPr rtlCol="0" anchor="ctr"/>
-            <a:lstStyle/>
-            <a:p>
-              <a:pPr algn="ctr"/>
-              <a:endParaRPr lang="en-US"/>
-            </a:p>
-          </p:txBody>
-        </p:sp>
-        <p:sp>
-          <p:nvSpPr>
-            <p:cNvPr id="43" name="Rectangle 42">
-              <a:extLst>
-                <a:ext uri="{FF2B5EF4-FFF2-40B4-BE49-F238E27FC236}">
-                  <a16:creationId xmlns:a16="http://schemas.microsoft.com/office/drawing/2014/main" id="{1E547BA6-BAE0-43BB-A7CA-60F69CE252F0}"/>
-                </a:ext>
-                <a:ext uri="{C183D7F6-B498-43B3-948B-1728B52AA6E4}">
-                  <adec:decorative xmlns:adec="http://schemas.microsoft.com/office/drawing/2017/decorative" val="1"/>
-                </a:ext>
-              </a:extLst>
-            </p:cNvPr>
-            <p:cNvSpPr/>
-            <p:nvPr>
-              <p:extLst>
-                <p:ext uri="{386F3935-93C4-4BCD-93E2-E3B085C9AB24}">
-                  <p16:designElem xmlns:p16="http://schemas.microsoft.com/office/powerpoint/2015/main" val="1"/>
-                </p:ext>
-              </p:extLst>
-            </p:nvPr>
-          </p:nvSpPr>
-          <p:spPr>
-            <a:xfrm rot="2700000">
-              <a:off x="427916" y="5728708"/>
-              <a:ext cx="485578" cy="485578"/>
-            </a:xfrm>
-            <a:prstGeom prst="rect">
-              <a:avLst/>
-            </a:prstGeom>
-            <a:solidFill>
-              <a:schemeClr val="accent1">
-                <a:alpha val="30000"/>
-              </a:schemeClr>
-            </a:solidFill>
-            <a:ln>
-              <a:noFill/>
-            </a:ln>
-          </p:spPr>
-          <p:style>
-            <a:lnRef idx="2">
-              <a:schemeClr val="accent1">
-                <a:shade val="50000"/>
-              </a:schemeClr>
-            </a:lnRef>
-            <a:fillRef idx="1">
-              <a:schemeClr val="accent1"/>
-            </a:fillRef>
-            <a:effectRef idx="0">
-              <a:schemeClr val="accent1"/>
-            </a:effectRef>
-            <a:fontRef idx="minor">
-              <a:schemeClr val="lt1"/>
-            </a:fontRef>
-          </p:style>
-          <p:txBody>
-            <a:bodyPr rtlCol="0" anchor="ctr"/>
-            <a:lstStyle/>
-            <a:p>
-              <a:pPr algn="ctr"/>
-              <a:endParaRPr lang="en-US"/>
-            </a:p>
-          </p:txBody>
-        </p:sp>
-      </p:grpSp>
+              <a:rPr lang="en-US" sz="1500" dirty="0"/>
+              <a:t>Census Data – </a:t>
+            </a:r>
+            <a:br>
+              <a:rPr lang="en-US" sz="1500" dirty="0"/>
+            </a:br>
+            <a:r>
+              <a:rPr lang="en-US" sz="1500" dirty="0"/>
+              <a:t>https://www.census.gov/data/developers/data-sets.html</a:t>
+            </a:r>
+          </a:p>
+        </p:txBody>
+      </p:sp>
       <p:pic>
         <p:nvPicPr>
           <p:cNvPr id="6" name="Picture 5" descr="A picture containing indoor, lit, dark, colorful&#10;&#10;Description automatically generated">
@@ -5133,7 +5435,7 @@
           </p:cNvPicPr>
           <p:nvPr/>
         </p:nvPicPr>
-        <p:blipFill>
+        <p:blipFill rotWithShape="1">
           <a:blip r:embed="rId2">
             <a:extLst>
               <a:ext uri="{28A0092B-C50C-407E-A947-70E740481C1C}">
@@ -5144,14 +5446,13 @@
               </a:ext>
             </a:extLst>
           </a:blip>
-          <a:stretch>
-            <a:fillRect/>
-          </a:stretch>
+          <a:srcRect l="8766" r="7052" b="-3"/>
+          <a:stretch/>
         </p:blipFill>
         <p:spPr>
           <a:xfrm>
-            <a:off x="8151764" y="2089546"/>
-            <a:ext cx="3416214" cy="2989187"/>
+            <a:off x="7675658" y="2093976"/>
+            <a:ext cx="3941064" cy="4096512"/>
           </a:xfrm>
           <a:prstGeom prst="rect">
             <a:avLst/>
@@ -5196,12 +5497,12 @@
           <a:chExt cx="0" cy="0"/>
         </a:xfrm>
       </p:grpSpPr>
-      <p:sp>
-        <p:nvSpPr>
-          <p:cNvPr id="22" name="Rectangle 21">
-            <a:extLst>
-              <a:ext uri="{FF2B5EF4-FFF2-40B4-BE49-F238E27FC236}">
-                <a16:creationId xmlns:a16="http://schemas.microsoft.com/office/drawing/2014/main" id="{9A297797-5C89-4791-8204-AB071FA1FBCA}"/>
+      <p:sp useBgFill="1">
+        <p:nvSpPr>
+          <p:cNvPr id="42" name="Rectangle 41">
+            <a:extLst>
+              <a:ext uri="{FF2B5EF4-FFF2-40B4-BE49-F238E27FC236}">
+                <a16:creationId xmlns:a16="http://schemas.microsoft.com/office/drawing/2014/main" id="{C05CBC3C-2E5A-4839-8B9B-2E5A6ADF0F58}"/>
               </a:ext>
               <a:ext uri="{C183D7F6-B498-43B3-948B-1728B52AA6E4}">
                 <adec:decorative xmlns:adec="http://schemas.microsoft.com/office/drawing/2017/decorative" val="1"/>
@@ -5222,13 +5523,765 @@
         <p:spPr>
           <a:xfrm>
             <a:off x="0" y="0"/>
-            <a:ext cx="12192000" cy="6858000"/>
+            <a:ext cx="12188952" cy="6858000"/>
           </a:xfrm>
           <a:prstGeom prst="rect">
             <a:avLst/>
           </a:prstGeom>
+          <a:ln>
+            <a:noFill/>
+          </a:ln>
+        </p:spPr>
+        <p:style>
+          <a:lnRef idx="2">
+            <a:schemeClr val="accent1">
+              <a:shade val="50000"/>
+            </a:schemeClr>
+          </a:lnRef>
+          <a:fillRef idx="1">
+            <a:schemeClr val="accent1"/>
+          </a:fillRef>
+          <a:effectRef idx="0">
+            <a:schemeClr val="accent1"/>
+          </a:effectRef>
+          <a:fontRef idx="minor">
+            <a:schemeClr val="lt1"/>
+          </a:fontRef>
+        </p:style>
+        <p:txBody>
+          <a:bodyPr rtlCol="0" anchor="ctr"/>
+          <a:lstStyle/>
+          <a:p>
+            <a:pPr algn="ctr"/>
+            <a:endParaRPr lang="en-US"/>
+          </a:p>
+        </p:txBody>
+      </p:sp>
+      <p:sp>
+        <p:nvSpPr>
+          <p:cNvPr id="44" name="Freeform: Shape 43">
+            <a:extLst>
+              <a:ext uri="{FF2B5EF4-FFF2-40B4-BE49-F238E27FC236}">
+                <a16:creationId xmlns:a16="http://schemas.microsoft.com/office/drawing/2014/main" id="{827FF362-FC97-4BF5-949B-D4ADFA26E457}"/>
+              </a:ext>
+              <a:ext uri="{C183D7F6-B498-43B3-948B-1728B52AA6E4}">
+                <adec:decorative xmlns:adec="http://schemas.microsoft.com/office/drawing/2017/decorative" val="1"/>
+              </a:ext>
+            </a:extLst>
+          </p:cNvPr>
+          <p:cNvSpPr>
+            <a:spLocks noGrp="1" noRot="1" noChangeAspect="1" noMove="1" noResize="1" noEditPoints="1" noAdjustHandles="1" noChangeArrowheads="1" noChangeShapeType="1" noTextEdit="1"/>
+          </p:cNvSpPr>
+          <p:nvPr>
+            <p:extLst>
+              <p:ext uri="{386F3935-93C4-4BCD-93E2-E3B085C9AB24}">
+                <p16:designElem xmlns:p16="http://schemas.microsoft.com/office/powerpoint/2015/main" val="1"/>
+              </p:ext>
+            </p:extLst>
+          </p:nvPr>
+        </p:nvSpPr>
+        <p:spPr>
+          <a:xfrm rot="8888549">
+            <a:off x="-1059473" y="-1108988"/>
+            <a:ext cx="7179830" cy="5226565"/>
+          </a:xfrm>
+          <a:custGeom>
+            <a:avLst/>
+            <a:gdLst>
+              <a:gd name="connsiteX0" fmla="*/ 5217841 w 7179830"/>
+              <a:gd name="connsiteY0" fmla="*/ 464824 h 5226565"/>
+              <a:gd name="connsiteX1" fmla="*/ 5222490 w 7179830"/>
+              <a:gd name="connsiteY1" fmla="*/ 464289 h 5226565"/>
+              <a:gd name="connsiteX2" fmla="*/ 5216768 w 7179830"/>
+              <a:gd name="connsiteY2" fmla="*/ 463394 h 5226565"/>
+              <a:gd name="connsiteX3" fmla="*/ 5217841 w 7179830"/>
+              <a:gd name="connsiteY3" fmla="*/ 464824 h 5226565"/>
+              <a:gd name="connsiteX4" fmla="*/ 4945201 w 7179830"/>
+              <a:gd name="connsiteY4" fmla="*/ 5226565 h 5226565"/>
+              <a:gd name="connsiteX5" fmla="*/ 140449 w 7179830"/>
+              <a:gd name="connsiteY5" fmla="*/ 2240811 h 5226565"/>
+              <a:gd name="connsiteX6" fmla="*/ 232913 w 7179830"/>
+              <a:gd name="connsiteY6" fmla="*/ 2052782 h 5226565"/>
+              <a:gd name="connsiteX7" fmla="*/ 375714 w 7179830"/>
+              <a:gd name="connsiteY7" fmla="*/ 1803205 h 5226565"/>
+              <a:gd name="connsiteX8" fmla="*/ 1512756 w 7179830"/>
+              <a:gd name="connsiteY8" fmla="*/ 638448 h 5226565"/>
+              <a:gd name="connsiteX9" fmla="*/ 2902095 w 7179830"/>
+              <a:gd name="connsiteY9" fmla="*/ 120440 h 5226565"/>
+              <a:gd name="connsiteX10" fmla="*/ 2848453 w 7179830"/>
+              <a:gd name="connsiteY10" fmla="*/ 125626 h 5226565"/>
+              <a:gd name="connsiteX11" fmla="*/ 1837830 w 7179830"/>
+              <a:gd name="connsiteY11" fmla="*/ 426203 h 5226565"/>
+              <a:gd name="connsiteX12" fmla="*/ 214608 w 7179830"/>
+              <a:gd name="connsiteY12" fmla="*/ 1882239 h 5226565"/>
+              <a:gd name="connsiteX13" fmla="*/ 91317 w 7179830"/>
+              <a:gd name="connsiteY13" fmla="*/ 2123701 h 5226565"/>
+              <a:gd name="connsiteX14" fmla="*/ 64092 w 7179830"/>
+              <a:gd name="connsiteY14" fmla="*/ 2193361 h 5226565"/>
+              <a:gd name="connsiteX15" fmla="*/ 0 w 7179830"/>
+              <a:gd name="connsiteY15" fmla="*/ 2153533 h 5226565"/>
+              <a:gd name="connsiteX16" fmla="*/ 42834 w 7179830"/>
+              <a:gd name="connsiteY16" fmla="*/ 2047277 h 5226565"/>
+              <a:gd name="connsiteX17" fmla="*/ 923582 w 7179830"/>
+              <a:gd name="connsiteY17" fmla="*/ 915600 h 5226565"/>
+              <a:gd name="connsiteX18" fmla="*/ 2686989 w 7179830"/>
+              <a:gd name="connsiteY18" fmla="*/ 73950 h 5226565"/>
+              <a:gd name="connsiteX19" fmla="*/ 3059983 w 7179830"/>
+              <a:gd name="connsiteY19" fmla="*/ 20308 h 5226565"/>
+              <a:gd name="connsiteX20" fmla="*/ 3454435 w 7179830"/>
+              <a:gd name="connsiteY20" fmla="*/ 1176 h 5226565"/>
+              <a:gd name="connsiteX21" fmla="*/ 3923806 w 7179830"/>
+              <a:gd name="connsiteY21" fmla="*/ 49990 h 5226565"/>
+              <a:gd name="connsiteX22" fmla="*/ 5350874 w 7179830"/>
+              <a:gd name="connsiteY22" fmla="*/ 426917 h 5226565"/>
+              <a:gd name="connsiteX23" fmla="*/ 6607360 w 7179830"/>
+              <a:gd name="connsiteY23" fmla="*/ 1075097 h 5226565"/>
+              <a:gd name="connsiteX24" fmla="*/ 7110534 w 7179830"/>
+              <a:gd name="connsiteY24" fmla="*/ 1541421 h 5226565"/>
+              <a:gd name="connsiteX25" fmla="*/ 7179830 w 7179830"/>
+              <a:gd name="connsiteY25" fmla="*/ 1630542 h 5226565"/>
+              <a:gd name="connsiteX26" fmla="*/ 7136295 w 7179830"/>
+              <a:gd name="connsiteY26" fmla="*/ 1700600 h 5226565"/>
+              <a:gd name="connsiteX27" fmla="*/ 7131140 w 7179830"/>
+              <a:gd name="connsiteY27" fmla="*/ 1693045 h 5226565"/>
+              <a:gd name="connsiteX28" fmla="*/ 6577499 w 7179830"/>
+              <a:gd name="connsiteY28" fmla="*/ 1148230 h 5226565"/>
+              <a:gd name="connsiteX29" fmla="*/ 5494816 w 7179830"/>
+              <a:gd name="connsiteY29" fmla="*/ 563527 h 5226565"/>
+              <a:gd name="connsiteX30" fmla="*/ 5366967 w 7179830"/>
+              <a:gd name="connsiteY30" fmla="*/ 514176 h 5226565"/>
+              <a:gd name="connsiteX31" fmla="*/ 5244661 w 7179830"/>
+              <a:gd name="connsiteY31" fmla="*/ 470725 h 5226565"/>
+              <a:gd name="connsiteX32" fmla="*/ 5904822 w 7179830"/>
+              <a:gd name="connsiteY32" fmla="*/ 815468 h 5226565"/>
+              <a:gd name="connsiteX33" fmla="*/ 7015222 w 7179830"/>
+              <a:gd name="connsiteY33" fmla="*/ 1815185 h 5226565"/>
+              <a:gd name="connsiteX34" fmla="*/ 7040454 w 7179830"/>
+              <a:gd name="connsiteY34" fmla="*/ 1854830 h 5226565"/>
+            </a:gdLst>
+            <a:ahLst/>
+            <a:cxnLst>
+              <a:cxn ang="0">
+                <a:pos x="connsiteX0" y="connsiteY0"/>
+              </a:cxn>
+              <a:cxn ang="0">
+                <a:pos x="connsiteX1" y="connsiteY1"/>
+              </a:cxn>
+              <a:cxn ang="0">
+                <a:pos x="connsiteX2" y="connsiteY2"/>
+              </a:cxn>
+              <a:cxn ang="0">
+                <a:pos x="connsiteX3" y="connsiteY3"/>
+              </a:cxn>
+              <a:cxn ang="0">
+                <a:pos x="connsiteX4" y="connsiteY4"/>
+              </a:cxn>
+              <a:cxn ang="0">
+                <a:pos x="connsiteX5" y="connsiteY5"/>
+              </a:cxn>
+              <a:cxn ang="0">
+                <a:pos x="connsiteX6" y="connsiteY6"/>
+              </a:cxn>
+              <a:cxn ang="0">
+                <a:pos x="connsiteX7" y="connsiteY7"/>
+              </a:cxn>
+              <a:cxn ang="0">
+                <a:pos x="connsiteX8" y="connsiteY8"/>
+              </a:cxn>
+              <a:cxn ang="0">
+                <a:pos x="connsiteX9" y="connsiteY9"/>
+              </a:cxn>
+              <a:cxn ang="0">
+                <a:pos x="connsiteX10" y="connsiteY10"/>
+              </a:cxn>
+              <a:cxn ang="0">
+                <a:pos x="connsiteX11" y="connsiteY11"/>
+              </a:cxn>
+              <a:cxn ang="0">
+                <a:pos x="connsiteX12" y="connsiteY12"/>
+              </a:cxn>
+              <a:cxn ang="0">
+                <a:pos x="connsiteX13" y="connsiteY13"/>
+              </a:cxn>
+              <a:cxn ang="0">
+                <a:pos x="connsiteX14" y="connsiteY14"/>
+              </a:cxn>
+              <a:cxn ang="0">
+                <a:pos x="connsiteX15" y="connsiteY15"/>
+              </a:cxn>
+              <a:cxn ang="0">
+                <a:pos x="connsiteX16" y="connsiteY16"/>
+              </a:cxn>
+              <a:cxn ang="0">
+                <a:pos x="connsiteX17" y="connsiteY17"/>
+              </a:cxn>
+              <a:cxn ang="0">
+                <a:pos x="connsiteX18" y="connsiteY18"/>
+              </a:cxn>
+              <a:cxn ang="0">
+                <a:pos x="connsiteX19" y="connsiteY19"/>
+              </a:cxn>
+              <a:cxn ang="0">
+                <a:pos x="connsiteX20" y="connsiteY20"/>
+              </a:cxn>
+              <a:cxn ang="0">
+                <a:pos x="connsiteX21" y="connsiteY21"/>
+              </a:cxn>
+              <a:cxn ang="0">
+                <a:pos x="connsiteX22" y="connsiteY22"/>
+              </a:cxn>
+              <a:cxn ang="0">
+                <a:pos x="connsiteX23" y="connsiteY23"/>
+              </a:cxn>
+              <a:cxn ang="0">
+                <a:pos x="connsiteX24" y="connsiteY24"/>
+              </a:cxn>
+              <a:cxn ang="0">
+                <a:pos x="connsiteX25" y="connsiteY25"/>
+              </a:cxn>
+              <a:cxn ang="0">
+                <a:pos x="connsiteX26" y="connsiteY26"/>
+              </a:cxn>
+              <a:cxn ang="0">
+                <a:pos x="connsiteX27" y="connsiteY27"/>
+              </a:cxn>
+              <a:cxn ang="0">
+                <a:pos x="connsiteX28" y="connsiteY28"/>
+              </a:cxn>
+              <a:cxn ang="0">
+                <a:pos x="connsiteX29" y="connsiteY29"/>
+              </a:cxn>
+              <a:cxn ang="0">
+                <a:pos x="connsiteX30" y="connsiteY30"/>
+              </a:cxn>
+              <a:cxn ang="0">
+                <a:pos x="connsiteX31" y="connsiteY31"/>
+              </a:cxn>
+              <a:cxn ang="0">
+                <a:pos x="connsiteX32" y="connsiteY32"/>
+              </a:cxn>
+              <a:cxn ang="0">
+                <a:pos x="connsiteX33" y="connsiteY33"/>
+              </a:cxn>
+              <a:cxn ang="0">
+                <a:pos x="connsiteX34" y="connsiteY34"/>
+              </a:cxn>
+            </a:cxnLst>
+            <a:rect l="l" t="t" r="r" b="b"/>
+            <a:pathLst>
+              <a:path w="7179830" h="5226565">
+                <a:moveTo>
+                  <a:pt x="5217841" y="464824"/>
+                </a:moveTo>
+                <a:lnTo>
+                  <a:pt x="5222490" y="464289"/>
+                </a:lnTo>
+                <a:lnTo>
+                  <a:pt x="5216768" y="463394"/>
+                </a:lnTo>
+                <a:cubicBezTo>
+                  <a:pt x="5216768" y="463394"/>
+                  <a:pt x="5216768" y="464646"/>
+                  <a:pt x="5217841" y="464824"/>
+                </a:cubicBezTo>
+                <a:close/>
+                <a:moveTo>
+                  <a:pt x="4945201" y="5226565"/>
+                </a:moveTo>
+                <a:lnTo>
+                  <a:pt x="140449" y="2240811"/>
+                </a:lnTo>
+                <a:lnTo>
+                  <a:pt x="232913" y="2052782"/>
+                </a:lnTo>
+                <a:cubicBezTo>
+                  <a:pt x="277693" y="1968290"/>
+                  <a:pt x="325201" y="1885054"/>
+                  <a:pt x="375714" y="1803205"/>
+                </a:cubicBezTo>
+                <a:cubicBezTo>
+                  <a:pt x="667528" y="1329721"/>
+                  <a:pt x="1039629" y="935091"/>
+                  <a:pt x="1512756" y="638448"/>
+                </a:cubicBezTo>
+                <a:cubicBezTo>
+                  <a:pt x="1939392" y="370950"/>
+                  <a:pt x="2405724" y="210560"/>
+                  <a:pt x="2902095" y="120440"/>
+                </a:cubicBezTo>
+                <a:cubicBezTo>
+                  <a:pt x="2884054" y="118134"/>
+                  <a:pt x="2865727" y="119904"/>
+                  <a:pt x="2848453" y="125626"/>
+                </a:cubicBezTo>
+                <a:cubicBezTo>
+                  <a:pt x="2498704" y="175943"/>
+                  <a:pt x="2158217" y="277201"/>
+                  <a:pt x="1837830" y="426203"/>
+                </a:cubicBezTo>
+                <a:cubicBezTo>
+                  <a:pt x="1147094" y="744660"/>
+                  <a:pt x="593502" y="1217071"/>
+                  <a:pt x="214608" y="1882239"/>
+                </a:cubicBezTo>
+                <a:cubicBezTo>
+                  <a:pt x="169441" y="1960776"/>
+                  <a:pt x="128308" y="2041369"/>
+                  <a:pt x="91317" y="2123701"/>
+                </a:cubicBezTo>
+                <a:lnTo>
+                  <a:pt x="64092" y="2193361"/>
+                </a:lnTo>
+                <a:lnTo>
+                  <a:pt x="0" y="2153533"/>
+                </a:lnTo>
+                <a:lnTo>
+                  <a:pt x="42834" y="2047277"/>
+                </a:lnTo>
+                <a:cubicBezTo>
+                  <a:pt x="241792" y="1615775"/>
+                  <a:pt x="541268" y="1241591"/>
+                  <a:pt x="923582" y="915600"/>
+                </a:cubicBezTo>
+                <a:cubicBezTo>
+                  <a:pt x="1435331" y="478415"/>
+                  <a:pt x="2028081" y="205375"/>
+                  <a:pt x="2686989" y="73950"/>
+                </a:cubicBezTo>
+                <a:cubicBezTo>
+                  <a:pt x="2810367" y="49274"/>
+                  <a:pt x="2934818" y="32466"/>
+                  <a:pt x="3059983" y="20308"/>
+                </a:cubicBezTo>
+                <a:cubicBezTo>
+                  <a:pt x="3185149" y="8148"/>
+                  <a:pt x="3308706" y="2963"/>
+                  <a:pt x="3454435" y="1176"/>
+                </a:cubicBezTo>
+                <a:cubicBezTo>
+                  <a:pt x="3599805" y="-5977"/>
+                  <a:pt x="3761985" y="20665"/>
+                  <a:pt x="3923806" y="49990"/>
+                </a:cubicBezTo>
+                <a:cubicBezTo>
+                  <a:pt x="4409449" y="137964"/>
+                  <a:pt x="4886867" y="257228"/>
+                  <a:pt x="5350874" y="426917"/>
+                </a:cubicBezTo>
+                <a:cubicBezTo>
+                  <a:pt x="5797001" y="589991"/>
+                  <a:pt x="6223101" y="792223"/>
+                  <a:pt x="6607360" y="1075097"/>
+                </a:cubicBezTo>
+                <a:cubicBezTo>
+                  <a:pt x="6794438" y="1212779"/>
+                  <a:pt x="6965102" y="1365689"/>
+                  <a:pt x="7110534" y="1541421"/>
+                </a:cubicBezTo>
+                <a:lnTo>
+                  <a:pt x="7179830" y="1630542"/>
+                </a:lnTo>
+                <a:lnTo>
+                  <a:pt x="7136295" y="1700600"/>
+                </a:lnTo>
+                <a:lnTo>
+                  <a:pt x="7131140" y="1693045"/>
+                </a:lnTo>
+                <a:cubicBezTo>
+                  <a:pt x="6977874" y="1483026"/>
+                  <a:pt x="6788448" y="1305671"/>
+                  <a:pt x="6577499" y="1148230"/>
+                </a:cubicBezTo>
+                <a:cubicBezTo>
+                  <a:pt x="6245452" y="900401"/>
+                  <a:pt x="5878538" y="716408"/>
+                  <a:pt x="5494816" y="563527"/>
+                </a:cubicBezTo>
+                <a:cubicBezTo>
+                  <a:pt x="5452491" y="546487"/>
+                  <a:pt x="5409881" y="530036"/>
+                  <a:pt x="5366967" y="514176"/>
+                </a:cubicBezTo>
+                <a:cubicBezTo>
+                  <a:pt x="5326377" y="499156"/>
+                  <a:pt x="5285430" y="485210"/>
+                  <a:pt x="5244661" y="470725"/>
+                </a:cubicBezTo>
+                <a:cubicBezTo>
+                  <a:pt x="5471517" y="572127"/>
+                  <a:pt x="5691970" y="687263"/>
+                  <a:pt x="5904822" y="815468"/>
+                </a:cubicBezTo>
+                <a:cubicBezTo>
+                  <a:pt x="6336645" y="1080104"/>
+                  <a:pt x="6718758" y="1400351"/>
+                  <a:pt x="7015222" y="1815185"/>
+                </a:cubicBezTo>
+                <a:lnTo>
+                  <a:pt x="7040454" y="1854830"/>
+                </a:lnTo>
+                <a:close/>
+              </a:path>
+            </a:pathLst>
+          </a:custGeom>
           <a:solidFill>
-            <a:schemeClr val="bg1"/>
+            <a:schemeClr val="accent2"/>
+          </a:solidFill>
+          <a:ln w="12700" cap="flat">
+            <a:noFill/>
+            <a:prstDash val="solid"/>
+            <a:miter/>
+          </a:ln>
+        </p:spPr>
+        <p:txBody>
+          <a:bodyPr wrap="square" rtlCol="0" anchor="ctr">
+            <a:noAutofit/>
+          </a:bodyPr>
+          <a:lstStyle/>
+          <a:p>
+            <a:endParaRPr lang="en-US"/>
+          </a:p>
+        </p:txBody>
+      </p:sp>
+      <p:sp>
+        <p:nvSpPr>
+          <p:cNvPr id="2" name="Title 1">
+            <a:extLst>
+              <a:ext uri="{FF2B5EF4-FFF2-40B4-BE49-F238E27FC236}">
+                <a16:creationId xmlns:a16="http://schemas.microsoft.com/office/drawing/2014/main" id="{F2778E09-AD05-451C-A2E3-D61256CC2AB8}"/>
+              </a:ext>
+            </a:extLst>
+          </p:cNvPr>
+          <p:cNvSpPr>
+            <a:spLocks noGrp="1"/>
+          </p:cNvSpPr>
+          <p:nvPr>
+            <p:ph type="title"/>
+          </p:nvPr>
+        </p:nvSpPr>
+        <p:spPr>
+          <a:xfrm>
+            <a:off x="841246" y="673770"/>
+            <a:ext cx="3644489" cy="2414488"/>
+          </a:xfrm>
+        </p:spPr>
+        <p:txBody>
+          <a:bodyPr vert="horz" lIns="91440" tIns="45720" rIns="91440" bIns="45720" rtlCol="0" anchor="t">
+            <a:normAutofit/>
+          </a:bodyPr>
+          <a:lstStyle/>
+          <a:p>
+            <a:r>
+              <a:rPr lang="en-US" sz="4200" kern="1200">
+                <a:solidFill>
+                  <a:srgbClr val="FFFFFF"/>
+                </a:solidFill>
+                <a:latin typeface="+mj-lt"/>
+                <a:ea typeface="+mj-ea"/>
+                <a:cs typeface="+mj-cs"/>
+              </a:rPr>
+              <a:t>Considerations </a:t>
+            </a:r>
+          </a:p>
+        </p:txBody>
+      </p:sp>
+      <p:sp>
+        <p:nvSpPr>
+          <p:cNvPr id="4" name="Text Placeholder 3">
+            <a:extLst>
+              <a:ext uri="{FF2B5EF4-FFF2-40B4-BE49-F238E27FC236}">
+                <a16:creationId xmlns:a16="http://schemas.microsoft.com/office/drawing/2014/main" id="{938E7BCD-79E1-4809-87E2-21107033DCA3}"/>
+              </a:ext>
+            </a:extLst>
+          </p:cNvPr>
+          <p:cNvSpPr>
+            <a:spLocks noGrp="1"/>
+          </p:cNvSpPr>
+          <p:nvPr>
+            <p:ph type="body" sz="half" idx="2"/>
+          </p:nvPr>
+        </p:nvSpPr>
+        <p:spPr>
+          <a:xfrm>
+            <a:off x="6094476" y="2155657"/>
+            <a:ext cx="5254754" cy="2546685"/>
+          </a:xfrm>
+        </p:spPr>
+        <p:txBody>
+          <a:bodyPr vert="horz" lIns="91440" tIns="45720" rIns="91440" bIns="45720" rtlCol="0">
+            <a:normAutofit/>
+          </a:bodyPr>
+          <a:lstStyle/>
+          <a:p>
+            <a:r>
+              <a:rPr lang="en-US" sz="2200" b="0" i="0" dirty="0">
+                <a:effectLst/>
+              </a:rPr>
+              <a:t>•Some people do not file taxes, which could not be accounted</a:t>
+            </a:r>
+            <a:br>
+              <a:rPr lang="en-US" sz="2200" dirty="0"/>
+            </a:br>
+            <a:r>
+              <a:rPr lang="en-US" sz="2200" b="0" i="0" dirty="0">
+                <a:effectLst/>
+              </a:rPr>
+              <a:t>•Data for taxes and census is from 2018</a:t>
+            </a:r>
+            <a:br>
+              <a:rPr lang="en-US" sz="2200" dirty="0"/>
+            </a:br>
+            <a:r>
+              <a:rPr lang="en-US" sz="2200" b="0" i="0" dirty="0">
+                <a:effectLst/>
+              </a:rPr>
+              <a:t>•Data from public schools was 2014 – it is assumed not significant changes</a:t>
+            </a:r>
+            <a:br>
+              <a:rPr lang="en-US" sz="2200" dirty="0"/>
+            </a:br>
+            <a:r>
+              <a:rPr lang="en-US" sz="2200" b="0" i="0" dirty="0">
+                <a:effectLst/>
+              </a:rPr>
+              <a:t>•Data from colleges/universities was a recent list, exact year unknown</a:t>
+            </a:r>
+            <a:endParaRPr lang="en-US" sz="2200" dirty="0"/>
+          </a:p>
+        </p:txBody>
+      </p:sp>
+    </p:spTree>
+    <p:extLst>
+      <p:ext uri="{BB962C8B-B14F-4D97-AF65-F5344CB8AC3E}">
+        <p14:creationId xmlns:p14="http://schemas.microsoft.com/office/powerpoint/2010/main" val="3214208313"/>
+      </p:ext>
+    </p:extLst>
+  </p:cSld>
+  <p:clrMapOvr>
+    <a:masterClrMapping/>
+  </p:clrMapOvr>
+</p:sld>
+</file>
+
+<file path=ppt/slides/slide4.xml><?xml version="1.0" encoding="utf-8"?>
+<p:sld xmlns:a="http://schemas.openxmlformats.org/drawingml/2006/main" xmlns:r="http://schemas.openxmlformats.org/officeDocument/2006/relationships" xmlns:p="http://schemas.openxmlformats.org/presentationml/2006/main">
+  <p:cSld>
+    <p:bg>
+      <p:bgPr>
+        <a:solidFill>
+          <a:schemeClr val="bg1"/>
+        </a:solidFill>
+        <a:effectLst/>
+      </p:bgPr>
+    </p:bg>
+    <p:spTree>
+      <p:nvGrpSpPr>
+        <p:cNvPr id="1" name=""/>
+        <p:cNvGrpSpPr/>
+        <p:nvPr/>
+      </p:nvGrpSpPr>
+      <p:grpSpPr>
+        <a:xfrm>
+          <a:off x="0" y="0"/>
+          <a:ext cx="0" cy="0"/>
+          <a:chOff x="0" y="0"/>
+          <a:chExt cx="0" cy="0"/>
+        </a:xfrm>
+      </p:grpSpPr>
+      <p:sp useBgFill="1">
+        <p:nvSpPr>
+          <p:cNvPr id="49" name="Rectangle 48">
+            <a:extLst>
+              <a:ext uri="{FF2B5EF4-FFF2-40B4-BE49-F238E27FC236}">
+                <a16:creationId xmlns:a16="http://schemas.microsoft.com/office/drawing/2014/main" id="{F837543A-6020-4505-A233-C9DB4BF74011}"/>
+              </a:ext>
+              <a:ext uri="{C183D7F6-B498-43B3-948B-1728B52AA6E4}">
+                <adec:decorative xmlns:adec="http://schemas.microsoft.com/office/drawing/2017/decorative" val="1"/>
+              </a:ext>
+            </a:extLst>
+          </p:cNvPr>
+          <p:cNvSpPr>
+            <a:spLocks noGrp="1" noRot="1" noChangeAspect="1" noMove="1" noResize="1" noEditPoints="1" noAdjustHandles="1" noChangeArrowheads="1" noChangeShapeType="1" noTextEdit="1"/>
+          </p:cNvSpPr>
+          <p:nvPr>
+            <p:extLst>
+              <p:ext uri="{386F3935-93C4-4BCD-93E2-E3B085C9AB24}">
+                <p16:designElem xmlns:p16="http://schemas.microsoft.com/office/powerpoint/2015/main" val="1"/>
+              </p:ext>
+            </p:extLst>
+          </p:nvPr>
+        </p:nvSpPr>
+        <p:spPr>
+          <a:xfrm>
+            <a:off x="3048" y="0"/>
+            <a:ext cx="12188952" cy="6858000"/>
+          </a:xfrm>
+          <a:prstGeom prst="rect">
+            <a:avLst/>
+          </a:prstGeom>
+          <a:ln>
+            <a:noFill/>
+          </a:ln>
+        </p:spPr>
+        <p:style>
+          <a:lnRef idx="2">
+            <a:schemeClr val="accent1">
+              <a:shade val="50000"/>
+            </a:schemeClr>
+          </a:lnRef>
+          <a:fillRef idx="1">
+            <a:schemeClr val="accent1"/>
+          </a:fillRef>
+          <a:effectRef idx="0">
+            <a:schemeClr val="accent1"/>
+          </a:effectRef>
+          <a:fontRef idx="minor">
+            <a:schemeClr val="lt1"/>
+          </a:fontRef>
+        </p:style>
+        <p:txBody>
+          <a:bodyPr rtlCol="0" anchor="ctr"/>
+          <a:lstStyle/>
+          <a:p>
+            <a:pPr algn="ctr"/>
+            <a:endParaRPr lang="en-US"/>
+          </a:p>
+        </p:txBody>
+      </p:sp>
+      <p:sp>
+        <p:nvSpPr>
+          <p:cNvPr id="2" name="Title 1">
+            <a:extLst>
+              <a:ext uri="{FF2B5EF4-FFF2-40B4-BE49-F238E27FC236}">
+                <a16:creationId xmlns:a16="http://schemas.microsoft.com/office/drawing/2014/main" id="{F2778E09-AD05-451C-A2E3-D61256CC2AB8}"/>
+              </a:ext>
+            </a:extLst>
+          </p:cNvPr>
+          <p:cNvSpPr>
+            <a:spLocks noGrp="1"/>
+          </p:cNvSpPr>
+          <p:nvPr>
+            <p:ph type="title"/>
+          </p:nvPr>
+        </p:nvSpPr>
+        <p:spPr>
+          <a:xfrm>
+            <a:off x="838200" y="365125"/>
+            <a:ext cx="5558489" cy="1325563"/>
+          </a:xfrm>
+        </p:spPr>
+        <p:txBody>
+          <a:bodyPr vert="horz" lIns="91440" tIns="45720" rIns="91440" bIns="45720" rtlCol="0" anchor="ctr">
+            <a:normAutofit/>
+          </a:bodyPr>
+          <a:lstStyle/>
+          <a:p>
+            <a:r>
+              <a:rPr lang="en-US" sz="4400" dirty="0"/>
+              <a:t>Taxes</a:t>
+            </a:r>
+            <a:r>
+              <a:rPr lang="en-US" sz="4400" kern="1200" dirty="0">
+                <a:solidFill>
+                  <a:schemeClr val="tx1"/>
+                </a:solidFill>
+                <a:latin typeface="+mj-lt"/>
+                <a:ea typeface="+mj-ea"/>
+                <a:cs typeface="+mj-cs"/>
+              </a:rPr>
+              <a:t> </a:t>
+            </a:r>
+          </a:p>
+        </p:txBody>
+      </p:sp>
+      <p:sp>
+        <p:nvSpPr>
+          <p:cNvPr id="51" name="Freeform: Shape 50">
+            <a:extLst>
+              <a:ext uri="{FF2B5EF4-FFF2-40B4-BE49-F238E27FC236}">
+                <a16:creationId xmlns:a16="http://schemas.microsoft.com/office/drawing/2014/main" id="{35B16301-FB18-48BA-A6DD-C37CAF6F9A18}"/>
+              </a:ext>
+              <a:ext uri="{C183D7F6-B498-43B3-948B-1728B52AA6E4}">
+                <adec:decorative xmlns:adec="http://schemas.microsoft.com/office/drawing/2017/decorative" val="1"/>
+              </a:ext>
+            </a:extLst>
+          </p:cNvPr>
+          <p:cNvSpPr>
+            <a:spLocks noGrp="1" noRot="1" noChangeAspect="1" noMove="1" noResize="1" noEditPoints="1" noAdjustHandles="1" noChangeArrowheads="1" noChangeShapeType="1" noTextEdit="1"/>
+          </p:cNvSpPr>
+          <p:nvPr>
+            <p:extLst>
+              <p:ext uri="{386F3935-93C4-4BCD-93E2-E3B085C9AB24}">
+                <p16:designElem xmlns:p16="http://schemas.microsoft.com/office/powerpoint/2015/main" val="1"/>
+              </p:ext>
+            </p:extLst>
+          </p:nvPr>
+        </p:nvSpPr>
+        <p:spPr>
+          <a:xfrm>
+            <a:off x="10208695" y="1"/>
+            <a:ext cx="1135066" cy="477997"/>
+          </a:xfrm>
+          <a:custGeom>
+            <a:avLst/>
+            <a:gdLst>
+              <a:gd name="connsiteX0" fmla="*/ 0 w 1135066"/>
+              <a:gd name="connsiteY0" fmla="*/ 0 h 477997"/>
+              <a:gd name="connsiteX1" fmla="*/ 1135066 w 1135066"/>
+              <a:gd name="connsiteY1" fmla="*/ 0 h 477997"/>
+              <a:gd name="connsiteX2" fmla="*/ 1133370 w 1135066"/>
+              <a:gd name="connsiteY2" fmla="*/ 16827 h 477997"/>
+              <a:gd name="connsiteX3" fmla="*/ 567533 w 1135066"/>
+              <a:gd name="connsiteY3" fmla="*/ 477997 h 477997"/>
+              <a:gd name="connsiteX4" fmla="*/ 1696 w 1135066"/>
+              <a:gd name="connsiteY4" fmla="*/ 16827 h 477997"/>
+            </a:gdLst>
+            <a:ahLst/>
+            <a:cxnLst>
+              <a:cxn ang="0">
+                <a:pos x="connsiteX0" y="connsiteY0"/>
+              </a:cxn>
+              <a:cxn ang="0">
+                <a:pos x="connsiteX1" y="connsiteY1"/>
+              </a:cxn>
+              <a:cxn ang="0">
+                <a:pos x="connsiteX2" y="connsiteY2"/>
+              </a:cxn>
+              <a:cxn ang="0">
+                <a:pos x="connsiteX3" y="connsiteY3"/>
+              </a:cxn>
+              <a:cxn ang="0">
+                <a:pos x="connsiteX4" y="connsiteY4"/>
+              </a:cxn>
+            </a:cxnLst>
+            <a:rect l="l" t="t" r="r" b="b"/>
+            <a:pathLst>
+              <a:path w="1135066" h="477997">
+                <a:moveTo>
+                  <a:pt x="0" y="0"/>
+                </a:moveTo>
+                <a:lnTo>
+                  <a:pt x="1135066" y="0"/>
+                </a:lnTo>
+                <a:lnTo>
+                  <a:pt x="1133370" y="16827"/>
+                </a:lnTo>
+                <a:cubicBezTo>
+                  <a:pt x="1079514" y="280016"/>
+                  <a:pt x="846644" y="477997"/>
+                  <a:pt x="567533" y="477997"/>
+                </a:cubicBezTo>
+                <a:cubicBezTo>
+                  <a:pt x="288422" y="477997"/>
+                  <a:pt x="55552" y="280016"/>
+                  <a:pt x="1696" y="16827"/>
+                </a:cubicBezTo>
+                <a:close/>
+              </a:path>
+            </a:pathLst>
+          </a:custGeom>
+          <a:solidFill>
+            <a:schemeClr val="accent5"/>
           </a:solidFill>
           <a:ln>
             <a:noFill/>
@@ -5251,20 +6304,22 @@
           </a:fontRef>
         </p:style>
         <p:txBody>
-          <a:bodyPr rtlCol="0" anchor="ctr"/>
+          <a:bodyPr wrap="square" rtlCol="0" anchor="ctr">
+            <a:noAutofit/>
+          </a:bodyPr>
           <a:lstStyle/>
           <a:p>
             <a:pPr algn="ctr"/>
-            <a:endParaRPr lang="en-US" dirty="0"/>
-          </a:p>
-        </p:txBody>
-      </p:sp>
-      <p:sp>
-        <p:nvSpPr>
-          <p:cNvPr id="2" name="Title 1">
-            <a:extLst>
-              <a:ext uri="{FF2B5EF4-FFF2-40B4-BE49-F238E27FC236}">
-                <a16:creationId xmlns:a16="http://schemas.microsoft.com/office/drawing/2014/main" id="{F2778E09-AD05-451C-A2E3-D61256CC2AB8}"/>
+            <a:endParaRPr lang="en-US"/>
+          </a:p>
+        </p:txBody>
+      </p:sp>
+      <p:sp>
+        <p:nvSpPr>
+          <p:cNvPr id="4" name="Text Placeholder 3">
+            <a:extLst>
+              <a:ext uri="{FF2B5EF4-FFF2-40B4-BE49-F238E27FC236}">
+                <a16:creationId xmlns:a16="http://schemas.microsoft.com/office/drawing/2014/main" id="{938E7BCD-79E1-4809-87E2-21107033DCA3}"/>
               </a:ext>
             </a:extLst>
           </p:cNvPr>
@@ -5272,41 +6327,118 @@
             <a:spLocks noGrp="1"/>
           </p:cNvSpPr>
           <p:nvPr>
-            <p:ph type="title"/>
+            <p:ph type="body" sz="half" idx="2"/>
           </p:nvPr>
         </p:nvSpPr>
         <p:spPr>
           <a:xfrm>
-            <a:off x="643468" y="643467"/>
-            <a:ext cx="4804064" cy="5571065"/>
+            <a:off x="838200" y="1825625"/>
+            <a:ext cx="5558489" cy="4351338"/>
           </a:xfrm>
         </p:spPr>
         <p:txBody>
-          <a:bodyPr vert="horz" lIns="91440" tIns="45720" rIns="91440" bIns="45720" rtlCol="0" anchor="ctr">
+          <a:bodyPr vert="horz" lIns="91440" tIns="45720" rIns="91440" bIns="45720" rtlCol="0">
             <a:normAutofit/>
           </a:bodyPr>
           <a:lstStyle/>
           <a:p>
             <a:r>
-              <a:rPr lang="en-US" sz="3600" kern="1200" dirty="0">
-                <a:solidFill>
-                  <a:schemeClr val="tx1"/>
-                </a:solidFill>
-                <a:latin typeface="+mj-lt"/>
-                <a:ea typeface="+mj-ea"/>
-                <a:cs typeface="+mj-cs"/>
-              </a:rPr>
-              <a:t>Considerations </a:t>
-            </a:r>
-          </a:p>
-        </p:txBody>
-      </p:sp>
-      <p:sp>
-        <p:nvSpPr>
-          <p:cNvPr id="24" name="Freeform: Shape 23">
-            <a:extLst>
-              <a:ext uri="{FF2B5EF4-FFF2-40B4-BE49-F238E27FC236}">
-                <a16:creationId xmlns:a16="http://schemas.microsoft.com/office/drawing/2014/main" id="{569BBA9B-8F4E-4D2B-BEFA-41A475443377}"/>
+              <a:rPr lang="en-US" dirty="0"/>
+              <a:t>6,211,130 total tax returns filed</a:t>
+            </a:r>
+          </a:p>
+          <a:p>
+            <a:pPr marL="285750" indent="-285750">
+              <a:buFont typeface="Arial" panose="020B0604020202020204" pitchFamily="34" charset="0"/>
+              <a:buChar char="•"/>
+            </a:pPr>
+            <a:r>
+              <a:rPr lang="en-US" dirty="0"/>
+              <a:t>5,706,720 electronically</a:t>
+            </a:r>
+          </a:p>
+          <a:p>
+            <a:pPr marL="285750" indent="-285750">
+              <a:buFont typeface="Arial" panose="020B0604020202020204" pitchFamily="34" charset="0"/>
+              <a:buChar char="•"/>
+            </a:pPr>
+            <a:r>
+              <a:rPr lang="en-US" dirty="0"/>
+              <a:t>260,120 paper (computer prepared)</a:t>
+            </a:r>
+          </a:p>
+          <a:p>
+            <a:pPr marL="285750" indent="-285750">
+              <a:buFont typeface="Arial" panose="020B0604020202020204" pitchFamily="34" charset="0"/>
+              <a:buChar char="•"/>
+            </a:pPr>
+            <a:r>
+              <a:rPr lang="en-US" dirty="0"/>
+              <a:t>3,007,160 paid preparers</a:t>
+            </a:r>
+          </a:p>
+          <a:p>
+            <a:pPr marL="285750" indent="-285750">
+              <a:buFont typeface="Arial" panose="020B0604020202020204" pitchFamily="34" charset="0"/>
+              <a:buChar char="•"/>
+            </a:pPr>
+            <a:r>
+              <a:rPr lang="en-US" dirty="0"/>
+              <a:t>108,070 by volunteer preparers </a:t>
+            </a:r>
+          </a:p>
+          <a:p>
+            <a:pPr marL="285750" indent="-285750">
+              <a:buFont typeface="Arial" panose="020B0604020202020204" pitchFamily="34" charset="0"/>
+              <a:buChar char="•"/>
+            </a:pPr>
+            <a:r>
+              <a:rPr lang="en-US" dirty="0"/>
+              <a:t>4,205,260 direct deposit returns</a:t>
+            </a:r>
+          </a:p>
+          <a:p>
+            <a:pPr marL="285750" indent="-285750">
+              <a:buFont typeface="Arial" panose="020B0604020202020204" pitchFamily="34" charset="0"/>
+              <a:buChar char="•"/>
+            </a:pPr>
+            <a:endParaRPr lang="en-US" dirty="0"/>
+          </a:p>
+          <a:p>
+            <a:pPr marL="285750" indent="-285750">
+              <a:buFont typeface="Arial" panose="020B0604020202020204" pitchFamily="34" charset="0"/>
+              <a:buChar char="•"/>
+            </a:pPr>
+            <a:r>
+              <a:rPr lang="en-US" dirty="0"/>
+              <a:t>11,866,510 persons total </a:t>
+            </a:r>
+          </a:p>
+          <a:p>
+            <a:pPr marL="285750" indent="-285750">
+              <a:buFont typeface="Arial" panose="020B0604020202020204" pitchFamily="34" charset="0"/>
+              <a:buChar char="•"/>
+            </a:pPr>
+            <a:r>
+              <a:rPr lang="en-US" dirty="0"/>
+              <a:t>3,783,260 dependents</a:t>
+            </a:r>
+          </a:p>
+          <a:p>
+            <a:pPr marL="285750" indent="-285750">
+              <a:buFont typeface="Arial" panose="020B0604020202020204" pitchFamily="34" charset="0"/>
+              <a:buChar char="•"/>
+            </a:pPr>
+            <a:endParaRPr lang="en-US" dirty="0"/>
+          </a:p>
+        </p:txBody>
+      </p:sp>
+      <p:sp>
+        <p:nvSpPr>
+          <p:cNvPr id="53" name="Oval 52">
+            <a:extLst>
+              <a:ext uri="{FF2B5EF4-FFF2-40B4-BE49-F238E27FC236}">
+                <a16:creationId xmlns:a16="http://schemas.microsoft.com/office/drawing/2014/main" id="{C3C0D90E-074A-4F52-9B11-B52BEF4BCBE5}"/>
               </a:ext>
               <a:ext uri="{C183D7F6-B498-43B3-948B-1728B52AA6E4}">
                 <adec:decorative xmlns:adec="http://schemas.microsoft.com/office/drawing/2017/decorative" val="1"/>
@@ -5325,23 +6457,167 @@
           </p:nvPr>
         </p:nvSpPr>
         <p:spPr>
-          <a:xfrm rot="2700000">
-            <a:off x="-415188" y="-231223"/>
-            <a:ext cx="1409491" cy="1876653"/>
+          <a:xfrm>
+            <a:off x="6821310" y="2624479"/>
+            <a:ext cx="812427" cy="812427"/>
+          </a:xfrm>
+          <a:prstGeom prst="ellipse">
+            <a:avLst/>
+          </a:prstGeom>
+          <a:noFill/>
+          <a:ln w="127000">
+            <a:solidFill>
+              <a:schemeClr val="accent5"/>
+            </a:solidFill>
+          </a:ln>
+        </p:spPr>
+        <p:style>
+          <a:lnRef idx="2">
+            <a:schemeClr val="accent1">
+              <a:shade val="50000"/>
+            </a:schemeClr>
+          </a:lnRef>
+          <a:fillRef idx="1">
+            <a:schemeClr val="accent1"/>
+          </a:fillRef>
+          <a:effectRef idx="0">
+            <a:schemeClr val="accent1"/>
+          </a:effectRef>
+          <a:fontRef idx="minor">
+            <a:schemeClr val="lt1"/>
+          </a:fontRef>
+        </p:style>
+        <p:txBody>
+          <a:bodyPr rtlCol="0" anchor="ctr"/>
+          <a:lstStyle/>
+          <a:p>
+            <a:pPr algn="ctr"/>
+            <a:endParaRPr lang="en-US" dirty="0"/>
+          </a:p>
+        </p:txBody>
+      </p:sp>
+      <p:sp>
+        <p:nvSpPr>
+          <p:cNvPr id="55" name="Block Arc 54">
+            <a:extLst>
+              <a:ext uri="{FF2B5EF4-FFF2-40B4-BE49-F238E27FC236}">
+                <a16:creationId xmlns:a16="http://schemas.microsoft.com/office/drawing/2014/main" id="{CABBD4C1-E6F8-46F6-8152-A8A97490BF4D}"/>
+              </a:ext>
+              <a:ext uri="{C183D7F6-B498-43B3-948B-1728B52AA6E4}">
+                <adec:decorative xmlns:adec="http://schemas.microsoft.com/office/drawing/2017/decorative" val="1"/>
+              </a:ext>
+            </a:extLst>
+          </p:cNvPr>
+          <p:cNvSpPr>
+            <a:spLocks noGrp="1" noRot="1" noChangeAspect="1" noMove="1" noResize="1" noEditPoints="1" noAdjustHandles="1" noChangeArrowheads="1" noChangeShapeType="1" noTextEdit="1"/>
+          </p:cNvSpPr>
+          <p:nvPr>
+            <p:extLst>
+              <p:ext uri="{386F3935-93C4-4BCD-93E2-E3B085C9AB24}">
+                <p16:designElem xmlns:p16="http://schemas.microsoft.com/office/powerpoint/2015/main" val="1"/>
+              </p:ext>
+            </p:extLst>
+          </p:nvPr>
+        </p:nvSpPr>
+        <p:spPr>
+          <a:xfrm rot="16200000">
+            <a:off x="8912417" y="1218531"/>
+            <a:ext cx="2387600" cy="2387600"/>
+          </a:xfrm>
+          <a:prstGeom prst="blockArc">
+            <a:avLst/>
+          </a:prstGeom>
+          <a:solidFill>
+            <a:schemeClr val="accent2"/>
+          </a:solidFill>
+          <a:ln>
+            <a:noFill/>
+          </a:ln>
+        </p:spPr>
+        <p:style>
+          <a:lnRef idx="2">
+            <a:schemeClr val="accent1">
+              <a:shade val="50000"/>
+            </a:schemeClr>
+          </a:lnRef>
+          <a:fillRef idx="1">
+            <a:schemeClr val="accent1"/>
+          </a:fillRef>
+          <a:effectRef idx="0">
+            <a:schemeClr val="accent1"/>
+          </a:effectRef>
+          <a:fontRef idx="minor">
+            <a:schemeClr val="lt1"/>
+          </a:fontRef>
+        </p:style>
+        <p:txBody>
+          <a:bodyPr rtlCol="0" anchor="ctr"/>
+          <a:lstStyle/>
+          <a:p>
+            <a:pPr algn="ctr"/>
+            <a:endParaRPr lang="en-US">
+              <a:solidFill>
+                <a:schemeClr val="tx1"/>
+              </a:solidFill>
+            </a:endParaRPr>
+          </a:p>
+        </p:txBody>
+      </p:sp>
+      <p:sp>
+        <p:nvSpPr>
+          <p:cNvPr id="57" name="Freeform: Shape 56">
+            <a:extLst>
+              <a:ext uri="{FF2B5EF4-FFF2-40B4-BE49-F238E27FC236}">
+                <a16:creationId xmlns:a16="http://schemas.microsoft.com/office/drawing/2014/main" id="{83BA5EF5-1FE9-4BF9-83BB-269BCDDF6156}"/>
+              </a:ext>
+              <a:ext uri="{C183D7F6-B498-43B3-948B-1728B52AA6E4}">
+                <adec:decorative xmlns:adec="http://schemas.microsoft.com/office/drawing/2017/decorative" val="1"/>
+              </a:ext>
+            </a:extLst>
+          </p:cNvPr>
+          <p:cNvSpPr>
+            <a:spLocks noGrp="1" noRot="1" noChangeAspect="1" noMove="1" noResize="1" noEditPoints="1" noAdjustHandles="1" noChangeArrowheads="1" noChangeShapeType="1" noTextEdit="1"/>
+          </p:cNvSpPr>
+          <p:nvPr>
+            <p:extLst>
+              <p:ext uri="{386F3935-93C4-4BCD-93E2-E3B085C9AB24}">
+                <p16:designElem xmlns:p16="http://schemas.microsoft.com/office/powerpoint/2015/main" val="1"/>
+              </p:ext>
+            </p:extLst>
+          </p:nvPr>
+        </p:nvSpPr>
+        <p:spPr>
+          <a:xfrm>
+            <a:off x="6821310" y="0"/>
+            <a:ext cx="2315251" cy="1550992"/>
           </a:xfrm>
           <a:custGeom>
             <a:avLst/>
             <a:gdLst>
-              <a:gd name="connsiteX0" fmla="*/ 0 w 1409491"/>
-              <a:gd name="connsiteY0" fmla="*/ 643075 h 1876653"/>
-              <a:gd name="connsiteX1" fmla="*/ 643075 w 1409491"/>
-              <a:gd name="connsiteY1" fmla="*/ 0 h 1876653"/>
-              <a:gd name="connsiteX2" fmla="*/ 1409491 w 1409491"/>
-              <a:gd name="connsiteY2" fmla="*/ 0 h 1876653"/>
-              <a:gd name="connsiteX3" fmla="*/ 1409491 w 1409491"/>
-              <a:gd name="connsiteY3" fmla="*/ 1876653 h 1876653"/>
-              <a:gd name="connsiteX4" fmla="*/ 1233578 w 1409491"/>
-              <a:gd name="connsiteY4" fmla="*/ 1876653 h 1876653"/>
+              <a:gd name="connsiteX0" fmla="*/ 0 w 2315251"/>
+              <a:gd name="connsiteY0" fmla="*/ 0 h 1550992"/>
+              <a:gd name="connsiteX1" fmla="*/ 138700 w 2315251"/>
+              <a:gd name="connsiteY1" fmla="*/ 0 h 1550992"/>
+              <a:gd name="connsiteX2" fmla="*/ 138700 w 2315251"/>
+              <a:gd name="connsiteY2" fmla="*/ 1361400 h 1550992"/>
+              <a:gd name="connsiteX3" fmla="*/ 2107387 w 2315251"/>
+              <a:gd name="connsiteY3" fmla="*/ 222673 h 1550992"/>
+              <a:gd name="connsiteX4" fmla="*/ 1722420 w 2315251"/>
+              <a:gd name="connsiteY4" fmla="*/ 0 h 1550992"/>
+              <a:gd name="connsiteX5" fmla="*/ 1999436 w 2315251"/>
+              <a:gd name="connsiteY5" fmla="*/ 0 h 1550992"/>
+              <a:gd name="connsiteX6" fmla="*/ 2280549 w 2315251"/>
+              <a:gd name="connsiteY6" fmla="*/ 162605 h 1550992"/>
+              <a:gd name="connsiteX7" fmla="*/ 2305953 w 2315251"/>
+              <a:gd name="connsiteY7" fmla="*/ 257336 h 1550992"/>
+              <a:gd name="connsiteX8" fmla="*/ 2280549 w 2315251"/>
+              <a:gd name="connsiteY8" fmla="*/ 282740 h 1550992"/>
+              <a:gd name="connsiteX9" fmla="*/ 104026 w 2315251"/>
+              <a:gd name="connsiteY9" fmla="*/ 1541710 h 1550992"/>
+              <a:gd name="connsiteX10" fmla="*/ 69351 w 2315251"/>
+              <a:gd name="connsiteY10" fmla="*/ 1550992 h 1550992"/>
+              <a:gd name="connsiteX11" fmla="*/ 0 w 2315251"/>
+              <a:gd name="connsiteY11" fmla="*/ 1481643 h 1550992"/>
             </a:gdLst>
             <a:ahLst/>
             <a:cxnLst>
@@ -5360,31 +6636,1410 @@
               <a:cxn ang="0">
                 <a:pos x="connsiteX4" y="connsiteY4"/>
               </a:cxn>
+              <a:cxn ang="0">
+                <a:pos x="connsiteX5" y="connsiteY5"/>
+              </a:cxn>
+              <a:cxn ang="0">
+                <a:pos x="connsiteX6" y="connsiteY6"/>
+              </a:cxn>
+              <a:cxn ang="0">
+                <a:pos x="connsiteX7" y="connsiteY7"/>
+              </a:cxn>
+              <a:cxn ang="0">
+                <a:pos x="connsiteX8" y="connsiteY8"/>
+              </a:cxn>
+              <a:cxn ang="0">
+                <a:pos x="connsiteX9" y="connsiteY9"/>
+              </a:cxn>
+              <a:cxn ang="0">
+                <a:pos x="connsiteX10" y="connsiteY10"/>
+              </a:cxn>
+              <a:cxn ang="0">
+                <a:pos x="connsiteX11" y="connsiteY11"/>
+              </a:cxn>
             </a:cxnLst>
             <a:rect l="l" t="t" r="r" b="b"/>
             <a:pathLst>
-              <a:path w="1409491" h="1876653">
+              <a:path w="2315251" h="1550992">
                 <a:moveTo>
-                  <a:pt x="0" y="643075"/>
+                  <a:pt x="0" y="0"/>
                 </a:moveTo>
                 <a:lnTo>
-                  <a:pt x="643075" y="0"/>
+                  <a:pt x="138700" y="0"/>
                 </a:lnTo>
                 <a:lnTo>
-                  <a:pt x="1409491" y="0"/>
+                  <a:pt x="138700" y="1361400"/>
                 </a:lnTo>
                 <a:lnTo>
-                  <a:pt x="1409491" y="1876653"/>
+                  <a:pt x="2107387" y="222673"/>
                 </a:lnTo>
                 <a:lnTo>
-                  <a:pt x="1233578" y="1876653"/>
+                  <a:pt x="1722420" y="0"/>
                 </a:lnTo>
+                <a:lnTo>
+                  <a:pt x="1999436" y="0"/>
+                </a:lnTo>
+                <a:lnTo>
+                  <a:pt x="2280549" y="162605"/>
+                </a:lnTo>
+                <a:cubicBezTo>
+                  <a:pt x="2313720" y="181745"/>
+                  <a:pt x="2325104" y="224155"/>
+                  <a:pt x="2305953" y="257336"/>
+                </a:cubicBezTo>
+                <a:cubicBezTo>
+                  <a:pt x="2299872" y="267889"/>
+                  <a:pt x="2291101" y="276648"/>
+                  <a:pt x="2280549" y="282740"/>
+                </a:cubicBezTo>
+                <a:lnTo>
+                  <a:pt x="104026" y="1541710"/>
+                </a:lnTo>
+                <a:cubicBezTo>
+                  <a:pt x="93484" y="1547802"/>
+                  <a:pt x="81523" y="1551003"/>
+                  <a:pt x="69351" y="1550992"/>
+                </a:cubicBezTo>
+                <a:cubicBezTo>
+                  <a:pt x="31049" y="1550992"/>
+                  <a:pt x="0" y="1519944"/>
+                  <a:pt x="0" y="1481643"/>
+                </a:cubicBezTo>
                 <a:close/>
               </a:path>
             </a:pathLst>
           </a:custGeom>
           <a:solidFill>
+            <a:schemeClr val="accent6"/>
+          </a:solidFill>
+          <a:ln w="9525" cap="flat">
+            <a:noFill/>
+            <a:prstDash val="solid"/>
+            <a:miter/>
+          </a:ln>
+        </p:spPr>
+        <p:txBody>
+          <a:bodyPr rtlCol="0" anchor="ctr"/>
+          <a:lstStyle/>
+          <a:p>
+            <a:endParaRPr lang="en-US" dirty="0"/>
+          </a:p>
+        </p:txBody>
+      </p:sp>
+      <p:cxnSp>
+        <p:nvCxnSpPr>
+          <p:cNvPr id="59" name="Straight Connector 58">
+            <a:extLst>
+              <a:ext uri="{FF2B5EF4-FFF2-40B4-BE49-F238E27FC236}">
+                <a16:creationId xmlns:a16="http://schemas.microsoft.com/office/drawing/2014/main" id="{4B3BCACB-5880-460B-9606-8C433A9AF99D}"/>
+              </a:ext>
+              <a:ext uri="{C183D7F6-B498-43B3-948B-1728B52AA6E4}">
+                <adec:decorative xmlns:adec="http://schemas.microsoft.com/office/drawing/2017/decorative" val="1"/>
+              </a:ext>
+            </a:extLst>
+          </p:cNvPr>
+          <p:cNvCxnSpPr>
+            <a:cxnSpLocks noGrp="1" noRot="1" noChangeAspect="1" noMove="1" noResize="1" noEditPoints="1" noAdjustHandles="1" noChangeArrowheads="1" noChangeShapeType="1"/>
+          </p:cNvCxnSpPr>
+          <p:nvPr>
+            <p:extLst>
+              <p:ext uri="{386F3935-93C4-4BCD-93E2-E3B085C9AB24}">
+                <p16:designElem xmlns:p16="http://schemas.microsoft.com/office/powerpoint/2015/main" val="1"/>
+              </p:ext>
+            </p:extLst>
+          </p:nvPr>
+        </p:nvCxnSpPr>
+        <p:spPr>
+          <a:xfrm>
+            <a:off x="11724638" y="1331572"/>
+            <a:ext cx="0" cy="1597708"/>
+          </a:xfrm>
+          <a:prstGeom prst="line">
+            <a:avLst/>
+          </a:prstGeom>
+          <a:ln w="127000" cap="rnd">
+            <a:solidFill>
+              <a:schemeClr val="accent4"/>
+            </a:solidFill>
+            <a:prstDash val="dash"/>
+          </a:ln>
+        </p:spPr>
+        <p:style>
+          <a:lnRef idx="1">
+            <a:schemeClr val="accent1"/>
+          </a:lnRef>
+          <a:fillRef idx="0">
+            <a:schemeClr val="accent1"/>
+          </a:fillRef>
+          <a:effectRef idx="0">
+            <a:schemeClr val="accent1"/>
+          </a:effectRef>
+          <a:fontRef idx="minor">
+            <a:schemeClr val="tx1"/>
+          </a:fontRef>
+        </p:style>
+      </p:cxnSp>
+      <p:sp>
+        <p:nvSpPr>
+          <p:cNvPr id="61" name="Freeform: Shape 60">
+            <a:extLst>
+              <a:ext uri="{FF2B5EF4-FFF2-40B4-BE49-F238E27FC236}">
+                <a16:creationId xmlns:a16="http://schemas.microsoft.com/office/drawing/2014/main" id="{88853921-7BC9-4BDE-ACAB-133C683C82D6}"/>
+              </a:ext>
+              <a:ext uri="{C183D7F6-B498-43B3-948B-1728B52AA6E4}">
+                <adec:decorative xmlns:adec="http://schemas.microsoft.com/office/drawing/2017/decorative" val="1"/>
+              </a:ext>
+            </a:extLst>
+          </p:cNvPr>
+          <p:cNvSpPr>
+            <a:spLocks noGrp="1" noRot="1" noChangeAspect="1" noMove="1" noResize="1" noEditPoints="1" noAdjustHandles="1" noChangeArrowheads="1" noChangeShapeType="1" noTextEdit="1"/>
+          </p:cNvSpPr>
+          <p:nvPr>
+            <p:extLst>
+              <p:ext uri="{386F3935-93C4-4BCD-93E2-E3B085C9AB24}">
+                <p16:designElem xmlns:p16="http://schemas.microsoft.com/office/powerpoint/2015/main" val="1"/>
+              </p:ext>
+            </p:extLst>
+          </p:nvPr>
+        </p:nvSpPr>
+        <p:spPr>
+          <a:xfrm>
+            <a:off x="11005550" y="4112081"/>
+            <a:ext cx="1186451" cy="1771650"/>
+          </a:xfrm>
+          <a:custGeom>
+            <a:avLst/>
+            <a:gdLst>
+              <a:gd name="connsiteX0" fmla="*/ 61913 w 1186451"/>
+              <a:gd name="connsiteY0" fmla="*/ 0 h 1771650"/>
+              <a:gd name="connsiteX1" fmla="*/ 1186451 w 1186451"/>
+              <a:gd name="connsiteY1" fmla="*/ 0 h 1771650"/>
+              <a:gd name="connsiteX2" fmla="*/ 1186451 w 1186451"/>
+              <a:gd name="connsiteY2" fmla="*/ 123825 h 1771650"/>
+              <a:gd name="connsiteX3" fmla="*/ 123825 w 1186451"/>
+              <a:gd name="connsiteY3" fmla="*/ 123825 h 1771650"/>
+              <a:gd name="connsiteX4" fmla="*/ 123825 w 1186451"/>
+              <a:gd name="connsiteY4" fmla="*/ 1647825 h 1771650"/>
+              <a:gd name="connsiteX5" fmla="*/ 1186451 w 1186451"/>
+              <a:gd name="connsiteY5" fmla="*/ 1647825 h 1771650"/>
+              <a:gd name="connsiteX6" fmla="*/ 1186451 w 1186451"/>
+              <a:gd name="connsiteY6" fmla="*/ 1771650 h 1771650"/>
+              <a:gd name="connsiteX7" fmla="*/ 61913 w 1186451"/>
+              <a:gd name="connsiteY7" fmla="*/ 1771650 h 1771650"/>
+              <a:gd name="connsiteX8" fmla="*/ 0 w 1186451"/>
+              <a:gd name="connsiteY8" fmla="*/ 1709738 h 1771650"/>
+              <a:gd name="connsiteX9" fmla="*/ 0 w 1186451"/>
+              <a:gd name="connsiteY9" fmla="*/ 61913 h 1771650"/>
+              <a:gd name="connsiteX10" fmla="*/ 61913 w 1186451"/>
+              <a:gd name="connsiteY10" fmla="*/ 0 h 1771650"/>
+            </a:gdLst>
+            <a:ahLst/>
+            <a:cxnLst>
+              <a:cxn ang="0">
+                <a:pos x="connsiteX0" y="connsiteY0"/>
+              </a:cxn>
+              <a:cxn ang="0">
+                <a:pos x="connsiteX1" y="connsiteY1"/>
+              </a:cxn>
+              <a:cxn ang="0">
+                <a:pos x="connsiteX2" y="connsiteY2"/>
+              </a:cxn>
+              <a:cxn ang="0">
+                <a:pos x="connsiteX3" y="connsiteY3"/>
+              </a:cxn>
+              <a:cxn ang="0">
+                <a:pos x="connsiteX4" y="connsiteY4"/>
+              </a:cxn>
+              <a:cxn ang="0">
+                <a:pos x="connsiteX5" y="connsiteY5"/>
+              </a:cxn>
+              <a:cxn ang="0">
+                <a:pos x="connsiteX6" y="connsiteY6"/>
+              </a:cxn>
+              <a:cxn ang="0">
+                <a:pos x="connsiteX7" y="connsiteY7"/>
+              </a:cxn>
+              <a:cxn ang="0">
+                <a:pos x="connsiteX8" y="connsiteY8"/>
+              </a:cxn>
+              <a:cxn ang="0">
+                <a:pos x="connsiteX9" y="connsiteY9"/>
+              </a:cxn>
+              <a:cxn ang="0">
+                <a:pos x="connsiteX10" y="connsiteY10"/>
+              </a:cxn>
+            </a:cxnLst>
+            <a:rect l="l" t="t" r="r" b="b"/>
+            <a:pathLst>
+              <a:path w="1186451" h="1771650">
+                <a:moveTo>
+                  <a:pt x="61913" y="0"/>
+                </a:moveTo>
+                <a:lnTo>
+                  <a:pt x="1186451" y="0"/>
+                </a:lnTo>
+                <a:lnTo>
+                  <a:pt x="1186451" y="123825"/>
+                </a:lnTo>
+                <a:lnTo>
+                  <a:pt x="123825" y="123825"/>
+                </a:lnTo>
+                <a:lnTo>
+                  <a:pt x="123825" y="1647825"/>
+                </a:lnTo>
+                <a:lnTo>
+                  <a:pt x="1186451" y="1647825"/>
+                </a:lnTo>
+                <a:lnTo>
+                  <a:pt x="1186451" y="1771650"/>
+                </a:lnTo>
+                <a:lnTo>
+                  <a:pt x="61913" y="1771650"/>
+                </a:lnTo>
+                <a:cubicBezTo>
+                  <a:pt x="27719" y="1771650"/>
+                  <a:pt x="0" y="1743932"/>
+                  <a:pt x="0" y="1709738"/>
+                </a:cubicBezTo>
+                <a:lnTo>
+                  <a:pt x="0" y="61913"/>
+                </a:lnTo>
+                <a:cubicBezTo>
+                  <a:pt x="0" y="27719"/>
+                  <a:pt x="27719" y="0"/>
+                  <a:pt x="61913" y="0"/>
+                </a:cubicBezTo>
+                <a:close/>
+              </a:path>
+            </a:pathLst>
+          </a:custGeom>
+          <a:solidFill>
+            <a:schemeClr val="accent6"/>
+          </a:solidFill>
+          <a:ln w="9525" cap="flat">
+            <a:noFill/>
+            <a:prstDash val="solid"/>
+            <a:miter/>
+          </a:ln>
+        </p:spPr>
+        <p:txBody>
+          <a:bodyPr rtlCol="0" anchor="ctr"/>
+          <a:lstStyle/>
+          <a:p>
+            <a:endParaRPr lang="en-US"/>
+          </a:p>
+        </p:txBody>
+      </p:sp>
+      <p:sp>
+        <p:nvSpPr>
+          <p:cNvPr id="63" name="Arc 62">
+            <a:extLst>
+              <a:ext uri="{FF2B5EF4-FFF2-40B4-BE49-F238E27FC236}">
+                <a16:creationId xmlns:a16="http://schemas.microsoft.com/office/drawing/2014/main" id="{09192968-3AE7-4470-A61C-97294BB92731}"/>
+              </a:ext>
+              <a:ext uri="{C183D7F6-B498-43B3-948B-1728B52AA6E4}">
+                <adec:decorative xmlns:adec="http://schemas.microsoft.com/office/drawing/2017/decorative" val="1"/>
+              </a:ext>
+            </a:extLst>
+          </p:cNvPr>
+          <p:cNvSpPr>
+            <a:spLocks noGrp="1" noRot="1" noChangeAspect="1" noMove="1" noResize="1" noEditPoints="1" noAdjustHandles="1" noChangeArrowheads="1" noChangeShapeType="1" noTextEdit="1"/>
+          </p:cNvSpPr>
+          <p:nvPr>
+            <p:extLst>
+              <p:ext uri="{386F3935-93C4-4BCD-93E2-E3B085C9AB24}">
+                <p16:designElem xmlns:p16="http://schemas.microsoft.com/office/powerpoint/2015/main" val="1"/>
+              </p:ext>
+            </p:extLst>
+          </p:nvPr>
+        </p:nvSpPr>
+        <p:spPr>
+          <a:xfrm rot="20992895">
+            <a:off x="6086940" y="4145122"/>
+            <a:ext cx="4083433" cy="4083433"/>
+          </a:xfrm>
+          <a:prstGeom prst="arc">
+            <a:avLst/>
+          </a:prstGeom>
+          <a:ln w="127000" cap="rnd">
+            <a:solidFill>
+              <a:schemeClr val="accent4"/>
+            </a:solidFill>
+            <a:prstDash val="dash"/>
+          </a:ln>
+        </p:spPr>
+        <p:style>
+          <a:lnRef idx="1">
+            <a:schemeClr val="accent1"/>
+          </a:lnRef>
+          <a:fillRef idx="0">
+            <a:schemeClr val="accent1"/>
+          </a:fillRef>
+          <a:effectRef idx="0">
+            <a:schemeClr val="accent1"/>
+          </a:effectRef>
+          <a:fontRef idx="minor">
+            <a:schemeClr val="tx1"/>
+          </a:fontRef>
+        </p:style>
+        <p:txBody>
+          <a:bodyPr rtlCol="0" anchor="ctr"/>
+          <a:lstStyle/>
+          <a:p>
+            <a:pPr algn="ctr"/>
+            <a:endParaRPr lang="en-US" dirty="0"/>
+          </a:p>
+        </p:txBody>
+      </p:sp>
+      <p:sp>
+        <p:nvSpPr>
+          <p:cNvPr id="65" name="Freeform: Shape 64">
+            <a:extLst>
+              <a:ext uri="{FF2B5EF4-FFF2-40B4-BE49-F238E27FC236}">
+                <a16:creationId xmlns:a16="http://schemas.microsoft.com/office/drawing/2014/main" id="{3AB72E55-43E4-4356-BFE8-E2102CB0B505}"/>
+              </a:ext>
+              <a:ext uri="{C183D7F6-B498-43B3-948B-1728B52AA6E4}">
+                <adec:decorative xmlns:adec="http://schemas.microsoft.com/office/drawing/2017/decorative" val="1"/>
+              </a:ext>
+            </a:extLst>
+          </p:cNvPr>
+          <p:cNvSpPr>
+            <a:spLocks noGrp="1" noRot="1" noChangeAspect="1" noMove="1" noResize="1" noEditPoints="1" noAdjustHandles="1" noChangeArrowheads="1" noChangeShapeType="1" noTextEdit="1"/>
+          </p:cNvSpPr>
+          <p:nvPr>
+            <p:extLst>
+              <p:ext uri="{386F3935-93C4-4BCD-93E2-E3B085C9AB24}">
+                <p16:designElem xmlns:p16="http://schemas.microsoft.com/office/powerpoint/2015/main" val="1"/>
+              </p:ext>
+            </p:extLst>
+          </p:nvPr>
+        </p:nvSpPr>
+        <p:spPr>
+          <a:xfrm>
+            <a:off x="6821310" y="4962670"/>
+            <a:ext cx="2643352" cy="1895331"/>
+          </a:xfrm>
+          <a:custGeom>
+            <a:avLst/>
+            <a:gdLst>
+              <a:gd name="connsiteX0" fmla="*/ 1321676 w 2643352"/>
+              <a:gd name="connsiteY0" fmla="*/ 0 h 1895331"/>
+              <a:gd name="connsiteX1" fmla="*/ 2643352 w 2643352"/>
+              <a:gd name="connsiteY1" fmla="*/ 1321676 h 1895331"/>
+              <a:gd name="connsiteX2" fmla="*/ 2539488 w 2643352"/>
+              <a:gd name="connsiteY2" fmla="*/ 1836132 h 1895331"/>
+              <a:gd name="connsiteX3" fmla="*/ 2510970 w 2643352"/>
+              <a:gd name="connsiteY3" fmla="*/ 1895331 h 1895331"/>
+              <a:gd name="connsiteX4" fmla="*/ 132382 w 2643352"/>
+              <a:gd name="connsiteY4" fmla="*/ 1895331 h 1895331"/>
+              <a:gd name="connsiteX5" fmla="*/ 103864 w 2643352"/>
+              <a:gd name="connsiteY5" fmla="*/ 1836132 h 1895331"/>
+              <a:gd name="connsiteX6" fmla="*/ 0 w 2643352"/>
+              <a:gd name="connsiteY6" fmla="*/ 1321676 h 1895331"/>
+              <a:gd name="connsiteX7" fmla="*/ 1321676 w 2643352"/>
+              <a:gd name="connsiteY7" fmla="*/ 0 h 1895331"/>
+            </a:gdLst>
+            <a:ahLst/>
+            <a:cxnLst>
+              <a:cxn ang="0">
+                <a:pos x="connsiteX0" y="connsiteY0"/>
+              </a:cxn>
+              <a:cxn ang="0">
+                <a:pos x="connsiteX1" y="connsiteY1"/>
+              </a:cxn>
+              <a:cxn ang="0">
+                <a:pos x="connsiteX2" y="connsiteY2"/>
+              </a:cxn>
+              <a:cxn ang="0">
+                <a:pos x="connsiteX3" y="connsiteY3"/>
+              </a:cxn>
+              <a:cxn ang="0">
+                <a:pos x="connsiteX4" y="connsiteY4"/>
+              </a:cxn>
+              <a:cxn ang="0">
+                <a:pos x="connsiteX5" y="connsiteY5"/>
+              </a:cxn>
+              <a:cxn ang="0">
+                <a:pos x="connsiteX6" y="connsiteY6"/>
+              </a:cxn>
+              <a:cxn ang="0">
+                <a:pos x="connsiteX7" y="connsiteY7"/>
+              </a:cxn>
+            </a:cxnLst>
+            <a:rect l="l" t="t" r="r" b="b"/>
+            <a:pathLst>
+              <a:path w="2643352" h="1895331">
+                <a:moveTo>
+                  <a:pt x="1321676" y="0"/>
+                </a:moveTo>
+                <a:cubicBezTo>
+                  <a:pt x="2051617" y="0"/>
+                  <a:pt x="2643352" y="591735"/>
+                  <a:pt x="2643352" y="1321676"/>
+                </a:cubicBezTo>
+                <a:cubicBezTo>
+                  <a:pt x="2643352" y="1504161"/>
+                  <a:pt x="2606369" y="1678009"/>
+                  <a:pt x="2539488" y="1836132"/>
+                </a:cubicBezTo>
+                <a:lnTo>
+                  <a:pt x="2510970" y="1895331"/>
+                </a:lnTo>
+                <a:lnTo>
+                  <a:pt x="132382" y="1895331"/>
+                </a:lnTo>
+                <a:lnTo>
+                  <a:pt x="103864" y="1836132"/>
+                </a:lnTo>
+                <a:cubicBezTo>
+                  <a:pt x="36984" y="1678009"/>
+                  <a:pt x="0" y="1504161"/>
+                  <a:pt x="0" y="1321676"/>
+                </a:cubicBezTo>
+                <a:cubicBezTo>
+                  <a:pt x="0" y="591735"/>
+                  <a:pt x="591735" y="0"/>
+                  <a:pt x="1321676" y="0"/>
+                </a:cubicBezTo>
+                <a:close/>
+              </a:path>
+            </a:pathLst>
+          </a:custGeom>
+          <a:solidFill>
+            <a:schemeClr val="accent2"/>
+          </a:solidFill>
+          <a:ln>
+            <a:noFill/>
+          </a:ln>
+        </p:spPr>
+        <p:style>
+          <a:lnRef idx="2">
             <a:schemeClr val="accent1">
+              <a:shade val="50000"/>
+            </a:schemeClr>
+          </a:lnRef>
+          <a:fillRef idx="1">
+            <a:schemeClr val="accent1"/>
+          </a:fillRef>
+          <a:effectRef idx="0">
+            <a:schemeClr val="accent1"/>
+          </a:effectRef>
+          <a:fontRef idx="minor">
+            <a:schemeClr val="lt1"/>
+          </a:fontRef>
+        </p:style>
+        <p:txBody>
+          <a:bodyPr rtlCol="0" anchor="ctr"/>
+          <a:lstStyle/>
+          <a:p>
+            <a:pPr algn="ctr"/>
+            <a:endParaRPr lang="en-US"/>
+          </a:p>
+        </p:txBody>
+      </p:sp>
+    </p:spTree>
+    <p:extLst>
+      <p:ext uri="{BB962C8B-B14F-4D97-AF65-F5344CB8AC3E}">
+        <p14:creationId xmlns:p14="http://schemas.microsoft.com/office/powerpoint/2010/main" val="2582771042"/>
+      </p:ext>
+    </p:extLst>
+  </p:cSld>
+  <p:clrMapOvr>
+    <a:masterClrMapping/>
+  </p:clrMapOvr>
+</p:sld>
+</file>
+
+<file path=ppt/slides/slide5.xml><?xml version="1.0" encoding="utf-8"?>
+<p:sld xmlns:a="http://schemas.openxmlformats.org/drawingml/2006/main" xmlns:r="http://schemas.openxmlformats.org/officeDocument/2006/relationships" xmlns:p="http://schemas.openxmlformats.org/presentationml/2006/main">
+  <p:cSld>
+    <p:bg>
+      <p:bgPr>
+        <a:solidFill>
+          <a:schemeClr val="bg1"/>
+        </a:solidFill>
+        <a:effectLst/>
+      </p:bgPr>
+    </p:bg>
+    <p:spTree>
+      <p:nvGrpSpPr>
+        <p:cNvPr id="1" name=""/>
+        <p:cNvGrpSpPr/>
+        <p:nvPr/>
+      </p:nvGrpSpPr>
+      <p:grpSpPr>
+        <a:xfrm>
+          <a:off x="0" y="0"/>
+          <a:ext cx="0" cy="0"/>
+          <a:chOff x="0" y="0"/>
+          <a:chExt cx="0" cy="0"/>
+        </a:xfrm>
+      </p:grpSpPr>
+      <p:sp useBgFill="1">
+        <p:nvSpPr>
+          <p:cNvPr id="55" name="Rectangle 54">
+            <a:extLst>
+              <a:ext uri="{FF2B5EF4-FFF2-40B4-BE49-F238E27FC236}">
+                <a16:creationId xmlns:a16="http://schemas.microsoft.com/office/drawing/2014/main" id="{1A9F7B4E-B03D-4F64-BE33-00D074458D45}"/>
+              </a:ext>
+              <a:ext uri="{C183D7F6-B498-43B3-948B-1728B52AA6E4}">
+                <adec:decorative xmlns:adec="http://schemas.microsoft.com/office/drawing/2017/decorative" val="1"/>
+              </a:ext>
+            </a:extLst>
+          </p:cNvPr>
+          <p:cNvSpPr>
+            <a:spLocks noGrp="1" noRot="1" noChangeAspect="1" noMove="1" noResize="1" noEditPoints="1" noAdjustHandles="1" noChangeArrowheads="1" noChangeShapeType="1" noTextEdit="1"/>
+          </p:cNvSpPr>
+          <p:nvPr>
+            <p:extLst>
+              <p:ext uri="{386F3935-93C4-4BCD-93E2-E3B085C9AB24}">
+                <p16:designElem xmlns:p16="http://schemas.microsoft.com/office/powerpoint/2015/main" val="1"/>
+              </p:ext>
+            </p:extLst>
+          </p:nvPr>
+        </p:nvSpPr>
+        <p:spPr>
+          <a:xfrm>
+            <a:off x="0" y="0"/>
+            <a:ext cx="12188952" cy="6858000"/>
+          </a:xfrm>
+          <a:prstGeom prst="rect">
+            <a:avLst/>
+          </a:prstGeom>
+          <a:ln>
+            <a:noFill/>
+          </a:ln>
+        </p:spPr>
+        <p:style>
+          <a:lnRef idx="2">
+            <a:schemeClr val="accent1">
+              <a:shade val="50000"/>
+            </a:schemeClr>
+          </a:lnRef>
+          <a:fillRef idx="1">
+            <a:schemeClr val="accent1"/>
+          </a:fillRef>
+          <a:effectRef idx="0">
+            <a:schemeClr val="accent1"/>
+          </a:effectRef>
+          <a:fontRef idx="minor">
+            <a:schemeClr val="lt1"/>
+          </a:fontRef>
+        </p:style>
+        <p:txBody>
+          <a:bodyPr rtlCol="0" anchor="ctr"/>
+          <a:lstStyle/>
+          <a:p>
+            <a:pPr algn="ctr"/>
+            <a:endParaRPr lang="en-US"/>
+          </a:p>
+        </p:txBody>
+      </p:sp>
+      <p:pic>
+        <p:nvPicPr>
+          <p:cNvPr id="6" name="Picture Placeholder 5" descr="A picture containing text, red, sign&#10;&#10;Description automatically generated">
+            <a:extLst>
+              <a:ext uri="{FF2B5EF4-FFF2-40B4-BE49-F238E27FC236}">
+                <a16:creationId xmlns:a16="http://schemas.microsoft.com/office/drawing/2014/main" id="{3B9863C3-AB47-4DB4-8DB4-4D6AA13265B0}"/>
+              </a:ext>
+            </a:extLst>
+          </p:cNvPr>
+          <p:cNvPicPr>
+            <a:picLocks noGrp="1" noChangeAspect="1"/>
+          </p:cNvPicPr>
+          <p:nvPr>
+            <p:ph type="pic" idx="1"/>
+          </p:nvPr>
+        </p:nvPicPr>
+        <p:blipFill rotWithShape="1">
+          <a:blip r:embed="rId2">
+            <a:alphaModFix amt="40000"/>
+            <a:extLst>
+              <a:ext uri="{28A0092B-C50C-407E-A947-70E740481C1C}">
+                <a14:useLocalDpi xmlns:a14="http://schemas.microsoft.com/office/drawing/2010/main" val="0"/>
+              </a:ext>
+              <a:ext uri="{837473B0-CC2E-450A-ABE3-18F120FF3D39}">
+                <a1611:picAttrSrcUrl xmlns:a1611="http://schemas.microsoft.com/office/drawing/2016/11/main" r:id="rId3"/>
+              </a:ext>
+            </a:extLst>
+          </a:blip>
+          <a:srcRect l="8564" r="8326" b="1"/>
+          <a:stretch/>
+        </p:blipFill>
+        <p:spPr>
+          <a:xfrm>
+            <a:off x="20" y="10"/>
+            <a:ext cx="12191979" cy="6857990"/>
+          </a:xfrm>
+          <a:prstGeom prst="rect">
+            <a:avLst/>
+          </a:prstGeom>
+        </p:spPr>
+      </p:pic>
+      <p:sp>
+        <p:nvSpPr>
+          <p:cNvPr id="2" name="Title 1">
+            <a:extLst>
+              <a:ext uri="{FF2B5EF4-FFF2-40B4-BE49-F238E27FC236}">
+                <a16:creationId xmlns:a16="http://schemas.microsoft.com/office/drawing/2014/main" id="{354111CF-E95D-4BFB-811B-64535A65A693}"/>
+              </a:ext>
+            </a:extLst>
+          </p:cNvPr>
+          <p:cNvSpPr>
+            <a:spLocks noGrp="1"/>
+          </p:cNvSpPr>
+          <p:nvPr>
+            <p:ph type="title"/>
+          </p:nvPr>
+        </p:nvSpPr>
+        <p:spPr>
+          <a:xfrm>
+            <a:off x="838200" y="365125"/>
+            <a:ext cx="10515600" cy="1325563"/>
+          </a:xfrm>
+        </p:spPr>
+        <p:txBody>
+          <a:bodyPr vert="horz" lIns="91440" tIns="45720" rIns="91440" bIns="45720" rtlCol="0" anchor="ctr">
+            <a:normAutofit/>
+          </a:bodyPr>
+          <a:lstStyle/>
+          <a:p>
+            <a:r>
+              <a:rPr lang="en-US" sz="5400">
+                <a:solidFill>
+                  <a:srgbClr val="FFFFFF"/>
+                </a:solidFill>
+              </a:rPr>
+              <a:t>Hypothesis Result</a:t>
+            </a:r>
+          </a:p>
+        </p:txBody>
+      </p:sp>
+      <p:sp>
+        <p:nvSpPr>
+          <p:cNvPr id="57" name="sketchy line">
+            <a:extLst>
+              <a:ext uri="{FF2B5EF4-FFF2-40B4-BE49-F238E27FC236}">
+                <a16:creationId xmlns:a16="http://schemas.microsoft.com/office/drawing/2014/main" id="{7E2BE7F7-CA89-4002-ACCE-A478AEA24F5E}"/>
+              </a:ext>
+              <a:ext uri="{C183D7F6-B498-43B3-948B-1728B52AA6E4}">
+                <adec:decorative xmlns:adec="http://schemas.microsoft.com/office/drawing/2017/decorative" val="1"/>
+              </a:ext>
+            </a:extLst>
+          </p:cNvPr>
+          <p:cNvSpPr>
+            <a:spLocks noGrp="1" noRot="1" noChangeAspect="1" noMove="1" noResize="1" noEditPoints="1" noAdjustHandles="1" noChangeArrowheads="1" noChangeShapeType="1" noTextEdit="1"/>
+          </p:cNvSpPr>
+          <p:nvPr>
+            <p:extLst>
+              <p:ext uri="{386F3935-93C4-4BCD-93E2-E3B085C9AB24}">
+                <p16:designElem xmlns:p16="http://schemas.microsoft.com/office/powerpoint/2015/main" val="1"/>
+              </p:ext>
+            </p:extLst>
+          </p:nvPr>
+        </p:nvSpPr>
+        <p:spPr>
+          <a:xfrm>
+            <a:off x="914399" y="1681544"/>
+            <a:ext cx="9692640" cy="18288"/>
+          </a:xfrm>
+          <a:custGeom>
+            <a:avLst/>
+            <a:gdLst>
+              <a:gd name="connsiteX0" fmla="*/ 0 w 9692640"/>
+              <a:gd name="connsiteY0" fmla="*/ 0 h 18288"/>
+              <a:gd name="connsiteX1" fmla="*/ 401552 w 9692640"/>
+              <a:gd name="connsiteY1" fmla="*/ 0 h 18288"/>
+              <a:gd name="connsiteX2" fmla="*/ 996957 w 9692640"/>
+              <a:gd name="connsiteY2" fmla="*/ 0 h 18288"/>
+              <a:gd name="connsiteX3" fmla="*/ 1398509 w 9692640"/>
+              <a:gd name="connsiteY3" fmla="*/ 0 h 18288"/>
+              <a:gd name="connsiteX4" fmla="*/ 2090841 w 9692640"/>
+              <a:gd name="connsiteY4" fmla="*/ 0 h 18288"/>
+              <a:gd name="connsiteX5" fmla="*/ 2686246 w 9692640"/>
+              <a:gd name="connsiteY5" fmla="*/ 0 h 18288"/>
+              <a:gd name="connsiteX6" fmla="*/ 3475504 w 9692640"/>
+              <a:gd name="connsiteY6" fmla="*/ 0 h 18288"/>
+              <a:gd name="connsiteX7" fmla="*/ 4361688 w 9692640"/>
+              <a:gd name="connsiteY7" fmla="*/ 0 h 18288"/>
+              <a:gd name="connsiteX8" fmla="*/ 5054019 w 9692640"/>
+              <a:gd name="connsiteY8" fmla="*/ 0 h 18288"/>
+              <a:gd name="connsiteX9" fmla="*/ 5940204 w 9692640"/>
+              <a:gd name="connsiteY9" fmla="*/ 0 h 18288"/>
+              <a:gd name="connsiteX10" fmla="*/ 6632535 w 9692640"/>
+              <a:gd name="connsiteY10" fmla="*/ 0 h 18288"/>
+              <a:gd name="connsiteX11" fmla="*/ 7034087 w 9692640"/>
+              <a:gd name="connsiteY11" fmla="*/ 0 h 18288"/>
+              <a:gd name="connsiteX12" fmla="*/ 7532566 w 9692640"/>
+              <a:gd name="connsiteY12" fmla="*/ 0 h 18288"/>
+              <a:gd name="connsiteX13" fmla="*/ 8418750 w 9692640"/>
+              <a:gd name="connsiteY13" fmla="*/ 0 h 18288"/>
+              <a:gd name="connsiteX14" fmla="*/ 9692640 w 9692640"/>
+              <a:gd name="connsiteY14" fmla="*/ 0 h 18288"/>
+              <a:gd name="connsiteX15" fmla="*/ 9692640 w 9692640"/>
+              <a:gd name="connsiteY15" fmla="*/ 18288 h 18288"/>
+              <a:gd name="connsiteX16" fmla="*/ 9000309 w 9692640"/>
+              <a:gd name="connsiteY16" fmla="*/ 18288 h 18288"/>
+              <a:gd name="connsiteX17" fmla="*/ 8307977 w 9692640"/>
+              <a:gd name="connsiteY17" fmla="*/ 18288 h 18288"/>
+              <a:gd name="connsiteX18" fmla="*/ 7712572 w 9692640"/>
+              <a:gd name="connsiteY18" fmla="*/ 18288 h 18288"/>
+              <a:gd name="connsiteX19" fmla="*/ 7214093 w 9692640"/>
+              <a:gd name="connsiteY19" fmla="*/ 18288 h 18288"/>
+              <a:gd name="connsiteX20" fmla="*/ 6327909 w 9692640"/>
+              <a:gd name="connsiteY20" fmla="*/ 18288 h 18288"/>
+              <a:gd name="connsiteX21" fmla="*/ 5635578 w 9692640"/>
+              <a:gd name="connsiteY21" fmla="*/ 18288 h 18288"/>
+              <a:gd name="connsiteX22" fmla="*/ 4846320 w 9692640"/>
+              <a:gd name="connsiteY22" fmla="*/ 18288 h 18288"/>
+              <a:gd name="connsiteX23" fmla="*/ 4444768 w 9692640"/>
+              <a:gd name="connsiteY23" fmla="*/ 18288 h 18288"/>
+              <a:gd name="connsiteX24" fmla="*/ 3946289 w 9692640"/>
+              <a:gd name="connsiteY24" fmla="*/ 18288 h 18288"/>
+              <a:gd name="connsiteX25" fmla="*/ 3253958 w 9692640"/>
+              <a:gd name="connsiteY25" fmla="*/ 18288 h 18288"/>
+              <a:gd name="connsiteX26" fmla="*/ 2464700 w 9692640"/>
+              <a:gd name="connsiteY26" fmla="*/ 18288 h 18288"/>
+              <a:gd name="connsiteX27" fmla="*/ 2063148 w 9692640"/>
+              <a:gd name="connsiteY27" fmla="*/ 18288 h 18288"/>
+              <a:gd name="connsiteX28" fmla="*/ 1661595 w 9692640"/>
+              <a:gd name="connsiteY28" fmla="*/ 18288 h 18288"/>
+              <a:gd name="connsiteX29" fmla="*/ 969264 w 9692640"/>
+              <a:gd name="connsiteY29" fmla="*/ 18288 h 18288"/>
+              <a:gd name="connsiteX30" fmla="*/ 0 w 9692640"/>
+              <a:gd name="connsiteY30" fmla="*/ 18288 h 18288"/>
+              <a:gd name="connsiteX31" fmla="*/ 0 w 9692640"/>
+              <a:gd name="connsiteY31" fmla="*/ 0 h 18288"/>
+            </a:gdLst>
+            <a:ahLst/>
+            <a:cxnLst>
+              <a:cxn ang="0">
+                <a:pos x="connsiteX0" y="connsiteY0"/>
+              </a:cxn>
+              <a:cxn ang="0">
+                <a:pos x="connsiteX1" y="connsiteY1"/>
+              </a:cxn>
+              <a:cxn ang="0">
+                <a:pos x="connsiteX2" y="connsiteY2"/>
+              </a:cxn>
+              <a:cxn ang="0">
+                <a:pos x="connsiteX3" y="connsiteY3"/>
+              </a:cxn>
+              <a:cxn ang="0">
+                <a:pos x="connsiteX4" y="connsiteY4"/>
+              </a:cxn>
+              <a:cxn ang="0">
+                <a:pos x="connsiteX5" y="connsiteY5"/>
+              </a:cxn>
+              <a:cxn ang="0">
+                <a:pos x="connsiteX6" y="connsiteY6"/>
+              </a:cxn>
+              <a:cxn ang="0">
+                <a:pos x="connsiteX7" y="connsiteY7"/>
+              </a:cxn>
+              <a:cxn ang="0">
+                <a:pos x="connsiteX8" y="connsiteY8"/>
+              </a:cxn>
+              <a:cxn ang="0">
+                <a:pos x="connsiteX9" y="connsiteY9"/>
+              </a:cxn>
+              <a:cxn ang="0">
+                <a:pos x="connsiteX10" y="connsiteY10"/>
+              </a:cxn>
+              <a:cxn ang="0">
+                <a:pos x="connsiteX11" y="connsiteY11"/>
+              </a:cxn>
+              <a:cxn ang="0">
+                <a:pos x="connsiteX12" y="connsiteY12"/>
+              </a:cxn>
+              <a:cxn ang="0">
+                <a:pos x="connsiteX13" y="connsiteY13"/>
+              </a:cxn>
+              <a:cxn ang="0">
+                <a:pos x="connsiteX14" y="connsiteY14"/>
+              </a:cxn>
+              <a:cxn ang="0">
+                <a:pos x="connsiteX15" y="connsiteY15"/>
+              </a:cxn>
+              <a:cxn ang="0">
+                <a:pos x="connsiteX16" y="connsiteY16"/>
+              </a:cxn>
+              <a:cxn ang="0">
+                <a:pos x="connsiteX17" y="connsiteY17"/>
+              </a:cxn>
+              <a:cxn ang="0">
+                <a:pos x="connsiteX18" y="connsiteY18"/>
+              </a:cxn>
+              <a:cxn ang="0">
+                <a:pos x="connsiteX19" y="connsiteY19"/>
+              </a:cxn>
+              <a:cxn ang="0">
+                <a:pos x="connsiteX20" y="connsiteY20"/>
+              </a:cxn>
+              <a:cxn ang="0">
+                <a:pos x="connsiteX21" y="connsiteY21"/>
+              </a:cxn>
+              <a:cxn ang="0">
+                <a:pos x="connsiteX22" y="connsiteY22"/>
+              </a:cxn>
+              <a:cxn ang="0">
+                <a:pos x="connsiteX23" y="connsiteY23"/>
+              </a:cxn>
+              <a:cxn ang="0">
+                <a:pos x="connsiteX24" y="connsiteY24"/>
+              </a:cxn>
+              <a:cxn ang="0">
+                <a:pos x="connsiteX25" y="connsiteY25"/>
+              </a:cxn>
+              <a:cxn ang="0">
+                <a:pos x="connsiteX26" y="connsiteY26"/>
+              </a:cxn>
+              <a:cxn ang="0">
+                <a:pos x="connsiteX27" y="connsiteY27"/>
+              </a:cxn>
+              <a:cxn ang="0">
+                <a:pos x="connsiteX28" y="connsiteY28"/>
+              </a:cxn>
+              <a:cxn ang="0">
+                <a:pos x="connsiteX29" y="connsiteY29"/>
+              </a:cxn>
+              <a:cxn ang="0">
+                <a:pos x="connsiteX30" y="connsiteY30"/>
+              </a:cxn>
+              <a:cxn ang="0">
+                <a:pos x="connsiteX31" y="connsiteY31"/>
+              </a:cxn>
+            </a:cxnLst>
+            <a:rect l="l" t="t" r="r" b="b"/>
+            <a:pathLst>
+              <a:path w="9692640" h="18288" fill="none" extrusionOk="0">
+                <a:moveTo>
+                  <a:pt x="0" y="0"/>
+                </a:moveTo>
+                <a:cubicBezTo>
+                  <a:pt x="142992" y="4732"/>
+                  <a:pt x="265909" y="-3365"/>
+                  <a:pt x="401552" y="0"/>
+                </a:cubicBezTo>
+                <a:cubicBezTo>
+                  <a:pt x="537195" y="3365"/>
+                  <a:pt x="738153" y="6482"/>
+                  <a:pt x="996957" y="0"/>
+                </a:cubicBezTo>
+                <a:cubicBezTo>
+                  <a:pt x="1255762" y="-6482"/>
+                  <a:pt x="1280511" y="12509"/>
+                  <a:pt x="1398509" y="0"/>
+                </a:cubicBezTo>
+                <a:cubicBezTo>
+                  <a:pt x="1516507" y="-12509"/>
+                  <a:pt x="1782573" y="-31523"/>
+                  <a:pt x="2090841" y="0"/>
+                </a:cubicBezTo>
+                <a:cubicBezTo>
+                  <a:pt x="2399109" y="31523"/>
+                  <a:pt x="2488380" y="26286"/>
+                  <a:pt x="2686246" y="0"/>
+                </a:cubicBezTo>
+                <a:cubicBezTo>
+                  <a:pt x="2884112" y="-26286"/>
+                  <a:pt x="3186024" y="-14734"/>
+                  <a:pt x="3475504" y="0"/>
+                </a:cubicBezTo>
+                <a:cubicBezTo>
+                  <a:pt x="3764984" y="14734"/>
+                  <a:pt x="4053017" y="43292"/>
+                  <a:pt x="4361688" y="0"/>
+                </a:cubicBezTo>
+                <a:cubicBezTo>
+                  <a:pt x="4670359" y="-43292"/>
+                  <a:pt x="4736164" y="-729"/>
+                  <a:pt x="5054019" y="0"/>
+                </a:cubicBezTo>
+                <a:cubicBezTo>
+                  <a:pt x="5371874" y="729"/>
+                  <a:pt x="5543528" y="-22963"/>
+                  <a:pt x="5940204" y="0"/>
+                </a:cubicBezTo>
+                <a:cubicBezTo>
+                  <a:pt x="6336881" y="22963"/>
+                  <a:pt x="6423838" y="6469"/>
+                  <a:pt x="6632535" y="0"/>
+                </a:cubicBezTo>
+                <a:cubicBezTo>
+                  <a:pt x="6841232" y="-6469"/>
+                  <a:pt x="6852819" y="17036"/>
+                  <a:pt x="7034087" y="0"/>
+                </a:cubicBezTo>
+                <a:cubicBezTo>
+                  <a:pt x="7215355" y="-17036"/>
+                  <a:pt x="7313136" y="11151"/>
+                  <a:pt x="7532566" y="0"/>
+                </a:cubicBezTo>
+                <a:cubicBezTo>
+                  <a:pt x="7751996" y="-11151"/>
+                  <a:pt x="8015001" y="25614"/>
+                  <a:pt x="8418750" y="0"/>
+                </a:cubicBezTo>
+                <a:cubicBezTo>
+                  <a:pt x="8822499" y="-25614"/>
+                  <a:pt x="9163239" y="48603"/>
+                  <a:pt x="9692640" y="0"/>
+                </a:cubicBezTo>
+                <a:cubicBezTo>
+                  <a:pt x="9691955" y="4437"/>
+                  <a:pt x="9693170" y="10717"/>
+                  <a:pt x="9692640" y="18288"/>
+                </a:cubicBezTo>
+                <a:cubicBezTo>
+                  <a:pt x="9545125" y="42172"/>
+                  <a:pt x="9164259" y="6706"/>
+                  <a:pt x="9000309" y="18288"/>
+                </a:cubicBezTo>
+                <a:cubicBezTo>
+                  <a:pt x="8836359" y="29870"/>
+                  <a:pt x="8521035" y="-14108"/>
+                  <a:pt x="8307977" y="18288"/>
+                </a:cubicBezTo>
+                <a:cubicBezTo>
+                  <a:pt x="8094919" y="50684"/>
+                  <a:pt x="7881757" y="11235"/>
+                  <a:pt x="7712572" y="18288"/>
+                </a:cubicBezTo>
+                <a:cubicBezTo>
+                  <a:pt x="7543387" y="25341"/>
+                  <a:pt x="7358861" y="20625"/>
+                  <a:pt x="7214093" y="18288"/>
+                </a:cubicBezTo>
+                <a:cubicBezTo>
+                  <a:pt x="7069325" y="15951"/>
+                  <a:pt x="6523705" y="52160"/>
+                  <a:pt x="6327909" y="18288"/>
+                </a:cubicBezTo>
+                <a:cubicBezTo>
+                  <a:pt x="6132113" y="-15584"/>
+                  <a:pt x="5923847" y="21204"/>
+                  <a:pt x="5635578" y="18288"/>
+                </a:cubicBezTo>
+                <a:cubicBezTo>
+                  <a:pt x="5347309" y="15372"/>
+                  <a:pt x="5114749" y="50642"/>
+                  <a:pt x="4846320" y="18288"/>
+                </a:cubicBezTo>
+                <a:cubicBezTo>
+                  <a:pt x="4577891" y="-14066"/>
+                  <a:pt x="4576701" y="1487"/>
+                  <a:pt x="4444768" y="18288"/>
+                </a:cubicBezTo>
+                <a:cubicBezTo>
+                  <a:pt x="4312835" y="35089"/>
+                  <a:pt x="4112575" y="15158"/>
+                  <a:pt x="3946289" y="18288"/>
+                </a:cubicBezTo>
+                <a:cubicBezTo>
+                  <a:pt x="3780003" y="21418"/>
+                  <a:pt x="3396009" y="18797"/>
+                  <a:pt x="3253958" y="18288"/>
+                </a:cubicBezTo>
+                <a:cubicBezTo>
+                  <a:pt x="3111907" y="17779"/>
+                  <a:pt x="2760272" y="57223"/>
+                  <a:pt x="2464700" y="18288"/>
+                </a:cubicBezTo>
+                <a:cubicBezTo>
+                  <a:pt x="2169128" y="-20647"/>
+                  <a:pt x="2232262" y="7960"/>
+                  <a:pt x="2063148" y="18288"/>
+                </a:cubicBezTo>
+                <a:cubicBezTo>
+                  <a:pt x="1894034" y="28616"/>
+                  <a:pt x="1799338" y="3019"/>
+                  <a:pt x="1661595" y="18288"/>
+                </a:cubicBezTo>
+                <a:cubicBezTo>
+                  <a:pt x="1523852" y="33557"/>
+                  <a:pt x="1113928" y="-4352"/>
+                  <a:pt x="969264" y="18288"/>
+                </a:cubicBezTo>
+                <a:cubicBezTo>
+                  <a:pt x="824600" y="40928"/>
+                  <a:pt x="356149" y="-3128"/>
+                  <a:pt x="0" y="18288"/>
+                </a:cubicBezTo>
+                <a:cubicBezTo>
+                  <a:pt x="-540" y="12521"/>
+                  <a:pt x="894" y="7749"/>
+                  <a:pt x="0" y="0"/>
+                </a:cubicBezTo>
+                <a:close/>
+              </a:path>
+              <a:path w="9692640" h="18288" stroke="0" extrusionOk="0">
+                <a:moveTo>
+                  <a:pt x="0" y="0"/>
+                </a:moveTo>
+                <a:cubicBezTo>
+                  <a:pt x="162642" y="3864"/>
+                  <a:pt x="346119" y="-18364"/>
+                  <a:pt x="498479" y="0"/>
+                </a:cubicBezTo>
+                <a:cubicBezTo>
+                  <a:pt x="650839" y="18364"/>
+                  <a:pt x="712065" y="-9389"/>
+                  <a:pt x="900031" y="0"/>
+                </a:cubicBezTo>
+                <a:cubicBezTo>
+                  <a:pt x="1087997" y="9389"/>
+                  <a:pt x="1177291" y="3685"/>
+                  <a:pt x="1398509" y="0"/>
+                </a:cubicBezTo>
+                <a:cubicBezTo>
+                  <a:pt x="1619727" y="-3685"/>
+                  <a:pt x="1874008" y="-8897"/>
+                  <a:pt x="2090841" y="0"/>
+                </a:cubicBezTo>
+                <a:cubicBezTo>
+                  <a:pt x="2307674" y="8897"/>
+                  <a:pt x="2573432" y="-313"/>
+                  <a:pt x="2880099" y="0"/>
+                </a:cubicBezTo>
+                <a:cubicBezTo>
+                  <a:pt x="3186766" y="313"/>
+                  <a:pt x="3422577" y="10664"/>
+                  <a:pt x="3766283" y="0"/>
+                </a:cubicBezTo>
+                <a:cubicBezTo>
+                  <a:pt x="4109989" y="-10664"/>
+                  <a:pt x="4342683" y="-32873"/>
+                  <a:pt x="4652467" y="0"/>
+                </a:cubicBezTo>
+                <a:cubicBezTo>
+                  <a:pt x="4962251" y="32873"/>
+                  <a:pt x="5122120" y="29155"/>
+                  <a:pt x="5247872" y="0"/>
+                </a:cubicBezTo>
+                <a:cubicBezTo>
+                  <a:pt x="5373625" y="-29155"/>
+                  <a:pt x="5749491" y="1706"/>
+                  <a:pt x="6037130" y="0"/>
+                </a:cubicBezTo>
+                <a:cubicBezTo>
+                  <a:pt x="6324769" y="-1706"/>
+                  <a:pt x="6531407" y="1172"/>
+                  <a:pt x="6729461" y="0"/>
+                </a:cubicBezTo>
+                <a:cubicBezTo>
+                  <a:pt x="6927515" y="-1172"/>
+                  <a:pt x="7096794" y="-1520"/>
+                  <a:pt x="7324867" y="0"/>
+                </a:cubicBezTo>
+                <a:cubicBezTo>
+                  <a:pt x="7552940" y="1520"/>
+                  <a:pt x="7878827" y="-17110"/>
+                  <a:pt x="8114124" y="0"/>
+                </a:cubicBezTo>
+                <a:cubicBezTo>
+                  <a:pt x="8349421" y="17110"/>
+                  <a:pt x="8334208" y="15114"/>
+                  <a:pt x="8515677" y="0"/>
+                </a:cubicBezTo>
+                <a:cubicBezTo>
+                  <a:pt x="8697146" y="-15114"/>
+                  <a:pt x="9236164" y="22466"/>
+                  <a:pt x="9692640" y="0"/>
+                </a:cubicBezTo>
+                <a:cubicBezTo>
+                  <a:pt x="9692735" y="8251"/>
+                  <a:pt x="9692514" y="12333"/>
+                  <a:pt x="9692640" y="18288"/>
+                </a:cubicBezTo>
+                <a:cubicBezTo>
+                  <a:pt x="9410102" y="47398"/>
+                  <a:pt x="9172773" y="7109"/>
+                  <a:pt x="9000309" y="18288"/>
+                </a:cubicBezTo>
+                <a:cubicBezTo>
+                  <a:pt x="8827845" y="29467"/>
+                  <a:pt x="8713608" y="28372"/>
+                  <a:pt x="8501830" y="18288"/>
+                </a:cubicBezTo>
+                <a:cubicBezTo>
+                  <a:pt x="8290052" y="8204"/>
+                  <a:pt x="7893416" y="3561"/>
+                  <a:pt x="7712572" y="18288"/>
+                </a:cubicBezTo>
+                <a:cubicBezTo>
+                  <a:pt x="7531728" y="33015"/>
+                  <a:pt x="7480716" y="17052"/>
+                  <a:pt x="7311020" y="18288"/>
+                </a:cubicBezTo>
+                <a:cubicBezTo>
+                  <a:pt x="7141324" y="19524"/>
+                  <a:pt x="6962706" y="15975"/>
+                  <a:pt x="6618688" y="18288"/>
+                </a:cubicBezTo>
+                <a:cubicBezTo>
+                  <a:pt x="6274670" y="20601"/>
+                  <a:pt x="6230664" y="-1692"/>
+                  <a:pt x="6120210" y="18288"/>
+                </a:cubicBezTo>
+                <a:cubicBezTo>
+                  <a:pt x="6009756" y="38268"/>
+                  <a:pt x="5442516" y="28115"/>
+                  <a:pt x="5234026" y="18288"/>
+                </a:cubicBezTo>
+                <a:cubicBezTo>
+                  <a:pt x="5025536" y="8461"/>
+                  <a:pt x="4953693" y="18182"/>
+                  <a:pt x="4832473" y="18288"/>
+                </a:cubicBezTo>
+                <a:cubicBezTo>
+                  <a:pt x="4711253" y="18394"/>
+                  <a:pt x="4414565" y="-11251"/>
+                  <a:pt x="4140142" y="18288"/>
+                </a:cubicBezTo>
+                <a:cubicBezTo>
+                  <a:pt x="3865719" y="47827"/>
+                  <a:pt x="3819081" y="16772"/>
+                  <a:pt x="3738590" y="18288"/>
+                </a:cubicBezTo>
+                <a:cubicBezTo>
+                  <a:pt x="3658099" y="19804"/>
+                  <a:pt x="3427576" y="1385"/>
+                  <a:pt x="3240111" y="18288"/>
+                </a:cubicBezTo>
+                <a:cubicBezTo>
+                  <a:pt x="3052646" y="35191"/>
+                  <a:pt x="2749652" y="-13914"/>
+                  <a:pt x="2450853" y="18288"/>
+                </a:cubicBezTo>
+                <a:cubicBezTo>
+                  <a:pt x="2152054" y="50490"/>
+                  <a:pt x="1928331" y="61101"/>
+                  <a:pt x="1564669" y="18288"/>
+                </a:cubicBezTo>
+                <a:cubicBezTo>
+                  <a:pt x="1201007" y="-24525"/>
+                  <a:pt x="1217828" y="-275"/>
+                  <a:pt x="1066190" y="18288"/>
+                </a:cubicBezTo>
+                <a:cubicBezTo>
+                  <a:pt x="914552" y="36851"/>
+                  <a:pt x="418290" y="-14785"/>
+                  <a:pt x="0" y="18288"/>
+                </a:cubicBezTo>
+                <a:cubicBezTo>
+                  <a:pt x="641" y="14236"/>
+                  <a:pt x="889" y="7550"/>
+                  <a:pt x="0" y="0"/>
+                </a:cubicBezTo>
+                <a:close/>
+              </a:path>
+            </a:pathLst>
+          </a:custGeom>
+          <a:solidFill>
+            <a:srgbClr val="FFFFFF">
+              <a:alpha val="75000"/>
+            </a:srgbClr>
+          </a:solidFill>
+          <a:ln w="44450" cap="rnd">
+            <a:solidFill>
+              <a:srgbClr val="FFFFFF">
+                <a:alpha val="75000"/>
+              </a:srgbClr>
+            </a:solidFill>
+            <a:round/>
+            <a:extLst>
+              <a:ext uri="{C807C97D-BFC1-408E-A445-0C87EB9F89A2}">
+                <ask:lineSketchStyleProps xmlns:ask="http://schemas.microsoft.com/office/drawing/2018/sketchyshapes" sd="2727557108">
+                  <a:prstGeom prst="rect">
+                    <a:avLst/>
+                  </a:prstGeom>
+                  <ask:type>
+                    <ask:lineSketchFreehand/>
+                  </ask:type>
+                </ask:lineSketchStyleProps>
+              </a:ext>
+            </a:extLst>
+          </a:ln>
+        </p:spPr>
+        <p:style>
+          <a:lnRef idx="2">
+            <a:schemeClr val="accent1">
+              <a:shade val="50000"/>
+            </a:schemeClr>
+          </a:lnRef>
+          <a:fillRef idx="1">
+            <a:schemeClr val="accent1"/>
+          </a:fillRef>
+          <a:effectRef idx="0">
+            <a:schemeClr val="accent1"/>
+          </a:effectRef>
+          <a:fontRef idx="minor">
+            <a:schemeClr val="lt1"/>
+          </a:fontRef>
+        </p:style>
+        <p:txBody>
+          <a:bodyPr rtlCol="0" anchor="ctr"/>
+          <a:lstStyle/>
+          <a:p>
+            <a:pPr algn="ctr"/>
+            <a:endParaRPr lang="en-US"/>
+          </a:p>
+        </p:txBody>
+      </p:sp>
+      <p:sp>
+        <p:nvSpPr>
+          <p:cNvPr id="4" name="Text Placeholder 3">
+            <a:extLst>
+              <a:ext uri="{FF2B5EF4-FFF2-40B4-BE49-F238E27FC236}">
+                <a16:creationId xmlns:a16="http://schemas.microsoft.com/office/drawing/2014/main" id="{CEEF2116-9B2C-4BF0-B1E8-E6CC7077D222}"/>
+              </a:ext>
+            </a:extLst>
+          </p:cNvPr>
+          <p:cNvSpPr>
+            <a:spLocks noGrp="1"/>
+          </p:cNvSpPr>
+          <p:nvPr>
+            <p:ph type="body" sz="half" idx="2"/>
+          </p:nvPr>
+        </p:nvSpPr>
+        <p:spPr>
+          <a:xfrm>
+            <a:off x="838200" y="2004446"/>
+            <a:ext cx="10515600" cy="4176897"/>
+          </a:xfrm>
+        </p:spPr>
+        <p:txBody>
+          <a:bodyPr vert="horz" lIns="91440" tIns="45720" rIns="91440" bIns="45720" rtlCol="0">
+            <a:normAutofit/>
+          </a:bodyPr>
+          <a:lstStyle/>
+          <a:p>
+            <a:r>
+              <a:rPr lang="en-US" sz="2800" u="sng" dirty="0">
+                <a:solidFill>
+                  <a:srgbClr val="FFFFFF"/>
+                </a:solidFill>
+              </a:rPr>
+              <a:t>Hypothesis: </a:t>
+            </a:r>
+          </a:p>
+          <a:p>
+            <a:r>
+              <a:rPr lang="en-US" sz="2200" dirty="0">
+                <a:solidFill>
+                  <a:srgbClr val="FFFFFF"/>
+                </a:solidFill>
+              </a:rPr>
+              <a:t>Zip codes with greater educational availability (defined: number of public schools K-12 and colleges) have higher per capita income and higher percentage of electronic tax fillings with direct deposit returns. </a:t>
+            </a:r>
+          </a:p>
+          <a:p>
+            <a:pPr indent="-228600">
+              <a:buFont typeface="Arial" panose="020B0604020202020204" pitchFamily="34" charset="0"/>
+              <a:buChar char="•"/>
+            </a:pPr>
+            <a:endParaRPr lang="en-US" sz="2200" dirty="0">
+              <a:solidFill>
+                <a:srgbClr val="FFFFFF"/>
+              </a:solidFill>
+            </a:endParaRPr>
+          </a:p>
+          <a:p>
+            <a:r>
+              <a:rPr lang="en-US" sz="2800" u="sng" dirty="0">
+                <a:solidFill>
+                  <a:srgbClr val="FFFFFF"/>
+                </a:solidFill>
+              </a:rPr>
+              <a:t>Result: </a:t>
+            </a:r>
+          </a:p>
+          <a:p>
+            <a:r>
+              <a:rPr lang="en-US" sz="2200" dirty="0">
+                <a:solidFill>
+                  <a:srgbClr val="FFFFFF"/>
+                </a:solidFill>
+              </a:rPr>
+              <a:t>Hypothesis was rejected due to no coloration.  </a:t>
+            </a:r>
+          </a:p>
+        </p:txBody>
+      </p:sp>
+    </p:spTree>
+    <p:extLst>
+      <p:ext uri="{BB962C8B-B14F-4D97-AF65-F5344CB8AC3E}">
+        <p14:creationId xmlns:p14="http://schemas.microsoft.com/office/powerpoint/2010/main" val="1371322822"/>
+      </p:ext>
+    </p:extLst>
+  </p:cSld>
+  <p:clrMapOvr>
+    <a:overrideClrMapping bg1="dk1" tx1="lt1" bg2="dk2" tx2="lt2" accent1="accent1" accent2="accent2" accent3="accent3" accent4="accent4" accent5="accent5" accent6="accent6" hlink="hlink" folHlink="folHlink"/>
+  </p:clrMapOvr>
+</p:sld>
+</file>
+
+<file path=ppt/slides/slide6.xml><?xml version="1.0" encoding="utf-8"?>
+<p:sld xmlns:a="http://schemas.openxmlformats.org/drawingml/2006/main" xmlns:r="http://schemas.openxmlformats.org/officeDocument/2006/relationships" xmlns:p="http://schemas.openxmlformats.org/presentationml/2006/main">
+  <p:cSld>
+    <p:bg>
+      <p:bgPr>
+        <a:solidFill>
+          <a:schemeClr val="bg1"/>
+        </a:solidFill>
+        <a:effectLst/>
+      </p:bgPr>
+    </p:bg>
+    <p:spTree>
+      <p:nvGrpSpPr>
+        <p:cNvPr id="1" name=""/>
+        <p:cNvGrpSpPr/>
+        <p:nvPr/>
+      </p:nvGrpSpPr>
+      <p:grpSpPr>
+        <a:xfrm>
+          <a:off x="0" y="0"/>
+          <a:ext cx="0" cy="0"/>
+          <a:chOff x="0" y="0"/>
+          <a:chExt cx="0" cy="0"/>
+        </a:xfrm>
+      </p:grpSpPr>
+      <p:sp>
+        <p:nvSpPr>
+          <p:cNvPr id="23" name="Rectangle 22">
+            <a:extLst>
+              <a:ext uri="{FF2B5EF4-FFF2-40B4-BE49-F238E27FC236}">
+                <a16:creationId xmlns:a16="http://schemas.microsoft.com/office/drawing/2014/main" id="{A9F529C3-C941-49FD-8C67-82F134F64BDB}"/>
+              </a:ext>
+              <a:ext uri="{C183D7F6-B498-43B3-948B-1728B52AA6E4}">
+                <adec:decorative xmlns:adec="http://schemas.microsoft.com/office/drawing/2017/decorative" val="1"/>
+              </a:ext>
+            </a:extLst>
+          </p:cNvPr>
+          <p:cNvSpPr>
+            <a:spLocks noGrp="1" noRot="1" noChangeAspect="1" noMove="1" noResize="1" noEditPoints="1" noAdjustHandles="1" noChangeArrowheads="1" noChangeShapeType="1" noTextEdit="1"/>
+          </p:cNvSpPr>
+          <p:nvPr>
+            <p:extLst>
+              <p:ext uri="{386F3935-93C4-4BCD-93E2-E3B085C9AB24}">
+                <p16:designElem xmlns:p16="http://schemas.microsoft.com/office/powerpoint/2015/main" val="1"/>
+              </p:ext>
+            </p:extLst>
+          </p:nvPr>
+        </p:nvSpPr>
+        <p:spPr>
+          <a:xfrm>
+            <a:off x="0" y="0"/>
+            <a:ext cx="12192000" cy="6858000"/>
+          </a:xfrm>
+          <a:prstGeom prst="rect">
+            <a:avLst/>
+          </a:prstGeom>
+          <a:solidFill>
+            <a:schemeClr val="tx1">
+              <a:lumMod val="50000"/>
+              <a:lumOff val="50000"/>
               <a:alpha val="30000"/>
             </a:schemeClr>
           </a:solidFill>
@@ -5409,9 +8064,7 @@
           </a:fontRef>
         </p:style>
         <p:txBody>
-          <a:bodyPr wrap="square" rtlCol="0" anchor="ctr">
-            <a:noAutofit/>
-          </a:bodyPr>
+          <a:bodyPr rtlCol="0" anchor="ctr"/>
           <a:lstStyle/>
           <a:p>
             <a:pPr algn="ctr"/>
@@ -5421,10 +8074,10 @@
       </p:sp>
       <p:sp>
         <p:nvSpPr>
-          <p:cNvPr id="26" name="Rectangle 25">
-            <a:extLst>
-              <a:ext uri="{FF2B5EF4-FFF2-40B4-BE49-F238E27FC236}">
-                <a16:creationId xmlns:a16="http://schemas.microsoft.com/office/drawing/2014/main" id="{851012D1-8033-40B1-9EC0-91390FFC7403}"/>
+          <p:cNvPr id="25" name="Rectangle 24">
+            <a:extLst>
+              <a:ext uri="{FF2B5EF4-FFF2-40B4-BE49-F238E27FC236}">
+                <a16:creationId xmlns:a16="http://schemas.microsoft.com/office/drawing/2014/main" id="{20586029-32A0-47E5-9AEC-AE3ABA6B94D0}"/>
               </a:ext>
               <a:ext uri="{C183D7F6-B498-43B3-948B-1728B52AA6E4}">
                 <adec:decorative xmlns:adec="http://schemas.microsoft.com/office/drawing/2017/decorative" val="1"/>
@@ -5443,15 +8096,250 @@
           </p:nvPr>
         </p:nvSpPr>
         <p:spPr>
-          <a:xfrm rot="2700000">
-            <a:off x="301285" y="1282788"/>
-            <a:ext cx="485578" cy="485578"/>
+          <a:xfrm>
+            <a:off x="477012" y="480060"/>
+            <a:ext cx="11237976" cy="5897880"/>
           </a:xfrm>
           <a:prstGeom prst="rect">
             <a:avLst/>
           </a:prstGeom>
           <a:solidFill>
+            <a:srgbClr val="FFFFFF"/>
+          </a:solidFill>
+          <a:ln w="9525">
+            <a:noFill/>
+          </a:ln>
+          <a:effectLst>
+            <a:outerShdw blurRad="63500" dist="17780" dir="5400000" algn="t" rotWithShape="0">
+              <a:prstClr val="black">
+                <a:alpha val="43000"/>
+              </a:prstClr>
+            </a:outerShdw>
+          </a:effectLst>
+        </p:spPr>
+        <p:style>
+          <a:lnRef idx="2">
             <a:schemeClr val="accent1">
+              <a:shade val="50000"/>
+            </a:schemeClr>
+          </a:lnRef>
+          <a:fillRef idx="1">
+            <a:schemeClr val="accent1"/>
+          </a:fillRef>
+          <a:effectRef idx="0">
+            <a:schemeClr val="accent1"/>
+          </a:effectRef>
+          <a:fontRef idx="minor">
+            <a:schemeClr val="lt1"/>
+          </a:fontRef>
+        </p:style>
+        <p:txBody>
+          <a:bodyPr rtlCol="0" anchor="ctr"/>
+          <a:lstStyle/>
+          <a:p>
+            <a:pPr algn="ctr"/>
+            <a:endParaRPr lang="en-US"/>
+          </a:p>
+        </p:txBody>
+      </p:sp>
+      <p:pic>
+        <p:nvPicPr>
+          <p:cNvPr id="6" name="Picture Placeholder 5" descr="Chart, scatter chart&#10;&#10;Description automatically generated">
+            <a:extLst>
+              <a:ext uri="{FF2B5EF4-FFF2-40B4-BE49-F238E27FC236}">
+                <a16:creationId xmlns:a16="http://schemas.microsoft.com/office/drawing/2014/main" id="{61E7E7A3-16A4-4B28-9D52-5021FE99367D}"/>
+              </a:ext>
+            </a:extLst>
+          </p:cNvPr>
+          <p:cNvPicPr>
+            <a:picLocks noGrp="1" noChangeAspect="1"/>
+          </p:cNvPicPr>
+          <p:nvPr>
+            <p:ph type="pic" idx="1"/>
+          </p:nvPr>
+        </p:nvPicPr>
+        <p:blipFill rotWithShape="1">
+          <a:blip r:embed="rId2">
+            <a:extLst>
+              <a:ext uri="{28A0092B-C50C-407E-A947-70E740481C1C}">
+                <a14:useLocalDpi xmlns:a14="http://schemas.microsoft.com/office/drawing/2010/main" val="0"/>
+              </a:ext>
+            </a:extLst>
+          </a:blip>
+          <a:srcRect l="-356" r="-856"/>
+          <a:stretch/>
+        </p:blipFill>
+        <p:spPr>
+          <a:xfrm>
+            <a:off x="643467" y="1633560"/>
+            <a:ext cx="5294716" cy="3590877"/>
+          </a:xfrm>
+          <a:prstGeom prst="rect">
+            <a:avLst/>
+          </a:prstGeom>
+        </p:spPr>
+      </p:pic>
+      <p:cxnSp>
+        <p:nvCxnSpPr>
+          <p:cNvPr id="27" name="Straight Connector 26">
+            <a:extLst>
+              <a:ext uri="{FF2B5EF4-FFF2-40B4-BE49-F238E27FC236}">
+                <a16:creationId xmlns:a16="http://schemas.microsoft.com/office/drawing/2014/main" id="{8C730EAB-A532-4295-A302-FB4B90DB9F5E}"/>
+              </a:ext>
+              <a:ext uri="{C183D7F6-B498-43B3-948B-1728B52AA6E4}">
+                <adec:decorative xmlns:adec="http://schemas.microsoft.com/office/drawing/2017/decorative" val="1"/>
+              </a:ext>
+            </a:extLst>
+          </p:cNvPr>
+          <p:cNvCxnSpPr>
+            <a:cxnSpLocks noGrp="1" noRot="1" noChangeAspect="1" noMove="1" noResize="1" noEditPoints="1" noAdjustHandles="1" noChangeArrowheads="1" noChangeShapeType="1"/>
+          </p:cNvCxnSpPr>
+          <p:nvPr>
+            <p:extLst>
+              <p:ext uri="{386F3935-93C4-4BCD-93E2-E3B085C9AB24}">
+                <p16:designElem xmlns:p16="http://schemas.microsoft.com/office/powerpoint/2015/main" val="1"/>
+              </p:ext>
+            </p:extLst>
+          </p:nvPr>
+        </p:nvCxnSpPr>
+        <p:spPr>
+          <a:xfrm>
+            <a:off x="6079958" y="1143000"/>
+            <a:ext cx="0" cy="4572000"/>
+          </a:xfrm>
+          <a:prstGeom prst="line">
+            <a:avLst/>
+          </a:prstGeom>
+          <a:ln>
+            <a:solidFill>
+              <a:srgbClr val="4E4E4E"/>
+            </a:solidFill>
+          </a:ln>
+        </p:spPr>
+        <p:style>
+          <a:lnRef idx="1">
+            <a:schemeClr val="accent1"/>
+          </a:lnRef>
+          <a:fillRef idx="0">
+            <a:schemeClr val="accent1"/>
+          </a:fillRef>
+          <a:effectRef idx="0">
+            <a:schemeClr val="accent1"/>
+          </a:effectRef>
+          <a:fontRef idx="minor">
+            <a:schemeClr val="tx1"/>
+          </a:fontRef>
+        </p:style>
+      </p:cxnSp>
+      <p:pic>
+        <p:nvPicPr>
+          <p:cNvPr id="8" name="Picture 7" descr="Chart, scatter chart&#10;&#10;Description automatically generated">
+            <a:extLst>
+              <a:ext uri="{FF2B5EF4-FFF2-40B4-BE49-F238E27FC236}">
+                <a16:creationId xmlns:a16="http://schemas.microsoft.com/office/drawing/2014/main" id="{192206AB-6E6B-4A86-AD85-86024039C4B6}"/>
+              </a:ext>
+            </a:extLst>
+          </p:cNvPr>
+          <p:cNvPicPr>
+            <a:picLocks noChangeAspect="1"/>
+          </p:cNvPicPr>
+          <p:nvPr/>
+        </p:nvPicPr>
+        <p:blipFill>
+          <a:blip r:embed="rId3">
+            <a:extLst>
+              <a:ext uri="{28A0092B-C50C-407E-A947-70E740481C1C}">
+                <a14:useLocalDpi xmlns:a14="http://schemas.microsoft.com/office/drawing/2010/main" val="0"/>
+              </a:ext>
+            </a:extLst>
+          </a:blip>
+          <a:stretch>
+            <a:fillRect/>
+          </a:stretch>
+        </p:blipFill>
+        <p:spPr>
+          <a:xfrm>
+            <a:off x="6253817" y="1502389"/>
+            <a:ext cx="5294715" cy="3853222"/>
+          </a:xfrm>
+          <a:prstGeom prst="rect">
+            <a:avLst/>
+          </a:prstGeom>
+        </p:spPr>
+      </p:pic>
+    </p:spTree>
+    <p:extLst>
+      <p:ext uri="{BB962C8B-B14F-4D97-AF65-F5344CB8AC3E}">
+        <p14:creationId xmlns:p14="http://schemas.microsoft.com/office/powerpoint/2010/main" val="3764618113"/>
+      </p:ext>
+    </p:extLst>
+  </p:cSld>
+  <p:clrMapOvr>
+    <a:masterClrMapping/>
+  </p:clrMapOvr>
+</p:sld>
+</file>
+
+<file path=ppt/slides/slide7.xml><?xml version="1.0" encoding="utf-8"?>
+<p:sld xmlns:a="http://schemas.openxmlformats.org/drawingml/2006/main" xmlns:r="http://schemas.openxmlformats.org/officeDocument/2006/relationships" xmlns:p="http://schemas.openxmlformats.org/presentationml/2006/main">
+  <p:cSld>
+    <p:bg>
+      <p:bgPr>
+        <a:solidFill>
+          <a:schemeClr val="bg1"/>
+        </a:solidFill>
+        <a:effectLst/>
+      </p:bgPr>
+    </p:bg>
+    <p:spTree>
+      <p:nvGrpSpPr>
+        <p:cNvPr id="1" name=""/>
+        <p:cNvGrpSpPr/>
+        <p:nvPr/>
+      </p:nvGrpSpPr>
+      <p:grpSpPr>
+        <a:xfrm>
+          <a:off x="0" y="0"/>
+          <a:ext cx="0" cy="0"/>
+          <a:chOff x="0" y="0"/>
+          <a:chExt cx="0" cy="0"/>
+        </a:xfrm>
+      </p:grpSpPr>
+      <p:sp>
+        <p:nvSpPr>
+          <p:cNvPr id="14" name="Rectangle 13">
+            <a:extLst>
+              <a:ext uri="{FF2B5EF4-FFF2-40B4-BE49-F238E27FC236}">
+                <a16:creationId xmlns:a16="http://schemas.microsoft.com/office/drawing/2014/main" id="{A9F529C3-C941-49FD-8C67-82F134F64BDB}"/>
+              </a:ext>
+              <a:ext uri="{C183D7F6-B498-43B3-948B-1728B52AA6E4}">
+                <adec:decorative xmlns:adec="http://schemas.microsoft.com/office/drawing/2017/decorative" val="1"/>
+              </a:ext>
+            </a:extLst>
+          </p:cNvPr>
+          <p:cNvSpPr>
+            <a:spLocks noGrp="1" noRot="1" noChangeAspect="1" noMove="1" noResize="1" noEditPoints="1" noAdjustHandles="1" noChangeArrowheads="1" noChangeShapeType="1" noTextEdit="1"/>
+          </p:cNvSpPr>
+          <p:nvPr>
+            <p:extLst>
+              <p:ext uri="{386F3935-93C4-4BCD-93E2-E3B085C9AB24}">
+                <p16:designElem xmlns:p16="http://schemas.microsoft.com/office/powerpoint/2015/main" val="1"/>
+              </p:ext>
+            </p:extLst>
+          </p:nvPr>
+        </p:nvSpPr>
+        <p:spPr>
+          <a:xfrm>
+            <a:off x="0" y="0"/>
+            <a:ext cx="12192000" cy="6858000"/>
+          </a:xfrm>
+          <a:prstGeom prst="rect">
+            <a:avLst/>
+          </a:prstGeom>
+          <a:solidFill>
+            <a:schemeClr val="tx1">
+              <a:lumMod val="50000"/>
+              <a:lumOff val="50000"/>
               <a:alpha val="30000"/>
             </a:schemeClr>
           </a:solidFill>
@@ -5476,9 +8364,7 @@
           </a:fontRef>
         </p:style>
         <p:txBody>
-          <a:bodyPr wrap="square" rtlCol="0" anchor="ctr">
-            <a:noAutofit/>
-          </a:bodyPr>
+          <a:bodyPr rtlCol="0" anchor="ctr"/>
           <a:lstStyle/>
           <a:p>
             <a:pPr algn="ctr"/>
@@ -5488,59 +8374,10 @@
       </p:sp>
       <p:sp>
         <p:nvSpPr>
-          <p:cNvPr id="4" name="Text Placeholder 3">
-            <a:extLst>
-              <a:ext uri="{FF2B5EF4-FFF2-40B4-BE49-F238E27FC236}">
-                <a16:creationId xmlns:a16="http://schemas.microsoft.com/office/drawing/2014/main" id="{938E7BCD-79E1-4809-87E2-21107033DCA3}"/>
-              </a:ext>
-            </a:extLst>
-          </p:cNvPr>
-          <p:cNvSpPr>
-            <a:spLocks noGrp="1"/>
-          </p:cNvSpPr>
-          <p:nvPr>
-            <p:ph type="body" sz="half" idx="2"/>
-          </p:nvPr>
-        </p:nvSpPr>
-        <p:spPr>
-          <a:xfrm>
-            <a:off x="6090998" y="643467"/>
-            <a:ext cx="5457533" cy="5571065"/>
-          </a:xfrm>
-        </p:spPr>
-        <p:txBody>
-          <a:bodyPr vert="horz" lIns="91440" tIns="45720" rIns="91440" bIns="45720" rtlCol="0" anchor="ctr">
-            <a:normAutofit/>
-          </a:bodyPr>
-          <a:lstStyle/>
-          <a:p>
-            <a:pPr indent="-228600">
-              <a:buFont typeface="Arial" panose="020B0604020202020204" pitchFamily="34" charset="0"/>
-              <a:buChar char="•"/>
-            </a:pPr>
-            <a:r>
-              <a:rPr lang="en-US" sz="2000" dirty="0"/>
-              <a:t>Some people do not file taxes, which could not be accounted</a:t>
-            </a:r>
-          </a:p>
-          <a:p>
-            <a:pPr indent="-228600">
-              <a:buFont typeface="Arial" panose="020B0604020202020204" pitchFamily="34" charset="0"/>
-              <a:buChar char="•"/>
-            </a:pPr>
-            <a:r>
-              <a:rPr lang="en-US" sz="2000" dirty="0"/>
-              <a:t>Economic and social situations affecting income </a:t>
-            </a:r>
-          </a:p>
-        </p:txBody>
-      </p:sp>
-      <p:sp>
-        <p:nvSpPr>
-          <p:cNvPr id="28" name="Rectangle 27">
-            <a:extLst>
-              <a:ext uri="{FF2B5EF4-FFF2-40B4-BE49-F238E27FC236}">
-                <a16:creationId xmlns:a16="http://schemas.microsoft.com/office/drawing/2014/main" id="{2E80C965-DB6D-4F81-9E9E-B027384D0BD6}"/>
+          <p:cNvPr id="16" name="Rectangle 15">
+            <a:extLst>
+              <a:ext uri="{FF2B5EF4-FFF2-40B4-BE49-F238E27FC236}">
+                <a16:creationId xmlns:a16="http://schemas.microsoft.com/office/drawing/2014/main" id="{20586029-32A0-47E5-9AEC-AE3ABA6B94D0}"/>
               </a:ext>
               <a:ext uri="{C183D7F6-B498-43B3-948B-1728B52AA6E4}">
                 <adec:decorative xmlns:adec="http://schemas.microsoft.com/office/drawing/2017/decorative" val="1"/>
@@ -5559,21 +8396,26 @@
           </p:nvPr>
         </p:nvSpPr>
         <p:spPr>
-          <a:xfrm rot="2700000">
-            <a:off x="8809436" y="6033666"/>
-            <a:ext cx="645368" cy="645368"/>
+          <a:xfrm>
+            <a:off x="477012" y="480060"/>
+            <a:ext cx="11237976" cy="5897880"/>
           </a:xfrm>
           <a:prstGeom prst="rect">
             <a:avLst/>
           </a:prstGeom>
           <a:solidFill>
-            <a:schemeClr val="accent4">
-              <a:alpha val="30000"/>
-            </a:schemeClr>
+            <a:srgbClr val="FFFFFF"/>
           </a:solidFill>
-          <a:ln>
+          <a:ln w="9525">
             <a:noFill/>
           </a:ln>
+          <a:effectLst>
+            <a:outerShdw blurRad="63500" dist="17780" dir="5400000" algn="t" rotWithShape="0">
+              <a:prstClr val="black">
+                <a:alpha val="43000"/>
+              </a:prstClr>
+            </a:outerShdw>
+          </a:effectLst>
         </p:spPr>
         <p:style>
           <a:lnRef idx="2">
@@ -5600,21 +8442,57 @@
           </a:p>
         </p:txBody>
       </p:sp>
-      <p:sp>
-        <p:nvSpPr>
-          <p:cNvPr id="30" name="Isosceles Triangle 29">
-            <a:extLst>
-              <a:ext uri="{FF2B5EF4-FFF2-40B4-BE49-F238E27FC236}">
-                <a16:creationId xmlns:a16="http://schemas.microsoft.com/office/drawing/2014/main" id="{D291F021-C45C-4D44-A2B8-A789E386CC42}"/>
+      <p:pic>
+        <p:nvPicPr>
+          <p:cNvPr id="9" name="Picture 8" descr="Chart, scatter chart&#10;&#10;Description automatically generated">
+            <a:extLst>
+              <a:ext uri="{FF2B5EF4-FFF2-40B4-BE49-F238E27FC236}">
+                <a16:creationId xmlns:a16="http://schemas.microsoft.com/office/drawing/2014/main" id="{A19F3031-459D-4775-987B-16F4CD41B168}"/>
+              </a:ext>
+            </a:extLst>
+          </p:cNvPr>
+          <p:cNvPicPr>
+            <a:picLocks noChangeAspect="1"/>
+          </p:cNvPicPr>
+          <p:nvPr/>
+        </p:nvPicPr>
+        <p:blipFill>
+          <a:blip r:embed="rId2">
+            <a:extLst>
+              <a:ext uri="{28A0092B-C50C-407E-A947-70E740481C1C}">
+                <a14:useLocalDpi xmlns:a14="http://schemas.microsoft.com/office/drawing/2010/main" val="0"/>
+              </a:ext>
+            </a:extLst>
+          </a:blip>
+          <a:stretch>
+            <a:fillRect/>
+          </a:stretch>
+        </p:blipFill>
+        <p:spPr>
+          <a:xfrm>
+            <a:off x="643467" y="1611800"/>
+            <a:ext cx="5294716" cy="3634398"/>
+          </a:xfrm>
+          <a:prstGeom prst="rect">
+            <a:avLst/>
+          </a:prstGeom>
+        </p:spPr>
+      </p:pic>
+      <p:cxnSp>
+        <p:nvCxnSpPr>
+          <p:cNvPr id="18" name="Straight Connector 17">
+            <a:extLst>
+              <a:ext uri="{FF2B5EF4-FFF2-40B4-BE49-F238E27FC236}">
+                <a16:creationId xmlns:a16="http://schemas.microsoft.com/office/drawing/2014/main" id="{8C730EAB-A532-4295-A302-FB4B90DB9F5E}"/>
               </a:ext>
               <a:ext uri="{C183D7F6-B498-43B3-948B-1728B52AA6E4}">
                 <adec:decorative xmlns:adec="http://schemas.microsoft.com/office/drawing/2017/decorative" val="1"/>
               </a:ext>
             </a:extLst>
           </p:cNvPr>
-          <p:cNvSpPr>
-            <a:spLocks noGrp="1" noRot="1" noChangeAspect="1" noMove="1" noResize="1" noEditPoints="1" noAdjustHandles="1" noChangeArrowheads="1" noChangeShapeType="1" noTextEdit="1"/>
-          </p:cNvSpPr>
+          <p:cNvCxnSpPr>
+            <a:cxnSpLocks noGrp="1" noRot="1" noChangeAspect="1" noMove="1" noResize="1" noEditPoints="1" noAdjustHandles="1" noChangeArrowheads="1" noChangeShapeType="1"/>
+          </p:cNvCxnSpPr>
           <p:nvPr>
             <p:extLst>
               <p:ext uri="{386F3935-93C4-4BCD-93E2-E3B085C9AB24}">
@@ -5622,55 +8500,76 @@
               </p:ext>
             </p:extLst>
           </p:nvPr>
-        </p:nvSpPr>
+        </p:nvCxnSpPr>
         <p:spPr>
           <a:xfrm>
-            <a:off x="8603444" y="5721108"/>
-            <a:ext cx="2261965" cy="1136891"/>
+            <a:off x="6079958" y="1143000"/>
+            <a:ext cx="0" cy="4572000"/>
           </a:xfrm>
-          <a:prstGeom prst="triangle">
-            <a:avLst>
-              <a:gd name="adj" fmla="val 50000"/>
-            </a:avLst>
+          <a:prstGeom prst="line">
+            <a:avLst/>
           </a:prstGeom>
-          <a:solidFill>
-            <a:schemeClr val="accent4">
-              <a:alpha val="30000"/>
-            </a:schemeClr>
-          </a:solidFill>
           <a:ln>
-            <a:noFill/>
+            <a:solidFill>
+              <a:srgbClr val="4E4E4E"/>
+            </a:solidFill>
           </a:ln>
         </p:spPr>
         <p:style>
-          <a:lnRef idx="2">
-            <a:schemeClr val="accent1">
-              <a:shade val="50000"/>
-            </a:schemeClr>
+          <a:lnRef idx="1">
+            <a:schemeClr val="accent1"/>
           </a:lnRef>
-          <a:fillRef idx="1">
+          <a:fillRef idx="0">
             <a:schemeClr val="accent1"/>
           </a:fillRef>
           <a:effectRef idx="0">
             <a:schemeClr val="accent1"/>
           </a:effectRef>
           <a:fontRef idx="minor">
-            <a:schemeClr val="lt1"/>
+            <a:schemeClr val="tx1"/>
           </a:fontRef>
         </p:style>
-        <p:txBody>
-          <a:bodyPr rtlCol="0" anchor="ctr"/>
-          <a:lstStyle/>
-          <a:p>
-            <a:pPr algn="ctr"/>
-            <a:endParaRPr lang="en-US"/>
-          </a:p>
-        </p:txBody>
-      </p:sp>
+      </p:cxnSp>
+      <p:pic>
+        <p:nvPicPr>
+          <p:cNvPr id="5" name="Picture 4" descr="Chart, scatter chart&#10;&#10;Description automatically generated">
+            <a:extLst>
+              <a:ext uri="{FF2B5EF4-FFF2-40B4-BE49-F238E27FC236}">
+                <a16:creationId xmlns:a16="http://schemas.microsoft.com/office/drawing/2014/main" id="{44E40DF6-F525-4187-B9C6-A0B60BF44B21}"/>
+              </a:ext>
+            </a:extLst>
+          </p:cNvPr>
+          <p:cNvPicPr>
+            <a:picLocks noChangeAspect="1"/>
+          </p:cNvPicPr>
+          <p:nvPr/>
+        </p:nvPicPr>
+        <p:blipFill>
+          <a:blip r:embed="rId3">
+            <a:extLst>
+              <a:ext uri="{28A0092B-C50C-407E-A947-70E740481C1C}">
+                <a14:useLocalDpi xmlns:a14="http://schemas.microsoft.com/office/drawing/2010/main" val="0"/>
+              </a:ext>
+            </a:extLst>
+          </a:blip>
+          <a:stretch>
+            <a:fillRect/>
+          </a:stretch>
+        </p:blipFill>
+        <p:spPr>
+          <a:xfrm>
+            <a:off x="6253817" y="1611801"/>
+            <a:ext cx="5294715" cy="3634397"/>
+          </a:xfrm>
+          <a:prstGeom prst="rect">
+            <a:avLst/>
+          </a:prstGeom>
+        </p:spPr>
+      </p:pic>
     </p:spTree>
     <p:extLst>
       <p:ext uri="{BB962C8B-B14F-4D97-AF65-F5344CB8AC3E}">
-        <p14:creationId xmlns:p14="http://schemas.microsoft.com/office/powerpoint/2010/main" val="3214208313"/>
+        <p14:creationId xmlns:p14="http://schemas.microsoft.com/office/powerpoint/2010/main" val="3384683523"/>
       </p:ext>
     </p:extLst>
   </p:cSld>
